--- a/Block Escape.pptx
+++ b/Block Escape.pptx
@@ -265,7 +265,7 @@
           <a:p>
             <a:fld id="{1C56E1C8-51FB-41FF-A952-5015197EF72E}" type="datetimeFigureOut">
               <a:rPr lang="en-GB" smtClean="0"/>
-              <a:t>06/03/2023</a:t>
+              <a:t>09/03/2023</a:t>
             </a:fld>
             <a:endParaRPr lang="en-GB"/>
           </a:p>
@@ -465,7 +465,7 @@
           <a:p>
             <a:fld id="{1C56E1C8-51FB-41FF-A952-5015197EF72E}" type="datetimeFigureOut">
               <a:rPr lang="en-GB" smtClean="0"/>
-              <a:t>06/03/2023</a:t>
+              <a:t>09/03/2023</a:t>
             </a:fld>
             <a:endParaRPr lang="en-GB"/>
           </a:p>
@@ -675,7 +675,7 @@
           <a:p>
             <a:fld id="{1C56E1C8-51FB-41FF-A952-5015197EF72E}" type="datetimeFigureOut">
               <a:rPr lang="en-GB" smtClean="0"/>
-              <a:t>06/03/2023</a:t>
+              <a:t>09/03/2023</a:t>
             </a:fld>
             <a:endParaRPr lang="en-GB"/>
           </a:p>
@@ -875,7 +875,7 @@
           <a:p>
             <a:fld id="{1C56E1C8-51FB-41FF-A952-5015197EF72E}" type="datetimeFigureOut">
               <a:rPr lang="en-GB" smtClean="0"/>
-              <a:t>06/03/2023</a:t>
+              <a:t>09/03/2023</a:t>
             </a:fld>
             <a:endParaRPr lang="en-GB"/>
           </a:p>
@@ -1151,7 +1151,7 @@
           <a:p>
             <a:fld id="{1C56E1C8-51FB-41FF-A952-5015197EF72E}" type="datetimeFigureOut">
               <a:rPr lang="en-GB" smtClean="0"/>
-              <a:t>06/03/2023</a:t>
+              <a:t>09/03/2023</a:t>
             </a:fld>
             <a:endParaRPr lang="en-GB"/>
           </a:p>
@@ -1419,7 +1419,7 @@
           <a:p>
             <a:fld id="{1C56E1C8-51FB-41FF-A952-5015197EF72E}" type="datetimeFigureOut">
               <a:rPr lang="en-GB" smtClean="0"/>
-              <a:t>06/03/2023</a:t>
+              <a:t>09/03/2023</a:t>
             </a:fld>
             <a:endParaRPr lang="en-GB"/>
           </a:p>
@@ -1834,7 +1834,7 @@
           <a:p>
             <a:fld id="{1C56E1C8-51FB-41FF-A952-5015197EF72E}" type="datetimeFigureOut">
               <a:rPr lang="en-GB" smtClean="0"/>
-              <a:t>06/03/2023</a:t>
+              <a:t>09/03/2023</a:t>
             </a:fld>
             <a:endParaRPr lang="en-GB"/>
           </a:p>
@@ -1976,7 +1976,7 @@
           <a:p>
             <a:fld id="{1C56E1C8-51FB-41FF-A952-5015197EF72E}" type="datetimeFigureOut">
               <a:rPr lang="en-GB" smtClean="0"/>
-              <a:t>06/03/2023</a:t>
+              <a:t>09/03/2023</a:t>
             </a:fld>
             <a:endParaRPr lang="en-GB"/>
           </a:p>
@@ -2089,7 +2089,7 @@
           <a:p>
             <a:fld id="{1C56E1C8-51FB-41FF-A952-5015197EF72E}" type="datetimeFigureOut">
               <a:rPr lang="en-GB" smtClean="0"/>
-              <a:t>06/03/2023</a:t>
+              <a:t>09/03/2023</a:t>
             </a:fld>
             <a:endParaRPr lang="en-GB"/>
           </a:p>
@@ -2402,7 +2402,7 @@
           <a:p>
             <a:fld id="{1C56E1C8-51FB-41FF-A952-5015197EF72E}" type="datetimeFigureOut">
               <a:rPr lang="en-GB" smtClean="0"/>
-              <a:t>06/03/2023</a:t>
+              <a:t>09/03/2023</a:t>
             </a:fld>
             <a:endParaRPr lang="en-GB"/>
           </a:p>
@@ -2691,7 +2691,7 @@
           <a:p>
             <a:fld id="{1C56E1C8-51FB-41FF-A952-5015197EF72E}" type="datetimeFigureOut">
               <a:rPr lang="en-GB" smtClean="0"/>
-              <a:t>06/03/2023</a:t>
+              <a:t>09/03/2023</a:t>
             </a:fld>
             <a:endParaRPr lang="en-GB"/>
           </a:p>
@@ -2934,7 +2934,7 @@
           <a:p>
             <a:fld id="{1C56E1C8-51FB-41FF-A952-5015197EF72E}" type="datetimeFigureOut">
               <a:rPr lang="en-GB" smtClean="0"/>
-              <a:t>06/03/2023</a:t>
+              <a:t>09/03/2023</a:t>
             </a:fld>
             <a:endParaRPr lang="en-GB"/>
           </a:p>
@@ -5433,7 +5433,7 @@
         <p:spPr>
           <a:xfrm>
             <a:off x="4965430" y="2146301"/>
-            <a:ext cx="7163068" cy="3785419"/>
+            <a:ext cx="7163068" cy="4711699"/>
           </a:xfrm>
           <a:prstGeom prst="rect">
             <a:avLst/>
@@ -5675,7 +5675,7 @@
               <a:rPr lang="en-US" sz="1300" dirty="0">
                 <a:latin typeface="Lexend"/>
               </a:rPr>
-              <a:t>H1: Distance from the red car to the exit. </a:t>
+              <a:t>H1: Distance from the red block to the exit. </a:t>
             </a:r>
           </a:p>
           <a:p>
@@ -5693,7 +5693,7 @@
               <a:rPr lang="en-US" sz="1300" dirty="0">
                 <a:latin typeface="Lexend"/>
               </a:rPr>
-              <a:t>H2: Weighted sum of the number of obstacles between the red car and the exit. </a:t>
+              <a:t>H2: Weighted sum of the number of obstacles between the red block and the exit. </a:t>
             </a:r>
           </a:p>
           <a:p>
@@ -5711,7 +5711,7 @@
               <a:rPr lang="en-US" sz="1300" dirty="0">
                 <a:latin typeface="Lexend"/>
               </a:rPr>
-              <a:t>H3: The largest contiguous empty space near the red car. </a:t>
+              <a:t>H3: The largest contiguous empty space near the red block. </a:t>
             </a:r>
           </a:p>
           <a:p>
@@ -5729,7 +5729,7 @@
               <a:rPr lang="en-US" sz="1300" dirty="0">
                 <a:latin typeface="Lexend"/>
               </a:rPr>
-              <a:t>H4: Prioritize moves that keep the red car close to the edges of the game board. </a:t>
+              <a:t>H4: Prioritize moves that keep the red block close to the edges of the game board. </a:t>
             </a:r>
           </a:p>
           <a:p>

--- a/Block Escape.pptx
+++ b/Block Escape.pptx
@@ -5747,7 +5747,7 @@
               <a:rPr lang="en-US" sz="1300" dirty="0">
                 <a:latin typeface="Lexend"/>
               </a:rPr>
-              <a:t>H5: Always ensure that the red car has at least one valid move option available. </a:t>
+              <a:t>H5: Always ensure that the red block has at least one valid move option available. </a:t>
             </a:r>
           </a:p>
           <a:p>

--- a/Block Escape.pptx
+++ b/Block Escape.pptx
@@ -265,7 +265,7 @@
           <a:p>
             <a:fld id="{1C56E1C8-51FB-41FF-A952-5015197EF72E}" type="datetimeFigureOut">
               <a:rPr lang="en-GB" smtClean="0"/>
-              <a:t>09/03/2023</a:t>
+              <a:t>10/03/2023</a:t>
             </a:fld>
             <a:endParaRPr lang="en-GB"/>
           </a:p>
@@ -465,7 +465,7 @@
           <a:p>
             <a:fld id="{1C56E1C8-51FB-41FF-A952-5015197EF72E}" type="datetimeFigureOut">
               <a:rPr lang="en-GB" smtClean="0"/>
-              <a:t>09/03/2023</a:t>
+              <a:t>10/03/2023</a:t>
             </a:fld>
             <a:endParaRPr lang="en-GB"/>
           </a:p>
@@ -675,7 +675,7 @@
           <a:p>
             <a:fld id="{1C56E1C8-51FB-41FF-A952-5015197EF72E}" type="datetimeFigureOut">
               <a:rPr lang="en-GB" smtClean="0"/>
-              <a:t>09/03/2023</a:t>
+              <a:t>10/03/2023</a:t>
             </a:fld>
             <a:endParaRPr lang="en-GB"/>
           </a:p>
@@ -875,7 +875,7 @@
           <a:p>
             <a:fld id="{1C56E1C8-51FB-41FF-A952-5015197EF72E}" type="datetimeFigureOut">
               <a:rPr lang="en-GB" smtClean="0"/>
-              <a:t>09/03/2023</a:t>
+              <a:t>10/03/2023</a:t>
             </a:fld>
             <a:endParaRPr lang="en-GB"/>
           </a:p>
@@ -1151,7 +1151,7 @@
           <a:p>
             <a:fld id="{1C56E1C8-51FB-41FF-A952-5015197EF72E}" type="datetimeFigureOut">
               <a:rPr lang="en-GB" smtClean="0"/>
-              <a:t>09/03/2023</a:t>
+              <a:t>10/03/2023</a:t>
             </a:fld>
             <a:endParaRPr lang="en-GB"/>
           </a:p>
@@ -1419,7 +1419,7 @@
           <a:p>
             <a:fld id="{1C56E1C8-51FB-41FF-A952-5015197EF72E}" type="datetimeFigureOut">
               <a:rPr lang="en-GB" smtClean="0"/>
-              <a:t>09/03/2023</a:t>
+              <a:t>10/03/2023</a:t>
             </a:fld>
             <a:endParaRPr lang="en-GB"/>
           </a:p>
@@ -1834,7 +1834,7 @@
           <a:p>
             <a:fld id="{1C56E1C8-51FB-41FF-A952-5015197EF72E}" type="datetimeFigureOut">
               <a:rPr lang="en-GB" smtClean="0"/>
-              <a:t>09/03/2023</a:t>
+              <a:t>10/03/2023</a:t>
             </a:fld>
             <a:endParaRPr lang="en-GB"/>
           </a:p>
@@ -1976,7 +1976,7 @@
           <a:p>
             <a:fld id="{1C56E1C8-51FB-41FF-A952-5015197EF72E}" type="datetimeFigureOut">
               <a:rPr lang="en-GB" smtClean="0"/>
-              <a:t>09/03/2023</a:t>
+              <a:t>10/03/2023</a:t>
             </a:fld>
             <a:endParaRPr lang="en-GB"/>
           </a:p>
@@ -2089,7 +2089,7 @@
           <a:p>
             <a:fld id="{1C56E1C8-51FB-41FF-A952-5015197EF72E}" type="datetimeFigureOut">
               <a:rPr lang="en-GB" smtClean="0"/>
-              <a:t>09/03/2023</a:t>
+              <a:t>10/03/2023</a:t>
             </a:fld>
             <a:endParaRPr lang="en-GB"/>
           </a:p>
@@ -2402,7 +2402,7 @@
           <a:p>
             <a:fld id="{1C56E1C8-51FB-41FF-A952-5015197EF72E}" type="datetimeFigureOut">
               <a:rPr lang="en-GB" smtClean="0"/>
-              <a:t>09/03/2023</a:t>
+              <a:t>10/03/2023</a:t>
             </a:fld>
             <a:endParaRPr lang="en-GB"/>
           </a:p>
@@ -2691,7 +2691,7 @@
           <a:p>
             <a:fld id="{1C56E1C8-51FB-41FF-A952-5015197EF72E}" type="datetimeFigureOut">
               <a:rPr lang="en-GB" smtClean="0"/>
-              <a:t>09/03/2023</a:t>
+              <a:t>10/03/2023</a:t>
             </a:fld>
             <a:endParaRPr lang="en-GB"/>
           </a:p>
@@ -2934,7 +2934,7 @@
           <a:p>
             <a:fld id="{1C56E1C8-51FB-41FF-A952-5015197EF72E}" type="datetimeFigureOut">
               <a:rPr lang="en-GB" smtClean="0"/>
-              <a:t>09/03/2023</a:t>
+              <a:t>10/03/2023</a:t>
             </a:fld>
             <a:endParaRPr lang="en-GB"/>
           </a:p>
@@ -5902,6 +5902,14 @@
 <file path=ppt/slides/slide5.xml><?xml version="1.0" encoding="utf-8"?>
 <p:sld xmlns:a="http://schemas.openxmlformats.org/drawingml/2006/main" xmlns:r="http://schemas.openxmlformats.org/officeDocument/2006/relationships" xmlns:p="http://schemas.openxmlformats.org/presentationml/2006/main">
   <p:cSld>
+    <p:bg>
+      <p:bgPr>
+        <a:solidFill>
+          <a:schemeClr val="bg1"/>
+        </a:solidFill>
+        <a:effectLst/>
+      </p:bgPr>
+    </p:bg>
     <p:spTree>
       <p:nvGrpSpPr>
         <p:cNvPr id="1" name=""/>
@@ -5918,10 +5926,10 @@
       </p:grpSpPr>
       <p:sp useBgFill="1">
         <p:nvSpPr>
-          <p:cNvPr id="8" name="Rectangle 7">
-            <a:extLst>
-              <a:ext uri="{FF2B5EF4-FFF2-40B4-BE49-F238E27FC236}">
-                <a16:creationId xmlns:a16="http://schemas.microsoft.com/office/drawing/2014/main" id="{100EDD19-6802-4EC3-95CE-CFFAB042CFD6}"/>
+          <p:cNvPr id="18" name="Rectangle 17">
+            <a:extLst>
+              <a:ext uri="{FF2B5EF4-FFF2-40B4-BE49-F238E27FC236}">
+                <a16:creationId xmlns:a16="http://schemas.microsoft.com/office/drawing/2014/main" id="{93062723-6941-4ABE-8146-AC6FA530BA4C}"/>
               </a:ext>
               <a:ext uri="{C183D7F6-B498-43B3-948B-1728B52AA6E4}">
                 <adec:decorative xmlns:adec="http://schemas.microsoft.com/office/drawing/2017/decorative" val="1"/>
@@ -5942,7 +5950,7 @@
         <p:spPr>
           <a:xfrm>
             <a:off x="0" y="0"/>
-            <a:ext cx="12188952" cy="6858000"/>
+            <a:ext cx="12192000" cy="6858000"/>
           </a:xfrm>
           <a:prstGeom prst="rect">
             <a:avLst/>
@@ -5976,58 +5984,12 @@
           </a:p>
         </p:txBody>
       </p:sp>
-      <p:sp>
-        <p:nvSpPr>
-          <p:cNvPr id="2" name="Title 1">
-            <a:extLst>
-              <a:ext uri="{FF2B5EF4-FFF2-40B4-BE49-F238E27FC236}">
-                <a16:creationId xmlns:a16="http://schemas.microsoft.com/office/drawing/2014/main" id="{FA6489E2-7FE1-9296-4114-3D2D3A8CBDEC}"/>
-              </a:ext>
-            </a:extLst>
-          </p:cNvPr>
-          <p:cNvSpPr>
-            <a:spLocks noGrp="1"/>
-          </p:cNvSpPr>
-          <p:nvPr>
-            <p:ph type="title"/>
-          </p:nvPr>
-        </p:nvSpPr>
-        <p:spPr>
-          <a:xfrm>
-            <a:off x="838200" y="339725"/>
-            <a:ext cx="10515600" cy="1325563"/>
-          </a:xfrm>
-        </p:spPr>
-        <p:txBody>
-          <a:bodyPr vert="horz" lIns="91440" tIns="45720" rIns="91440" bIns="45720" rtlCol="0" anchor="ctr">
-            <a:normAutofit/>
-          </a:bodyPr>
-          <a:lstStyle/>
-          <a:p>
-            <a:r>
-              <a:rPr lang="en-US" sz="4600" dirty="0">
-                <a:latin typeface="Lexend"/>
-              </a:rPr>
-              <a:t>I</a:t>
-            </a:r>
-            <a:r>
-              <a:rPr lang="en-US" sz="4600" kern="1200" dirty="0">
-                <a:solidFill>
-                  <a:schemeClr val="tx1"/>
-                </a:solidFill>
-                <a:latin typeface="Lexend"/>
-              </a:rPr>
-              <a:t>mplementation work already carried out</a:t>
-            </a:r>
-          </a:p>
-        </p:txBody>
-      </p:sp>
-      <p:sp>
-        <p:nvSpPr>
-          <p:cNvPr id="10" name="sketch line">
-            <a:extLst>
-              <a:ext uri="{FF2B5EF4-FFF2-40B4-BE49-F238E27FC236}">
-                <a16:creationId xmlns:a16="http://schemas.microsoft.com/office/drawing/2014/main" id="{DB17E863-922E-4C26-BD64-E8FD41D28661}"/>
+      <p:sp useBgFill="1">
+        <p:nvSpPr>
+          <p:cNvPr id="20" name="Rectangle 19">
+            <a:extLst>
+              <a:ext uri="{FF2B5EF4-FFF2-40B4-BE49-F238E27FC236}">
+                <a16:creationId xmlns:a16="http://schemas.microsoft.com/office/drawing/2014/main" id="{917859B3-4C91-478D-929D-BB6433F90849}"/>
               </a:ext>
               <a:ext uri="{C183D7F6-B498-43B3-948B-1728B52AA6E4}">
                 <adec:decorative xmlns:adec="http://schemas.microsoft.com/office/drawing/2017/decorative" val="1"/>
@@ -6047,592 +6009,274 @@
         </p:nvSpPr>
         <p:spPr>
           <a:xfrm>
-            <a:off x="669036" y="1677373"/>
-            <a:ext cx="10853928" cy="18288"/>
+            <a:off x="554416" y="4218905"/>
+            <a:ext cx="11167447" cy="2089317"/>
           </a:xfrm>
-          <a:custGeom>
+          <a:prstGeom prst="rect">
             <a:avLst/>
-            <a:gdLst>
-              <a:gd name="connsiteX0" fmla="*/ 0 w 10853928"/>
-              <a:gd name="connsiteY0" fmla="*/ 0 h 18288"/>
-              <a:gd name="connsiteX1" fmla="*/ 461292 w 10853928"/>
-              <a:gd name="connsiteY1" fmla="*/ 0 h 18288"/>
-              <a:gd name="connsiteX2" fmla="*/ 1139662 w 10853928"/>
-              <a:gd name="connsiteY2" fmla="*/ 0 h 18288"/>
-              <a:gd name="connsiteX3" fmla="*/ 1926572 w 10853928"/>
-              <a:gd name="connsiteY3" fmla="*/ 0 h 18288"/>
-              <a:gd name="connsiteX4" fmla="*/ 2279325 w 10853928"/>
-              <a:gd name="connsiteY4" fmla="*/ 0 h 18288"/>
-              <a:gd name="connsiteX5" fmla="*/ 2632078 w 10853928"/>
-              <a:gd name="connsiteY5" fmla="*/ 0 h 18288"/>
-              <a:gd name="connsiteX6" fmla="*/ 3527527 w 10853928"/>
-              <a:gd name="connsiteY6" fmla="*/ 0 h 18288"/>
-              <a:gd name="connsiteX7" fmla="*/ 4205897 w 10853928"/>
-              <a:gd name="connsiteY7" fmla="*/ 0 h 18288"/>
-              <a:gd name="connsiteX8" fmla="*/ 4558650 w 10853928"/>
-              <a:gd name="connsiteY8" fmla="*/ 0 h 18288"/>
-              <a:gd name="connsiteX9" fmla="*/ 5237020 w 10853928"/>
-              <a:gd name="connsiteY9" fmla="*/ 0 h 18288"/>
-              <a:gd name="connsiteX10" fmla="*/ 6132469 w 10853928"/>
-              <a:gd name="connsiteY10" fmla="*/ 0 h 18288"/>
-              <a:gd name="connsiteX11" fmla="*/ 6702301 w 10853928"/>
-              <a:gd name="connsiteY11" fmla="*/ 0 h 18288"/>
-              <a:gd name="connsiteX12" fmla="*/ 7272132 w 10853928"/>
-              <a:gd name="connsiteY12" fmla="*/ 0 h 18288"/>
-              <a:gd name="connsiteX13" fmla="*/ 7950502 w 10853928"/>
-              <a:gd name="connsiteY13" fmla="*/ 0 h 18288"/>
-              <a:gd name="connsiteX14" fmla="*/ 8737412 w 10853928"/>
-              <a:gd name="connsiteY14" fmla="*/ 0 h 18288"/>
-              <a:gd name="connsiteX15" fmla="*/ 9524322 w 10853928"/>
-              <a:gd name="connsiteY15" fmla="*/ 0 h 18288"/>
-              <a:gd name="connsiteX16" fmla="*/ 10853928 w 10853928"/>
-              <a:gd name="connsiteY16" fmla="*/ 0 h 18288"/>
-              <a:gd name="connsiteX17" fmla="*/ 10853928 w 10853928"/>
-              <a:gd name="connsiteY17" fmla="*/ 18288 h 18288"/>
-              <a:gd name="connsiteX18" fmla="*/ 10392636 w 10853928"/>
-              <a:gd name="connsiteY18" fmla="*/ 18288 h 18288"/>
-              <a:gd name="connsiteX19" fmla="*/ 9497187 w 10853928"/>
-              <a:gd name="connsiteY19" fmla="*/ 18288 h 18288"/>
-              <a:gd name="connsiteX20" fmla="*/ 8818817 w 10853928"/>
-              <a:gd name="connsiteY20" fmla="*/ 18288 h 18288"/>
-              <a:gd name="connsiteX21" fmla="*/ 8466064 w 10853928"/>
-              <a:gd name="connsiteY21" fmla="*/ 18288 h 18288"/>
-              <a:gd name="connsiteX22" fmla="*/ 7787693 w 10853928"/>
-              <a:gd name="connsiteY22" fmla="*/ 18288 h 18288"/>
-              <a:gd name="connsiteX23" fmla="*/ 7217862 w 10853928"/>
-              <a:gd name="connsiteY23" fmla="*/ 18288 h 18288"/>
-              <a:gd name="connsiteX24" fmla="*/ 6648031 w 10853928"/>
-              <a:gd name="connsiteY24" fmla="*/ 18288 h 18288"/>
-              <a:gd name="connsiteX25" fmla="*/ 6078200 w 10853928"/>
-              <a:gd name="connsiteY25" fmla="*/ 18288 h 18288"/>
-              <a:gd name="connsiteX26" fmla="*/ 5508368 w 10853928"/>
-              <a:gd name="connsiteY26" fmla="*/ 18288 h 18288"/>
-              <a:gd name="connsiteX27" fmla="*/ 4721459 w 10853928"/>
-              <a:gd name="connsiteY27" fmla="*/ 18288 h 18288"/>
-              <a:gd name="connsiteX28" fmla="*/ 4043088 w 10853928"/>
-              <a:gd name="connsiteY28" fmla="*/ 18288 h 18288"/>
-              <a:gd name="connsiteX29" fmla="*/ 3690336 w 10853928"/>
-              <a:gd name="connsiteY29" fmla="*/ 18288 h 18288"/>
-              <a:gd name="connsiteX30" fmla="*/ 3120504 w 10853928"/>
-              <a:gd name="connsiteY30" fmla="*/ 18288 h 18288"/>
-              <a:gd name="connsiteX31" fmla="*/ 2333595 w 10853928"/>
-              <a:gd name="connsiteY31" fmla="*/ 18288 h 18288"/>
-              <a:gd name="connsiteX32" fmla="*/ 1872303 w 10853928"/>
-              <a:gd name="connsiteY32" fmla="*/ 18288 h 18288"/>
-              <a:gd name="connsiteX33" fmla="*/ 976854 w 10853928"/>
-              <a:gd name="connsiteY33" fmla="*/ 18288 h 18288"/>
-              <a:gd name="connsiteX34" fmla="*/ 0 w 10853928"/>
-              <a:gd name="connsiteY34" fmla="*/ 18288 h 18288"/>
-              <a:gd name="connsiteX35" fmla="*/ 0 w 10853928"/>
-              <a:gd name="connsiteY35" fmla="*/ 0 h 18288"/>
-            </a:gdLst>
-            <a:ahLst/>
-            <a:cxnLst>
-              <a:cxn ang="0">
-                <a:pos x="connsiteX0" y="connsiteY0"/>
-              </a:cxn>
-              <a:cxn ang="0">
-                <a:pos x="connsiteX1" y="connsiteY1"/>
-              </a:cxn>
-              <a:cxn ang="0">
-                <a:pos x="connsiteX2" y="connsiteY2"/>
-              </a:cxn>
-              <a:cxn ang="0">
-                <a:pos x="connsiteX3" y="connsiteY3"/>
-              </a:cxn>
-              <a:cxn ang="0">
-                <a:pos x="connsiteX4" y="connsiteY4"/>
-              </a:cxn>
-              <a:cxn ang="0">
-                <a:pos x="connsiteX5" y="connsiteY5"/>
-              </a:cxn>
-              <a:cxn ang="0">
-                <a:pos x="connsiteX6" y="connsiteY6"/>
-              </a:cxn>
-              <a:cxn ang="0">
-                <a:pos x="connsiteX7" y="connsiteY7"/>
-              </a:cxn>
-              <a:cxn ang="0">
-                <a:pos x="connsiteX8" y="connsiteY8"/>
-              </a:cxn>
-              <a:cxn ang="0">
-                <a:pos x="connsiteX9" y="connsiteY9"/>
-              </a:cxn>
-              <a:cxn ang="0">
-                <a:pos x="connsiteX10" y="connsiteY10"/>
-              </a:cxn>
-              <a:cxn ang="0">
-                <a:pos x="connsiteX11" y="connsiteY11"/>
-              </a:cxn>
-              <a:cxn ang="0">
-                <a:pos x="connsiteX12" y="connsiteY12"/>
-              </a:cxn>
-              <a:cxn ang="0">
-                <a:pos x="connsiteX13" y="connsiteY13"/>
-              </a:cxn>
-              <a:cxn ang="0">
-                <a:pos x="connsiteX14" y="connsiteY14"/>
-              </a:cxn>
-              <a:cxn ang="0">
-                <a:pos x="connsiteX15" y="connsiteY15"/>
-              </a:cxn>
-              <a:cxn ang="0">
-                <a:pos x="connsiteX16" y="connsiteY16"/>
-              </a:cxn>
-              <a:cxn ang="0">
-                <a:pos x="connsiteX17" y="connsiteY17"/>
-              </a:cxn>
-              <a:cxn ang="0">
-                <a:pos x="connsiteX18" y="connsiteY18"/>
-              </a:cxn>
-              <a:cxn ang="0">
-                <a:pos x="connsiteX19" y="connsiteY19"/>
-              </a:cxn>
-              <a:cxn ang="0">
-                <a:pos x="connsiteX20" y="connsiteY20"/>
-              </a:cxn>
-              <a:cxn ang="0">
-                <a:pos x="connsiteX21" y="connsiteY21"/>
-              </a:cxn>
-              <a:cxn ang="0">
-                <a:pos x="connsiteX22" y="connsiteY22"/>
-              </a:cxn>
-              <a:cxn ang="0">
-                <a:pos x="connsiteX23" y="connsiteY23"/>
-              </a:cxn>
-              <a:cxn ang="0">
-                <a:pos x="connsiteX24" y="connsiteY24"/>
-              </a:cxn>
-              <a:cxn ang="0">
-                <a:pos x="connsiteX25" y="connsiteY25"/>
-              </a:cxn>
-              <a:cxn ang="0">
-                <a:pos x="connsiteX26" y="connsiteY26"/>
-              </a:cxn>
-              <a:cxn ang="0">
-                <a:pos x="connsiteX27" y="connsiteY27"/>
-              </a:cxn>
-              <a:cxn ang="0">
-                <a:pos x="connsiteX28" y="connsiteY28"/>
-              </a:cxn>
-              <a:cxn ang="0">
-                <a:pos x="connsiteX29" y="connsiteY29"/>
-              </a:cxn>
-              <a:cxn ang="0">
-                <a:pos x="connsiteX30" y="connsiteY30"/>
-              </a:cxn>
-              <a:cxn ang="0">
-                <a:pos x="connsiteX31" y="connsiteY31"/>
-              </a:cxn>
-              <a:cxn ang="0">
-                <a:pos x="connsiteX32" y="connsiteY32"/>
-              </a:cxn>
-              <a:cxn ang="0">
-                <a:pos x="connsiteX33" y="connsiteY33"/>
-              </a:cxn>
-              <a:cxn ang="0">
-                <a:pos x="connsiteX34" y="connsiteY34"/>
-              </a:cxn>
-              <a:cxn ang="0">
-                <a:pos x="connsiteX35" y="connsiteY35"/>
-              </a:cxn>
-            </a:cxnLst>
-            <a:rect l="l" t="t" r="r" b="b"/>
-            <a:pathLst>
-              <a:path w="10853928" h="18288" fill="none" extrusionOk="0">
-                <a:moveTo>
-                  <a:pt x="0" y="0"/>
-                </a:moveTo>
-                <a:cubicBezTo>
-                  <a:pt x="146993" y="-19076"/>
-                  <a:pt x="347684" y="-4790"/>
-                  <a:pt x="461292" y="0"/>
-                </a:cubicBezTo>
-                <a:cubicBezTo>
-                  <a:pt x="574900" y="4790"/>
-                  <a:pt x="808367" y="19821"/>
-                  <a:pt x="1139662" y="0"/>
-                </a:cubicBezTo>
-                <a:cubicBezTo>
-                  <a:pt x="1470957" y="-19821"/>
-                  <a:pt x="1627405" y="5721"/>
-                  <a:pt x="1926572" y="0"/>
-                </a:cubicBezTo>
-                <a:cubicBezTo>
-                  <a:pt x="2225739" y="-5721"/>
-                  <a:pt x="2137730" y="-3235"/>
-                  <a:pt x="2279325" y="0"/>
-                </a:cubicBezTo>
-                <a:cubicBezTo>
-                  <a:pt x="2420920" y="3235"/>
-                  <a:pt x="2456518" y="9685"/>
-                  <a:pt x="2632078" y="0"/>
-                </a:cubicBezTo>
-                <a:cubicBezTo>
-                  <a:pt x="2807638" y="-9685"/>
-                  <a:pt x="3211516" y="-43007"/>
-                  <a:pt x="3527527" y="0"/>
-                </a:cubicBezTo>
-                <a:cubicBezTo>
-                  <a:pt x="3843538" y="43007"/>
-                  <a:pt x="4058833" y="22042"/>
-                  <a:pt x="4205897" y="0"/>
-                </a:cubicBezTo>
-                <a:cubicBezTo>
-                  <a:pt x="4352961" y="-22042"/>
-                  <a:pt x="4474805" y="-11846"/>
-                  <a:pt x="4558650" y="0"/>
-                </a:cubicBezTo>
-                <a:cubicBezTo>
-                  <a:pt x="4642495" y="11846"/>
-                  <a:pt x="5041928" y="-6069"/>
-                  <a:pt x="5237020" y="0"/>
-                </a:cubicBezTo>
-                <a:cubicBezTo>
-                  <a:pt x="5432112" y="6069"/>
-                  <a:pt x="5943266" y="-17479"/>
-                  <a:pt x="6132469" y="0"/>
-                </a:cubicBezTo>
-                <a:cubicBezTo>
-                  <a:pt x="6321672" y="17479"/>
-                  <a:pt x="6483872" y="26234"/>
-                  <a:pt x="6702301" y="0"/>
-                </a:cubicBezTo>
-                <a:cubicBezTo>
-                  <a:pt x="6920730" y="-26234"/>
-                  <a:pt x="6991194" y="-15156"/>
-                  <a:pt x="7272132" y="0"/>
-                </a:cubicBezTo>
-                <a:cubicBezTo>
-                  <a:pt x="7553070" y="15156"/>
-                  <a:pt x="7684444" y="-32961"/>
-                  <a:pt x="7950502" y="0"/>
-                </a:cubicBezTo>
-                <a:cubicBezTo>
-                  <a:pt x="8216560" y="32961"/>
-                  <a:pt x="8493290" y="-10491"/>
-                  <a:pt x="8737412" y="0"/>
-                </a:cubicBezTo>
-                <a:cubicBezTo>
-                  <a:pt x="8981534" y="10491"/>
-                  <a:pt x="9191586" y="-13899"/>
-                  <a:pt x="9524322" y="0"/>
-                </a:cubicBezTo>
-                <a:cubicBezTo>
-                  <a:pt x="9857058" y="13899"/>
-                  <a:pt x="10297509" y="7485"/>
-                  <a:pt x="10853928" y="0"/>
-                </a:cubicBezTo>
-                <a:cubicBezTo>
-                  <a:pt x="10854574" y="4451"/>
-                  <a:pt x="10854418" y="9226"/>
-                  <a:pt x="10853928" y="18288"/>
-                </a:cubicBezTo>
-                <a:cubicBezTo>
-                  <a:pt x="10691638" y="28522"/>
-                  <a:pt x="10574319" y="29578"/>
-                  <a:pt x="10392636" y="18288"/>
-                </a:cubicBezTo>
-                <a:cubicBezTo>
-                  <a:pt x="10210953" y="6998"/>
-                  <a:pt x="9836277" y="-16742"/>
-                  <a:pt x="9497187" y="18288"/>
-                </a:cubicBezTo>
-                <a:cubicBezTo>
-                  <a:pt x="9158097" y="53318"/>
-                  <a:pt x="9119479" y="30714"/>
-                  <a:pt x="8818817" y="18288"/>
-                </a:cubicBezTo>
-                <a:cubicBezTo>
-                  <a:pt x="8518155" y="5863"/>
-                  <a:pt x="8640037" y="6483"/>
-                  <a:pt x="8466064" y="18288"/>
-                </a:cubicBezTo>
-                <a:cubicBezTo>
-                  <a:pt x="8292091" y="30093"/>
-                  <a:pt x="7997656" y="18914"/>
-                  <a:pt x="7787693" y="18288"/>
-                </a:cubicBezTo>
-                <a:cubicBezTo>
-                  <a:pt x="7577730" y="17662"/>
-                  <a:pt x="7412468" y="21416"/>
-                  <a:pt x="7217862" y="18288"/>
-                </a:cubicBezTo>
-                <a:cubicBezTo>
-                  <a:pt x="7023256" y="15160"/>
-                  <a:pt x="6898018" y="14824"/>
-                  <a:pt x="6648031" y="18288"/>
-                </a:cubicBezTo>
-                <a:cubicBezTo>
-                  <a:pt x="6398044" y="21752"/>
-                  <a:pt x="6254402" y="38625"/>
-                  <a:pt x="6078200" y="18288"/>
-                </a:cubicBezTo>
-                <a:cubicBezTo>
-                  <a:pt x="5901998" y="-2049"/>
-                  <a:pt x="5622886" y="3213"/>
-                  <a:pt x="5508368" y="18288"/>
-                </a:cubicBezTo>
-                <a:cubicBezTo>
-                  <a:pt x="5393850" y="33363"/>
-                  <a:pt x="5036260" y="26830"/>
-                  <a:pt x="4721459" y="18288"/>
-                </a:cubicBezTo>
-                <a:cubicBezTo>
-                  <a:pt x="4406658" y="9746"/>
-                  <a:pt x="4239221" y="41551"/>
-                  <a:pt x="4043088" y="18288"/>
-                </a:cubicBezTo>
-                <a:cubicBezTo>
-                  <a:pt x="3846955" y="-4975"/>
-                  <a:pt x="3818802" y="34658"/>
-                  <a:pt x="3690336" y="18288"/>
-                </a:cubicBezTo>
-                <a:cubicBezTo>
-                  <a:pt x="3561870" y="1918"/>
-                  <a:pt x="3265491" y="42194"/>
-                  <a:pt x="3120504" y="18288"/>
-                </a:cubicBezTo>
-                <a:cubicBezTo>
-                  <a:pt x="2975517" y="-5618"/>
-                  <a:pt x="2720254" y="36673"/>
-                  <a:pt x="2333595" y="18288"/>
-                </a:cubicBezTo>
-                <a:cubicBezTo>
-                  <a:pt x="1946936" y="-97"/>
-                  <a:pt x="2097241" y="5776"/>
-                  <a:pt x="1872303" y="18288"/>
-                </a:cubicBezTo>
-                <a:cubicBezTo>
-                  <a:pt x="1647365" y="30800"/>
-                  <a:pt x="1282708" y="45380"/>
-                  <a:pt x="976854" y="18288"/>
-                </a:cubicBezTo>
-                <a:cubicBezTo>
-                  <a:pt x="671000" y="-8804"/>
-                  <a:pt x="408401" y="-12775"/>
-                  <a:pt x="0" y="18288"/>
-                </a:cubicBezTo>
-                <a:cubicBezTo>
-                  <a:pt x="-213" y="9468"/>
-                  <a:pt x="187" y="4459"/>
-                  <a:pt x="0" y="0"/>
-                </a:cubicBezTo>
-                <a:close/>
-              </a:path>
-              <a:path w="10853928" h="18288" stroke="0" extrusionOk="0">
-                <a:moveTo>
-                  <a:pt x="0" y="0"/>
-                </a:moveTo>
-                <a:cubicBezTo>
-                  <a:pt x="267322" y="15284"/>
-                  <a:pt x="415388" y="-21048"/>
-                  <a:pt x="569831" y="0"/>
-                </a:cubicBezTo>
-                <a:cubicBezTo>
-                  <a:pt x="724274" y="21048"/>
-                  <a:pt x="769333" y="-2353"/>
-                  <a:pt x="922584" y="0"/>
-                </a:cubicBezTo>
-                <a:cubicBezTo>
-                  <a:pt x="1075835" y="2353"/>
-                  <a:pt x="1399490" y="-145"/>
-                  <a:pt x="1818033" y="0"/>
-                </a:cubicBezTo>
-                <a:cubicBezTo>
-                  <a:pt x="2236576" y="145"/>
-                  <a:pt x="2145330" y="5482"/>
-                  <a:pt x="2387864" y="0"/>
-                </a:cubicBezTo>
-                <a:cubicBezTo>
-                  <a:pt x="2630398" y="-5482"/>
-                  <a:pt x="2793207" y="18487"/>
-                  <a:pt x="2957695" y="0"/>
-                </a:cubicBezTo>
-                <a:cubicBezTo>
-                  <a:pt x="3122183" y="-18487"/>
-                  <a:pt x="3579141" y="19003"/>
-                  <a:pt x="3853144" y="0"/>
-                </a:cubicBezTo>
-                <a:cubicBezTo>
-                  <a:pt x="4127147" y="-19003"/>
-                  <a:pt x="4209857" y="12211"/>
-                  <a:pt x="4314436" y="0"/>
-                </a:cubicBezTo>
-                <a:cubicBezTo>
-                  <a:pt x="4419015" y="-12211"/>
-                  <a:pt x="4762459" y="-17220"/>
-                  <a:pt x="5209885" y="0"/>
-                </a:cubicBezTo>
-                <a:cubicBezTo>
-                  <a:pt x="5657311" y="17220"/>
-                  <a:pt x="5692663" y="-3290"/>
-                  <a:pt x="6105335" y="0"/>
-                </a:cubicBezTo>
-                <a:cubicBezTo>
-                  <a:pt x="6518007" y="3290"/>
-                  <a:pt x="6455516" y="-5124"/>
-                  <a:pt x="6783705" y="0"/>
-                </a:cubicBezTo>
-                <a:cubicBezTo>
-                  <a:pt x="7111894" y="5124"/>
-                  <a:pt x="7441941" y="-17829"/>
-                  <a:pt x="7679154" y="0"/>
-                </a:cubicBezTo>
-                <a:cubicBezTo>
-                  <a:pt x="7916367" y="17829"/>
-                  <a:pt x="8102967" y="-24363"/>
-                  <a:pt x="8248985" y="0"/>
-                </a:cubicBezTo>
-                <a:cubicBezTo>
-                  <a:pt x="8395003" y="24363"/>
-                  <a:pt x="8552393" y="25505"/>
-                  <a:pt x="8818817" y="0"/>
-                </a:cubicBezTo>
-                <a:cubicBezTo>
-                  <a:pt x="9085241" y="-25505"/>
-                  <a:pt x="9411308" y="38000"/>
-                  <a:pt x="9605726" y="0"/>
-                </a:cubicBezTo>
-                <a:cubicBezTo>
-                  <a:pt x="9800144" y="-38000"/>
-                  <a:pt x="10006468" y="-25741"/>
-                  <a:pt x="10175558" y="0"/>
-                </a:cubicBezTo>
-                <a:cubicBezTo>
-                  <a:pt x="10344648" y="25741"/>
-                  <a:pt x="10696282" y="695"/>
-                  <a:pt x="10853928" y="0"/>
-                </a:cubicBezTo>
-                <a:cubicBezTo>
-                  <a:pt x="10853521" y="8690"/>
-                  <a:pt x="10853774" y="14141"/>
-                  <a:pt x="10853928" y="18288"/>
-                </a:cubicBezTo>
-                <a:cubicBezTo>
-                  <a:pt x="10608124" y="24255"/>
-                  <a:pt x="10343415" y="22307"/>
-                  <a:pt x="10067018" y="18288"/>
-                </a:cubicBezTo>
-                <a:cubicBezTo>
-                  <a:pt x="9790621" y="14270"/>
-                  <a:pt x="9843266" y="3564"/>
-                  <a:pt x="9714266" y="18288"/>
-                </a:cubicBezTo>
-                <a:cubicBezTo>
-                  <a:pt x="9585266" y="33012"/>
-                  <a:pt x="9379484" y="1875"/>
-                  <a:pt x="9252974" y="18288"/>
-                </a:cubicBezTo>
-                <a:cubicBezTo>
-                  <a:pt x="9126464" y="34701"/>
-                  <a:pt x="8580678" y="-4904"/>
-                  <a:pt x="8357525" y="18288"/>
-                </a:cubicBezTo>
-                <a:cubicBezTo>
-                  <a:pt x="8134372" y="41480"/>
-                  <a:pt x="7903199" y="26458"/>
-                  <a:pt x="7679154" y="18288"/>
-                </a:cubicBezTo>
-                <a:cubicBezTo>
-                  <a:pt x="7455109" y="10118"/>
-                  <a:pt x="7435944" y="27109"/>
-                  <a:pt x="7217862" y="18288"/>
-                </a:cubicBezTo>
-                <a:cubicBezTo>
-                  <a:pt x="6999780" y="9467"/>
-                  <a:pt x="6680409" y="18985"/>
-                  <a:pt x="6539492" y="18288"/>
-                </a:cubicBezTo>
-                <a:cubicBezTo>
-                  <a:pt x="6398575" y="17592"/>
-                  <a:pt x="6312077" y="33018"/>
-                  <a:pt x="6186739" y="18288"/>
-                </a:cubicBezTo>
-                <a:cubicBezTo>
-                  <a:pt x="6061401" y="3558"/>
-                  <a:pt x="5947033" y="12075"/>
-                  <a:pt x="5833986" y="18288"/>
-                </a:cubicBezTo>
-                <a:cubicBezTo>
-                  <a:pt x="5720939" y="24501"/>
-                  <a:pt x="5482226" y="8586"/>
-                  <a:pt x="5155616" y="18288"/>
-                </a:cubicBezTo>
-                <a:cubicBezTo>
-                  <a:pt x="4829006" y="27991"/>
-                  <a:pt x="4841274" y="29316"/>
-                  <a:pt x="4694324" y="18288"/>
-                </a:cubicBezTo>
-                <a:cubicBezTo>
-                  <a:pt x="4547374" y="7260"/>
-                  <a:pt x="4077675" y="7013"/>
-                  <a:pt x="3907414" y="18288"/>
-                </a:cubicBezTo>
-                <a:cubicBezTo>
-                  <a:pt x="3737153" y="29564"/>
-                  <a:pt x="3538393" y="21630"/>
-                  <a:pt x="3446122" y="18288"/>
-                </a:cubicBezTo>
-                <a:cubicBezTo>
-                  <a:pt x="3353851" y="14946"/>
-                  <a:pt x="2990320" y="-8091"/>
-                  <a:pt x="2659212" y="18288"/>
-                </a:cubicBezTo>
-                <a:cubicBezTo>
-                  <a:pt x="2328104" y="44667"/>
-                  <a:pt x="2427653" y="9607"/>
-                  <a:pt x="2306460" y="18288"/>
-                </a:cubicBezTo>
-                <a:cubicBezTo>
-                  <a:pt x="2185267" y="26969"/>
-                  <a:pt x="1719763" y="3717"/>
-                  <a:pt x="1519550" y="18288"/>
-                </a:cubicBezTo>
-                <a:cubicBezTo>
-                  <a:pt x="1319337" y="32860"/>
-                  <a:pt x="1167371" y="17040"/>
-                  <a:pt x="1058258" y="18288"/>
-                </a:cubicBezTo>
-                <a:cubicBezTo>
-                  <a:pt x="949145" y="19536"/>
-                  <a:pt x="780234" y="31447"/>
-                  <a:pt x="705505" y="18288"/>
-                </a:cubicBezTo>
-                <a:cubicBezTo>
-                  <a:pt x="630776" y="5129"/>
-                  <a:pt x="215796" y="30056"/>
-                  <a:pt x="0" y="18288"/>
-                </a:cubicBezTo>
-                <a:cubicBezTo>
-                  <a:pt x="-53" y="11301"/>
-                  <a:pt x="-649" y="7756"/>
-                  <a:pt x="0" y="0"/>
-                </a:cubicBezTo>
-                <a:close/>
-              </a:path>
-            </a:pathLst>
-          </a:custGeom>
+          </a:prstGeom>
+          <a:ln w="12700">
+            <a:solidFill>
+              <a:srgbClr val="DEDEDE"/>
+            </a:solidFill>
+          </a:ln>
+          <a:effectLst>
+            <a:outerShdw blurRad="50800" dist="38100" dir="2700000" algn="tl" rotWithShape="0">
+              <a:schemeClr val="bg2">
+                <a:lumMod val="85000"/>
+                <a:alpha val="50000"/>
+              </a:schemeClr>
+            </a:outerShdw>
+          </a:effectLst>
+        </p:spPr>
+        <p:style>
+          <a:lnRef idx="2">
+            <a:schemeClr val="accent1">
+              <a:shade val="50000"/>
+            </a:schemeClr>
+          </a:lnRef>
+          <a:fillRef idx="1">
+            <a:schemeClr val="accent1"/>
+          </a:fillRef>
+          <a:effectRef idx="0">
+            <a:schemeClr val="accent1"/>
+          </a:effectRef>
+          <a:fontRef idx="minor">
+            <a:schemeClr val="lt1"/>
+          </a:fontRef>
+        </p:style>
+        <p:txBody>
+          <a:bodyPr rtlCol="0" anchor="ctr"/>
+          <a:lstStyle/>
+          <a:p>
+            <a:pPr marL="0" marR="0" lvl="0" indent="0" algn="ctr" defTabSz="914400" rtl="0" eaLnBrk="1" fontAlgn="auto" latinLnBrk="0" hangingPunct="1">
+              <a:lnSpc>
+                <a:spcPct val="100000"/>
+              </a:lnSpc>
+              <a:spcBef>
+                <a:spcPts val="0"/>
+              </a:spcBef>
+              <a:spcAft>
+                <a:spcPts val="0"/>
+              </a:spcAft>
+              <a:buClrTx/>
+              <a:buSzTx/>
+              <a:buFontTx/>
+              <a:buNone/>
+              <a:tabLst/>
+              <a:defRPr/>
+            </a:pPr>
+            <a:endParaRPr kumimoji="0" lang="en-US" sz="1800" b="0" i="0" u="none" strike="noStrike" kern="1200" cap="none" spc="0" normalizeH="0" baseline="0" noProof="0">
+              <a:ln>
+                <a:noFill/>
+              </a:ln>
+              <a:solidFill>
+                <a:prstClr val="white"/>
+              </a:solidFill>
+              <a:effectLst/>
+              <a:uLnTx/>
+              <a:uFillTx/>
+              <a:latin typeface="Calibri" panose="020F0502020204030204"/>
+              <a:ea typeface="+mn-ea"/>
+              <a:cs typeface="+mn-cs"/>
+            </a:endParaRPr>
+          </a:p>
+        </p:txBody>
+      </p:sp>
+      <p:sp>
+        <p:nvSpPr>
+          <p:cNvPr id="2" name="Title 1">
+            <a:extLst>
+              <a:ext uri="{FF2B5EF4-FFF2-40B4-BE49-F238E27FC236}">
+                <a16:creationId xmlns:a16="http://schemas.microsoft.com/office/drawing/2014/main" id="{FA6489E2-7FE1-9296-4114-3D2D3A8CBDEC}"/>
+              </a:ext>
+            </a:extLst>
+          </p:cNvPr>
+          <p:cNvSpPr>
+            <a:spLocks noGrp="1"/>
+          </p:cNvSpPr>
+          <p:nvPr>
+            <p:ph type="title"/>
+          </p:nvPr>
+        </p:nvSpPr>
+        <p:spPr>
+          <a:xfrm>
+            <a:off x="838200" y="4440602"/>
+            <a:ext cx="3093720" cy="1645920"/>
+          </a:xfrm>
+        </p:spPr>
+        <p:txBody>
+          <a:bodyPr vert="horz" lIns="91440" tIns="45720" rIns="91440" bIns="45720" rtlCol="0" anchor="ctr">
+            <a:normAutofit/>
+          </a:bodyPr>
+          <a:lstStyle/>
+          <a:p>
+            <a:r>
+              <a:rPr lang="en-US" sz="2600" kern="1200">
+                <a:solidFill>
+                  <a:schemeClr val="tx1"/>
+                </a:solidFill>
+                <a:latin typeface="+mj-lt"/>
+                <a:ea typeface="+mj-ea"/>
+                <a:cs typeface="+mj-cs"/>
+              </a:rPr>
+              <a:t>Implementation work already carried out</a:t>
+            </a:r>
+          </a:p>
+        </p:txBody>
+      </p:sp>
+      <p:pic>
+        <p:nvPicPr>
+          <p:cNvPr id="9" name="Picture 8" descr="Icon&#10;&#10;Description automatically generated">
+            <a:extLst>
+              <a:ext uri="{FF2B5EF4-FFF2-40B4-BE49-F238E27FC236}">
+                <a16:creationId xmlns:a16="http://schemas.microsoft.com/office/drawing/2014/main" id="{F44A029F-C13F-7AB0-2FAA-81CD7064D174}"/>
+              </a:ext>
+            </a:extLst>
+          </p:cNvPr>
+          <p:cNvPicPr>
+            <a:picLocks noChangeAspect="1"/>
+          </p:cNvPicPr>
+          <p:nvPr/>
+        </p:nvPicPr>
+        <p:blipFill rotWithShape="1">
+          <a:blip r:embed="rId2"/>
+          <a:srcRect t="4768" r="3" b="790"/>
+          <a:stretch/>
+        </p:blipFill>
+        <p:spPr>
+          <a:xfrm>
+            <a:off x="6170749" y="0"/>
+            <a:ext cx="2926060" cy="4005072"/>
+          </a:xfrm>
+          <a:prstGeom prst="rect">
+            <a:avLst/>
+          </a:prstGeom>
+        </p:spPr>
+      </p:pic>
+      <p:pic>
+        <p:nvPicPr>
+          <p:cNvPr id="4" name="Picture 3" descr="Graphical user interface, text&#10;&#10;Description automatically generated">
+            <a:extLst>
+              <a:ext uri="{FF2B5EF4-FFF2-40B4-BE49-F238E27FC236}">
+                <a16:creationId xmlns:a16="http://schemas.microsoft.com/office/drawing/2014/main" id="{593570C6-8FE3-C555-76B5-0A4A04C6CA49}"/>
+              </a:ext>
+            </a:extLst>
+          </p:cNvPr>
+          <p:cNvPicPr>
+            <a:picLocks noChangeAspect="1"/>
+          </p:cNvPicPr>
+          <p:nvPr/>
+        </p:nvPicPr>
+        <p:blipFill rotWithShape="1">
+          <a:blip r:embed="rId3"/>
+          <a:srcRect t="6874" r="2" b="2"/>
+          <a:stretch/>
+        </p:blipFill>
+        <p:spPr>
+          <a:xfrm>
+            <a:off x="0" y="0"/>
+            <a:ext cx="2935224" cy="4005067"/>
+          </a:xfrm>
+          <a:prstGeom prst="rect">
+            <a:avLst/>
+          </a:prstGeom>
+        </p:spPr>
+      </p:pic>
+      <p:pic>
+        <p:nvPicPr>
+          <p:cNvPr id="12" name="Picture 11" descr="Graphical user interface, text&#10;&#10;Description automatically generated">
+            <a:extLst>
+              <a:ext uri="{FF2B5EF4-FFF2-40B4-BE49-F238E27FC236}">
+                <a16:creationId xmlns:a16="http://schemas.microsoft.com/office/drawing/2014/main" id="{25BC8513-3C17-F6F9-29DB-30765CB60658}"/>
+              </a:ext>
+            </a:extLst>
+          </p:cNvPr>
+          <p:cNvPicPr>
+            <a:picLocks noChangeAspect="1"/>
+          </p:cNvPicPr>
+          <p:nvPr/>
+        </p:nvPicPr>
+        <p:blipFill rotWithShape="1">
+          <a:blip r:embed="rId4"/>
+          <a:srcRect r="-4" b="5505"/>
+          <a:stretch/>
+        </p:blipFill>
+        <p:spPr>
+          <a:xfrm>
+            <a:off x="9256776" y="0"/>
+            <a:ext cx="2935224" cy="4005071"/>
+          </a:xfrm>
+          <a:prstGeom prst="rect">
+            <a:avLst/>
+          </a:prstGeom>
+        </p:spPr>
+      </p:pic>
+      <p:pic>
+        <p:nvPicPr>
+          <p:cNvPr id="6" name="Picture 5" descr="Graphical user interface&#10;&#10;Description automatically generated">
+            <a:extLst>
+              <a:ext uri="{FF2B5EF4-FFF2-40B4-BE49-F238E27FC236}">
+                <a16:creationId xmlns:a16="http://schemas.microsoft.com/office/drawing/2014/main" id="{F922CF62-24F8-08D5-F1B1-DE4994EF11F5}"/>
+              </a:ext>
+            </a:extLst>
+          </p:cNvPr>
+          <p:cNvPicPr>
+            <a:picLocks noChangeAspect="1"/>
+          </p:cNvPicPr>
+          <p:nvPr/>
+        </p:nvPicPr>
+        <p:blipFill rotWithShape="1">
+          <a:blip r:embed="rId5"/>
+          <a:srcRect r="4" b="6196"/>
+          <a:stretch/>
+        </p:blipFill>
+        <p:spPr>
+          <a:xfrm>
+            <a:off x="3085374" y="-7867"/>
+            <a:ext cx="2935224" cy="4005072"/>
+          </a:xfrm>
+          <a:prstGeom prst="rect">
+            <a:avLst/>
+          </a:prstGeom>
+        </p:spPr>
+      </p:pic>
+      <p:sp>
+        <p:nvSpPr>
+          <p:cNvPr id="22" name="Rectangle 21">
+            <a:extLst>
+              <a:ext uri="{FF2B5EF4-FFF2-40B4-BE49-F238E27FC236}">
+                <a16:creationId xmlns:a16="http://schemas.microsoft.com/office/drawing/2014/main" id="{6283FBD2-A663-469F-855C-06D86E3C1161}"/>
+              </a:ext>
+              <a:ext uri="{C183D7F6-B498-43B3-948B-1728B52AA6E4}">
+                <adec:decorative xmlns:adec="http://schemas.microsoft.com/office/drawing/2017/decorative" val="1"/>
+              </a:ext>
+            </a:extLst>
+          </p:cNvPr>
+          <p:cNvSpPr>
+            <a:spLocks noGrp="1" noRot="1" noChangeAspect="1" noMove="1" noResize="1" noEditPoints="1" noAdjustHandles="1" noChangeArrowheads="1" noChangeShapeType="1" noTextEdit="1"/>
+          </p:cNvSpPr>
+          <p:nvPr>
+            <p:extLst>
+              <p:ext uri="{386F3935-93C4-4BCD-93E2-E3B085C9AB24}">
+                <p16:designElem xmlns:p16="http://schemas.microsoft.com/office/powerpoint/2015/main" val="1"/>
+              </p:ext>
+            </p:extLst>
+          </p:nvPr>
+        </p:nvSpPr>
+        <p:spPr>
+          <a:xfrm>
+            <a:off x="490408" y="4911519"/>
+            <a:ext cx="128016" cy="704088"/>
+          </a:xfrm>
+          <a:prstGeom prst="rect">
+            <a:avLst/>
+          </a:prstGeom>
           <a:solidFill>
             <a:schemeClr val="accent2"/>
           </a:solidFill>
-          <a:ln w="41275" cap="rnd">
-            <a:solidFill>
-              <a:schemeClr val="accent2"/>
-            </a:solidFill>
-            <a:round/>
-            <a:extLst>
-              <a:ext uri="{C807C97D-BFC1-408E-A445-0C87EB9F89A2}">
-                <ask:lineSketchStyleProps xmlns:ask="http://schemas.microsoft.com/office/drawing/2018/sketchyshapes" sd="1219033472">
-                  <a:prstGeom prst="rect">
-                    <a:avLst/>
-                  </a:prstGeom>
-                  <ask:type>
-                    <ask:lineSketchFreehand/>
-                  </ask:type>
-                </ask:lineSketchStyleProps>
-              </a:ext>
-            </a:extLst>
+          <a:ln>
+            <a:noFill/>
           </a:ln>
         </p:spPr>
         <p:style>
@@ -6655,8 +6299,130 @@
           <a:bodyPr rtlCol="0" anchor="ctr"/>
           <a:lstStyle/>
           <a:p>
-            <a:pPr algn="ctr"/>
-            <a:endParaRPr lang="en-US"/>
+            <a:pPr marL="0" marR="0" lvl="0" indent="0" algn="ctr" defTabSz="914400" rtl="0" eaLnBrk="1" fontAlgn="auto" latinLnBrk="0" hangingPunct="1">
+              <a:lnSpc>
+                <a:spcPct val="100000"/>
+              </a:lnSpc>
+              <a:spcBef>
+                <a:spcPts val="0"/>
+              </a:spcBef>
+              <a:spcAft>
+                <a:spcPts val="0"/>
+              </a:spcAft>
+              <a:buClrTx/>
+              <a:buSzTx/>
+              <a:buFontTx/>
+              <a:buNone/>
+              <a:tabLst/>
+              <a:defRPr/>
+            </a:pPr>
+            <a:endParaRPr kumimoji="0" lang="en-US" sz="1800" b="0" i="0" u="none" strike="noStrike" kern="1200" cap="none" spc="0" normalizeH="0" baseline="0" noProof="0" dirty="0">
+              <a:ln>
+                <a:noFill/>
+              </a:ln>
+              <a:solidFill>
+                <a:prstClr val="white"/>
+              </a:solidFill>
+              <a:effectLst/>
+              <a:uLnTx/>
+              <a:uFillTx/>
+              <a:latin typeface="Calibri" panose="020F0502020204030204"/>
+              <a:ea typeface="+mn-ea"/>
+              <a:cs typeface="+mn-cs"/>
+            </a:endParaRPr>
+          </a:p>
+        </p:txBody>
+      </p:sp>
+      <p:sp>
+        <p:nvSpPr>
+          <p:cNvPr id="24" name="Rectangle 23">
+            <a:extLst>
+              <a:ext uri="{FF2B5EF4-FFF2-40B4-BE49-F238E27FC236}">
+                <a16:creationId xmlns:a16="http://schemas.microsoft.com/office/drawing/2014/main" id="{8A1279FC-7441-4E55-B082-2774E6316482}"/>
+              </a:ext>
+              <a:ext uri="{C183D7F6-B498-43B3-948B-1728B52AA6E4}">
+                <adec:decorative xmlns:adec="http://schemas.microsoft.com/office/drawing/2017/decorative" val="1"/>
+              </a:ext>
+            </a:extLst>
+          </p:cNvPr>
+          <p:cNvSpPr>
+            <a:spLocks noGrp="1" noRot="1" noChangeAspect="1" noMove="1" noResize="1" noEditPoints="1" noAdjustHandles="1" noChangeArrowheads="1" noChangeShapeType="1" noTextEdit="1"/>
+          </p:cNvSpPr>
+          <p:nvPr>
+            <p:extLst>
+              <p:ext uri="{386F3935-93C4-4BCD-93E2-E3B085C9AB24}">
+                <p16:designElem xmlns:p16="http://schemas.microsoft.com/office/powerpoint/2015/main" val="1"/>
+              </p:ext>
+            </p:extLst>
+          </p:nvPr>
+        </p:nvSpPr>
+        <p:spPr>
+          <a:xfrm rot="5400000">
+            <a:off x="3411220" y="5254418"/>
+            <a:ext cx="1463040" cy="18288"/>
+          </a:xfrm>
+          <a:prstGeom prst="rect">
+            <a:avLst/>
+          </a:prstGeom>
+          <a:solidFill>
+            <a:srgbClr val="D5D5D5"/>
+          </a:solidFill>
+          <a:ln w="3175">
+            <a:noFill/>
+          </a:ln>
+          <a:effectLst/>
+        </p:spPr>
+        <p:style>
+          <a:lnRef idx="2">
+            <a:schemeClr val="accent1">
+              <a:shade val="50000"/>
+            </a:schemeClr>
+          </a:lnRef>
+          <a:fillRef idx="1">
+            <a:schemeClr val="accent1"/>
+          </a:fillRef>
+          <a:effectRef idx="0">
+            <a:schemeClr val="accent1"/>
+          </a:effectRef>
+          <a:fontRef idx="minor">
+            <a:schemeClr val="lt1"/>
+          </a:fontRef>
+        </p:style>
+        <p:txBody>
+          <a:bodyPr rtlCol="0" anchor="ctr"/>
+          <a:lstStyle/>
+          <a:p>
+            <a:pPr marL="0" marR="0" lvl="0" indent="0" algn="ctr" defTabSz="914400" rtl="0" eaLnBrk="1" fontAlgn="auto" latinLnBrk="0" hangingPunct="1">
+              <a:lnSpc>
+                <a:spcPct val="100000"/>
+              </a:lnSpc>
+              <a:spcBef>
+                <a:spcPts val="0"/>
+              </a:spcBef>
+              <a:spcAft>
+                <a:spcPts val="0"/>
+              </a:spcAft>
+              <a:buClrTx/>
+              <a:buSzTx/>
+              <a:buFontTx/>
+              <a:buNone/>
+              <a:tabLst/>
+              <a:defRPr/>
+            </a:pPr>
+            <a:endParaRPr kumimoji="0" lang="en-US" sz="1800" b="0" i="0" u="none" strike="noStrike" kern="1200" cap="none" spc="0" normalizeH="0" baseline="0" noProof="0">
+              <a:ln>
+                <a:noFill/>
+              </a:ln>
+              <a:solidFill>
+                <a:prstClr val="white"/>
+              </a:solidFill>
+              <a:effectLst/>
+              <a:uLnTx/>
+              <a:uFillTx/>
+              <a:latin typeface="Calibri" panose="020F0502020204030204"/>
+              <a:ea typeface="+mn-ea"/>
+              <a:cs typeface="+mn-cs"/>
+            </a:endParaRPr>
           </a:p>
         </p:txBody>
       </p:sp>
@@ -6674,15 +6440,15 @@
         </p:nvSpPr>
         <p:spPr>
           <a:xfrm>
-            <a:off x="836676" y="3054647"/>
-            <a:ext cx="10515600" cy="4251960"/>
+            <a:off x="4380266" y="4440602"/>
+            <a:ext cx="7104188" cy="1645920"/>
           </a:xfrm>
           <a:prstGeom prst="rect">
             <a:avLst/>
           </a:prstGeom>
         </p:spPr>
         <p:txBody>
-          <a:bodyPr vert="horz" lIns="91440" tIns="45720" rIns="91440" bIns="45720" rtlCol="0">
+          <a:bodyPr vert="horz" lIns="91440" tIns="45720" rIns="91440" bIns="45720" rtlCol="0" anchor="ctr">
             <a:normAutofit/>
           </a:bodyPr>
           <a:lstStyle/>
@@ -6698,10 +6464,8 @@
               <a:buChar char="•"/>
             </a:pPr>
             <a:r>
-              <a:rPr lang="en-US" sz="2200" dirty="0">
-                <a:latin typeface="Lexend"/>
-              </a:rPr>
-              <a:t>Graphical User Interface (GUI) for piece movements</a:t>
+              <a:rPr lang="en-US" dirty="0"/>
+              <a:t>Menu that allows users to start or quit the game</a:t>
             </a:r>
           </a:p>
           <a:p>
@@ -6716,10 +6480,8 @@
               <a:buChar char="•"/>
             </a:pPr>
             <a:r>
-              <a:rPr lang="en-US" sz="2200" dirty="0">
-                <a:latin typeface="Lexend"/>
-              </a:rPr>
-              <a:t>Game over detection to determine when the game ends</a:t>
+              <a:rPr lang="en-US" dirty="0"/>
+              <a:t>Difficulty level selection after starting the game</a:t>
             </a:r>
           </a:p>
           <a:p>
@@ -6734,10 +6496,8 @@
               <a:buChar char="•"/>
             </a:pPr>
             <a:r>
-              <a:rPr lang="en-US" sz="2200" dirty="0">
-                <a:latin typeface="Lexend"/>
-              </a:rPr>
-              <a:t>Total moves counter to keep track of the number of moves made</a:t>
+              <a:rPr lang="en-US" dirty="0"/>
+              <a:t>Graphical User Interface (GUI) for piece movements</a:t>
             </a:r>
           </a:p>
           <a:p>
@@ -6752,10 +6512,8 @@
               <a:buChar char="•"/>
             </a:pPr>
             <a:r>
-              <a:rPr lang="en-US" sz="2200" dirty="0">
-                <a:latin typeface="Lexend"/>
-              </a:rPr>
-              <a:t>Menu that allows users to start or quit the game</a:t>
+              <a:rPr lang="en-US" dirty="0"/>
+              <a:t>Game over detection to determine when the game ends</a:t>
             </a:r>
           </a:p>
           <a:p>
@@ -6770,10 +6528,8 @@
               <a:buChar char="•"/>
             </a:pPr>
             <a:r>
-              <a:rPr lang="en-US" sz="2200" dirty="0">
-                <a:latin typeface="Lexend"/>
-              </a:rPr>
-              <a:t>Difficulty level selection after starting the game</a:t>
+              <a:rPr lang="en-US" dirty="0"/>
+              <a:t>Total moves counter to keep track of the number of moves made</a:t>
             </a:r>
           </a:p>
         </p:txBody>

--- a/Block Escape.pptx
+++ b/Block Escape.pptx
@@ -4,6 +4,9 @@
   <p:sldMasterIdLst>
     <p:sldMasterId id="2147483648" r:id="rId1"/>
   </p:sldMasterIdLst>
+  <p:notesMasterIdLst>
+    <p:notesMasterId r:id="rId7"/>
+  </p:notesMasterIdLst>
   <p:sldIdLst>
     <p:sldId id="260" r:id="rId2"/>
     <p:sldId id="262" r:id="rId3"/>
@@ -116,6 +119,439 @@
 </p:presentation>
 </file>
 
+<file path=ppt/notesMasters/notesMaster1.xml><?xml version="1.0" encoding="utf-8"?>
+<p:notesMaster xmlns:a="http://schemas.openxmlformats.org/drawingml/2006/main" xmlns:r="http://schemas.openxmlformats.org/officeDocument/2006/relationships" xmlns:p="http://schemas.openxmlformats.org/presentationml/2006/main">
+  <p:cSld>
+    <p:bg>
+      <p:bgRef idx="1001">
+        <a:schemeClr val="bg1"/>
+      </p:bgRef>
+    </p:bg>
+    <p:spTree>
+      <p:nvGrpSpPr>
+        <p:cNvPr id="1" name=""/>
+        <p:cNvGrpSpPr/>
+        <p:nvPr/>
+      </p:nvGrpSpPr>
+      <p:grpSpPr>
+        <a:xfrm>
+          <a:off x="0" y="0"/>
+          <a:ext cx="0" cy="0"/>
+          <a:chOff x="0" y="0"/>
+          <a:chExt cx="0" cy="0"/>
+        </a:xfrm>
+      </p:grpSpPr>
+      <p:sp>
+        <p:nvSpPr>
+          <p:cNvPr id="2" name="Header Placeholder 1"/>
+          <p:cNvSpPr>
+            <a:spLocks noGrp="1"/>
+          </p:cNvSpPr>
+          <p:nvPr>
+            <p:ph type="hdr" sz="quarter"/>
+          </p:nvPr>
+        </p:nvSpPr>
+        <p:spPr>
+          <a:xfrm>
+            <a:off x="0" y="0"/>
+            <a:ext cx="2971800" cy="458788"/>
+          </a:xfrm>
+          <a:prstGeom prst="rect">
+            <a:avLst/>
+          </a:prstGeom>
+        </p:spPr>
+        <p:txBody>
+          <a:bodyPr vert="horz" lIns="91440" tIns="45720" rIns="91440" bIns="45720" rtlCol="0"/>
+          <a:lstStyle>
+            <a:lvl1pPr algn="l">
+              <a:defRPr sz="1200"/>
+            </a:lvl1pPr>
+          </a:lstStyle>
+          <a:p>
+            <a:endParaRPr lang="en-US"/>
+          </a:p>
+        </p:txBody>
+      </p:sp>
+      <p:sp>
+        <p:nvSpPr>
+          <p:cNvPr id="3" name="Date Placeholder 2"/>
+          <p:cNvSpPr>
+            <a:spLocks noGrp="1"/>
+          </p:cNvSpPr>
+          <p:nvPr>
+            <p:ph type="dt" idx="1"/>
+          </p:nvPr>
+        </p:nvSpPr>
+        <p:spPr>
+          <a:xfrm>
+            <a:off x="3884613" y="0"/>
+            <a:ext cx="2971800" cy="458788"/>
+          </a:xfrm>
+          <a:prstGeom prst="rect">
+            <a:avLst/>
+          </a:prstGeom>
+        </p:spPr>
+        <p:txBody>
+          <a:bodyPr vert="horz" lIns="91440" tIns="45720" rIns="91440" bIns="45720" rtlCol="0"/>
+          <a:lstStyle>
+            <a:lvl1pPr algn="r">
+              <a:defRPr sz="1200"/>
+            </a:lvl1pPr>
+          </a:lstStyle>
+          <a:p>
+            <a:fld id="{93E535DD-106C-4541-B5AF-9672E5885387}" type="datetimeFigureOut">
+              <a:rPr lang="en-US" smtClean="0"/>
+              <a:t>3/11/2023</a:t>
+            </a:fld>
+            <a:endParaRPr lang="en-US"/>
+          </a:p>
+        </p:txBody>
+      </p:sp>
+      <p:sp>
+        <p:nvSpPr>
+          <p:cNvPr id="4" name="Slide Image Placeholder 3"/>
+          <p:cNvSpPr>
+            <a:spLocks noGrp="1" noRot="1" noChangeAspect="1"/>
+          </p:cNvSpPr>
+          <p:nvPr>
+            <p:ph type="sldImg" idx="2"/>
+          </p:nvPr>
+        </p:nvSpPr>
+        <p:spPr>
+          <a:xfrm>
+            <a:off x="685800" y="1143000"/>
+            <a:ext cx="5486400" cy="3086100"/>
+          </a:xfrm>
+          <a:prstGeom prst="rect">
+            <a:avLst/>
+          </a:prstGeom>
+          <a:noFill/>
+          <a:ln w="12700">
+            <a:solidFill>
+              <a:prstClr val="black"/>
+            </a:solidFill>
+          </a:ln>
+        </p:spPr>
+        <p:txBody>
+          <a:bodyPr vert="horz" lIns="91440" tIns="45720" rIns="91440" bIns="45720" rtlCol="0" anchor="ctr"/>
+          <a:lstStyle/>
+          <a:p>
+            <a:endParaRPr lang="en-US"/>
+          </a:p>
+        </p:txBody>
+      </p:sp>
+      <p:sp>
+        <p:nvSpPr>
+          <p:cNvPr id="5" name="Notes Placeholder 4"/>
+          <p:cNvSpPr>
+            <a:spLocks noGrp="1"/>
+          </p:cNvSpPr>
+          <p:nvPr>
+            <p:ph type="body" sz="quarter" idx="3"/>
+          </p:nvPr>
+        </p:nvSpPr>
+        <p:spPr>
+          <a:xfrm>
+            <a:off x="685800" y="4400550"/>
+            <a:ext cx="5486400" cy="3600450"/>
+          </a:xfrm>
+          <a:prstGeom prst="rect">
+            <a:avLst/>
+          </a:prstGeom>
+        </p:spPr>
+        <p:txBody>
+          <a:bodyPr vert="horz" lIns="91440" tIns="45720" rIns="91440" bIns="45720" rtlCol="0"/>
+          <a:lstStyle/>
+          <a:p>
+            <a:pPr lvl="0"/>
+            <a:r>
+              <a:rPr lang="en-US"/>
+              <a:t>Click to edit Master text styles</a:t>
+            </a:r>
+          </a:p>
+          <a:p>
+            <a:pPr lvl="1"/>
+            <a:r>
+              <a:rPr lang="en-US"/>
+              <a:t>Second level</a:t>
+            </a:r>
+          </a:p>
+          <a:p>
+            <a:pPr lvl="2"/>
+            <a:r>
+              <a:rPr lang="en-US"/>
+              <a:t>Third level</a:t>
+            </a:r>
+          </a:p>
+          <a:p>
+            <a:pPr lvl="3"/>
+            <a:r>
+              <a:rPr lang="en-US"/>
+              <a:t>Fourth level</a:t>
+            </a:r>
+          </a:p>
+          <a:p>
+            <a:pPr lvl="4"/>
+            <a:r>
+              <a:rPr lang="en-US"/>
+              <a:t>Fifth level</a:t>
+            </a:r>
+          </a:p>
+        </p:txBody>
+      </p:sp>
+      <p:sp>
+        <p:nvSpPr>
+          <p:cNvPr id="6" name="Footer Placeholder 5"/>
+          <p:cNvSpPr>
+            <a:spLocks noGrp="1"/>
+          </p:cNvSpPr>
+          <p:nvPr>
+            <p:ph type="ftr" sz="quarter" idx="4"/>
+          </p:nvPr>
+        </p:nvSpPr>
+        <p:spPr>
+          <a:xfrm>
+            <a:off x="0" y="8685213"/>
+            <a:ext cx="2971800" cy="458787"/>
+          </a:xfrm>
+          <a:prstGeom prst="rect">
+            <a:avLst/>
+          </a:prstGeom>
+        </p:spPr>
+        <p:txBody>
+          <a:bodyPr vert="horz" lIns="91440" tIns="45720" rIns="91440" bIns="45720" rtlCol="0" anchor="b"/>
+          <a:lstStyle>
+            <a:lvl1pPr algn="l">
+              <a:defRPr sz="1200"/>
+            </a:lvl1pPr>
+          </a:lstStyle>
+          <a:p>
+            <a:endParaRPr lang="en-US"/>
+          </a:p>
+        </p:txBody>
+      </p:sp>
+      <p:sp>
+        <p:nvSpPr>
+          <p:cNvPr id="7" name="Slide Number Placeholder 6"/>
+          <p:cNvSpPr>
+            <a:spLocks noGrp="1"/>
+          </p:cNvSpPr>
+          <p:nvPr>
+            <p:ph type="sldNum" sz="quarter" idx="5"/>
+          </p:nvPr>
+        </p:nvSpPr>
+        <p:spPr>
+          <a:xfrm>
+            <a:off x="3884613" y="8685213"/>
+            <a:ext cx="2971800" cy="458787"/>
+          </a:xfrm>
+          <a:prstGeom prst="rect">
+            <a:avLst/>
+          </a:prstGeom>
+        </p:spPr>
+        <p:txBody>
+          <a:bodyPr vert="horz" lIns="91440" tIns="45720" rIns="91440" bIns="45720" rtlCol="0" anchor="b"/>
+          <a:lstStyle>
+            <a:lvl1pPr algn="r">
+              <a:defRPr sz="1200"/>
+            </a:lvl1pPr>
+          </a:lstStyle>
+          <a:p>
+            <a:fld id="{ED329CA5-9BB2-4300-ABF7-1CB7643FABBE}" type="slidenum">
+              <a:rPr lang="en-US" smtClean="0"/>
+              <a:t>‹#›</a:t>
+            </a:fld>
+            <a:endParaRPr lang="en-US"/>
+          </a:p>
+        </p:txBody>
+      </p:sp>
+    </p:spTree>
+    <p:extLst>
+      <p:ext uri="{BB962C8B-B14F-4D97-AF65-F5344CB8AC3E}">
+        <p14:creationId xmlns:p14="http://schemas.microsoft.com/office/powerpoint/2010/main" val="3685739423"/>
+      </p:ext>
+    </p:extLst>
+  </p:cSld>
+  <p:clrMap bg1="lt1" tx1="dk1" bg2="lt2" tx2="dk2" accent1="accent1" accent2="accent2" accent3="accent3" accent4="accent4" accent5="accent5" accent6="accent6" hlink="hlink" folHlink="folHlink"/>
+  <p:notesStyle>
+    <a:lvl1pPr marL="0" algn="l" defTabSz="914400" rtl="0" eaLnBrk="1" latinLnBrk="0" hangingPunct="1">
+      <a:defRPr sz="1200" kern="1200">
+        <a:solidFill>
+          <a:schemeClr val="tx1"/>
+        </a:solidFill>
+        <a:latin typeface="+mn-lt"/>
+        <a:ea typeface="+mn-ea"/>
+        <a:cs typeface="+mn-cs"/>
+      </a:defRPr>
+    </a:lvl1pPr>
+    <a:lvl2pPr marL="457200" algn="l" defTabSz="914400" rtl="0" eaLnBrk="1" latinLnBrk="0" hangingPunct="1">
+      <a:defRPr sz="1200" kern="1200">
+        <a:solidFill>
+          <a:schemeClr val="tx1"/>
+        </a:solidFill>
+        <a:latin typeface="+mn-lt"/>
+        <a:ea typeface="+mn-ea"/>
+        <a:cs typeface="+mn-cs"/>
+      </a:defRPr>
+    </a:lvl2pPr>
+    <a:lvl3pPr marL="914400" algn="l" defTabSz="914400" rtl="0" eaLnBrk="1" latinLnBrk="0" hangingPunct="1">
+      <a:defRPr sz="1200" kern="1200">
+        <a:solidFill>
+          <a:schemeClr val="tx1"/>
+        </a:solidFill>
+        <a:latin typeface="+mn-lt"/>
+        <a:ea typeface="+mn-ea"/>
+        <a:cs typeface="+mn-cs"/>
+      </a:defRPr>
+    </a:lvl3pPr>
+    <a:lvl4pPr marL="1371600" algn="l" defTabSz="914400" rtl="0" eaLnBrk="1" latinLnBrk="0" hangingPunct="1">
+      <a:defRPr sz="1200" kern="1200">
+        <a:solidFill>
+          <a:schemeClr val="tx1"/>
+        </a:solidFill>
+        <a:latin typeface="+mn-lt"/>
+        <a:ea typeface="+mn-ea"/>
+        <a:cs typeface="+mn-cs"/>
+      </a:defRPr>
+    </a:lvl4pPr>
+    <a:lvl5pPr marL="1828800" algn="l" defTabSz="914400" rtl="0" eaLnBrk="1" latinLnBrk="0" hangingPunct="1">
+      <a:defRPr sz="1200" kern="1200">
+        <a:solidFill>
+          <a:schemeClr val="tx1"/>
+        </a:solidFill>
+        <a:latin typeface="+mn-lt"/>
+        <a:ea typeface="+mn-ea"/>
+        <a:cs typeface="+mn-cs"/>
+      </a:defRPr>
+    </a:lvl5pPr>
+    <a:lvl6pPr marL="2286000" algn="l" defTabSz="914400" rtl="0" eaLnBrk="1" latinLnBrk="0" hangingPunct="1">
+      <a:defRPr sz="1200" kern="1200">
+        <a:solidFill>
+          <a:schemeClr val="tx1"/>
+        </a:solidFill>
+        <a:latin typeface="+mn-lt"/>
+        <a:ea typeface="+mn-ea"/>
+        <a:cs typeface="+mn-cs"/>
+      </a:defRPr>
+    </a:lvl6pPr>
+    <a:lvl7pPr marL="2743200" algn="l" defTabSz="914400" rtl="0" eaLnBrk="1" latinLnBrk="0" hangingPunct="1">
+      <a:defRPr sz="1200" kern="1200">
+        <a:solidFill>
+          <a:schemeClr val="tx1"/>
+        </a:solidFill>
+        <a:latin typeface="+mn-lt"/>
+        <a:ea typeface="+mn-ea"/>
+        <a:cs typeface="+mn-cs"/>
+      </a:defRPr>
+    </a:lvl7pPr>
+    <a:lvl8pPr marL="3200400" algn="l" defTabSz="914400" rtl="0" eaLnBrk="1" latinLnBrk="0" hangingPunct="1">
+      <a:defRPr sz="1200" kern="1200">
+        <a:solidFill>
+          <a:schemeClr val="tx1"/>
+        </a:solidFill>
+        <a:latin typeface="+mn-lt"/>
+        <a:ea typeface="+mn-ea"/>
+        <a:cs typeface="+mn-cs"/>
+      </a:defRPr>
+    </a:lvl8pPr>
+    <a:lvl9pPr marL="3657600" algn="l" defTabSz="914400" rtl="0" eaLnBrk="1" latinLnBrk="0" hangingPunct="1">
+      <a:defRPr sz="1200" kern="1200">
+        <a:solidFill>
+          <a:schemeClr val="tx1"/>
+        </a:solidFill>
+        <a:latin typeface="+mn-lt"/>
+        <a:ea typeface="+mn-ea"/>
+        <a:cs typeface="+mn-cs"/>
+      </a:defRPr>
+    </a:lvl9pPr>
+  </p:notesStyle>
+</p:notesMaster>
+</file>
+
+<file path=ppt/notesSlides/notesSlide1.xml><?xml version="1.0" encoding="utf-8"?>
+<p:notes xmlns:a="http://schemas.openxmlformats.org/drawingml/2006/main" xmlns:r="http://schemas.openxmlformats.org/officeDocument/2006/relationships" xmlns:p="http://schemas.openxmlformats.org/presentationml/2006/main">
+  <p:cSld>
+    <p:spTree>
+      <p:nvGrpSpPr>
+        <p:cNvPr id="1" name=""/>
+        <p:cNvGrpSpPr/>
+        <p:nvPr/>
+      </p:nvGrpSpPr>
+      <p:grpSpPr>
+        <a:xfrm>
+          <a:off x="0" y="0"/>
+          <a:ext cx="0" cy="0"/>
+          <a:chOff x="0" y="0"/>
+          <a:chExt cx="0" cy="0"/>
+        </a:xfrm>
+      </p:grpSpPr>
+      <p:sp>
+        <p:nvSpPr>
+          <p:cNvPr id="2" name="Slide Image Placeholder 1"/>
+          <p:cNvSpPr>
+            <a:spLocks noGrp="1" noRot="1" noChangeAspect="1"/>
+          </p:cNvSpPr>
+          <p:nvPr>
+            <p:ph type="sldImg"/>
+          </p:nvPr>
+        </p:nvSpPr>
+        <p:spPr/>
+      </p:sp>
+      <p:sp>
+        <p:nvSpPr>
+          <p:cNvPr id="3" name="Notes Placeholder 2"/>
+          <p:cNvSpPr>
+            <a:spLocks noGrp="1"/>
+          </p:cNvSpPr>
+          <p:nvPr>
+            <p:ph type="body" idx="1"/>
+          </p:nvPr>
+        </p:nvSpPr>
+        <p:spPr/>
+        <p:txBody>
+          <a:bodyPr/>
+          <a:lstStyle/>
+          <a:p>
+            <a:endParaRPr lang="en-US" dirty="0"/>
+          </a:p>
+        </p:txBody>
+      </p:sp>
+      <p:sp>
+        <p:nvSpPr>
+          <p:cNvPr id="4" name="Slide Number Placeholder 3"/>
+          <p:cNvSpPr>
+            <a:spLocks noGrp="1"/>
+          </p:cNvSpPr>
+          <p:nvPr>
+            <p:ph type="sldNum" sz="quarter" idx="5"/>
+          </p:nvPr>
+        </p:nvSpPr>
+        <p:spPr/>
+        <p:txBody>
+          <a:bodyPr/>
+          <a:lstStyle/>
+          <a:p>
+            <a:fld id="{ED329CA5-9BB2-4300-ABF7-1CB7643FABBE}" type="slidenum">
+              <a:rPr lang="en-US" smtClean="0"/>
+              <a:t>4</a:t>
+            </a:fld>
+            <a:endParaRPr lang="en-US"/>
+          </a:p>
+        </p:txBody>
+      </p:sp>
+    </p:spTree>
+    <p:extLst>
+      <p:ext uri="{BB962C8B-B14F-4D97-AF65-F5344CB8AC3E}">
+        <p14:creationId xmlns:p14="http://schemas.microsoft.com/office/powerpoint/2010/main" val="3812382469"/>
+      </p:ext>
+    </p:extLst>
+  </p:cSld>
+  <p:clrMapOvr>
+    <a:masterClrMapping/>
+  </p:clrMapOvr>
+</p:notes>
+</file>
+
 <file path=ppt/slideLayouts/slideLayout1.xml><?xml version="1.0" encoding="utf-8"?>
 <p:sldLayout xmlns:a="http://schemas.openxmlformats.org/drawingml/2006/main" xmlns:r="http://schemas.openxmlformats.org/officeDocument/2006/relationships" xmlns:p="http://schemas.openxmlformats.org/presentationml/2006/main" type="title" preserve="1">
   <p:cSld name="Title Slide">
@@ -265,7 +701,7 @@
           <a:p>
             <a:fld id="{1C56E1C8-51FB-41FF-A952-5015197EF72E}" type="datetimeFigureOut">
               <a:rPr lang="en-GB" smtClean="0"/>
-              <a:t>10/03/2023</a:t>
+              <a:t>11/03/2023</a:t>
             </a:fld>
             <a:endParaRPr lang="en-GB"/>
           </a:p>
@@ -465,7 +901,7 @@
           <a:p>
             <a:fld id="{1C56E1C8-51FB-41FF-A952-5015197EF72E}" type="datetimeFigureOut">
               <a:rPr lang="en-GB" smtClean="0"/>
-              <a:t>10/03/2023</a:t>
+              <a:t>11/03/2023</a:t>
             </a:fld>
             <a:endParaRPr lang="en-GB"/>
           </a:p>
@@ -675,7 +1111,7 @@
           <a:p>
             <a:fld id="{1C56E1C8-51FB-41FF-A952-5015197EF72E}" type="datetimeFigureOut">
               <a:rPr lang="en-GB" smtClean="0"/>
-              <a:t>10/03/2023</a:t>
+              <a:t>11/03/2023</a:t>
             </a:fld>
             <a:endParaRPr lang="en-GB"/>
           </a:p>
@@ -875,7 +1311,7 @@
           <a:p>
             <a:fld id="{1C56E1C8-51FB-41FF-A952-5015197EF72E}" type="datetimeFigureOut">
               <a:rPr lang="en-GB" smtClean="0"/>
-              <a:t>10/03/2023</a:t>
+              <a:t>11/03/2023</a:t>
             </a:fld>
             <a:endParaRPr lang="en-GB"/>
           </a:p>
@@ -1151,7 +1587,7 @@
           <a:p>
             <a:fld id="{1C56E1C8-51FB-41FF-A952-5015197EF72E}" type="datetimeFigureOut">
               <a:rPr lang="en-GB" smtClean="0"/>
-              <a:t>10/03/2023</a:t>
+              <a:t>11/03/2023</a:t>
             </a:fld>
             <a:endParaRPr lang="en-GB"/>
           </a:p>
@@ -1419,7 +1855,7 @@
           <a:p>
             <a:fld id="{1C56E1C8-51FB-41FF-A952-5015197EF72E}" type="datetimeFigureOut">
               <a:rPr lang="en-GB" smtClean="0"/>
-              <a:t>10/03/2023</a:t>
+              <a:t>11/03/2023</a:t>
             </a:fld>
             <a:endParaRPr lang="en-GB"/>
           </a:p>
@@ -1834,7 +2270,7 @@
           <a:p>
             <a:fld id="{1C56E1C8-51FB-41FF-A952-5015197EF72E}" type="datetimeFigureOut">
               <a:rPr lang="en-GB" smtClean="0"/>
-              <a:t>10/03/2023</a:t>
+              <a:t>11/03/2023</a:t>
             </a:fld>
             <a:endParaRPr lang="en-GB"/>
           </a:p>
@@ -1976,7 +2412,7 @@
           <a:p>
             <a:fld id="{1C56E1C8-51FB-41FF-A952-5015197EF72E}" type="datetimeFigureOut">
               <a:rPr lang="en-GB" smtClean="0"/>
-              <a:t>10/03/2023</a:t>
+              <a:t>11/03/2023</a:t>
             </a:fld>
             <a:endParaRPr lang="en-GB"/>
           </a:p>
@@ -2089,7 +2525,7 @@
           <a:p>
             <a:fld id="{1C56E1C8-51FB-41FF-A952-5015197EF72E}" type="datetimeFigureOut">
               <a:rPr lang="en-GB" smtClean="0"/>
-              <a:t>10/03/2023</a:t>
+              <a:t>11/03/2023</a:t>
             </a:fld>
             <a:endParaRPr lang="en-GB"/>
           </a:p>
@@ -2402,7 +2838,7 @@
           <a:p>
             <a:fld id="{1C56E1C8-51FB-41FF-A952-5015197EF72E}" type="datetimeFigureOut">
               <a:rPr lang="en-GB" smtClean="0"/>
-              <a:t>10/03/2023</a:t>
+              <a:t>11/03/2023</a:t>
             </a:fld>
             <a:endParaRPr lang="en-GB"/>
           </a:p>
@@ -2691,7 +3127,7 @@
           <a:p>
             <a:fld id="{1C56E1C8-51FB-41FF-A952-5015197EF72E}" type="datetimeFigureOut">
               <a:rPr lang="en-GB" smtClean="0"/>
-              <a:t>10/03/2023</a:t>
+              <a:t>11/03/2023</a:t>
             </a:fld>
             <a:endParaRPr lang="en-GB"/>
           </a:p>
@@ -2934,7 +3370,7 @@
           <a:p>
             <a:fld id="{1C56E1C8-51FB-41FF-A952-5015197EF72E}" type="datetimeFigureOut">
               <a:rPr lang="en-GB" smtClean="0"/>
-              <a:t>10/03/2023</a:t>
+              <a:t>11/03/2023</a:t>
             </a:fld>
             <a:endParaRPr lang="en-GB"/>
           </a:p>
@@ -5232,7 +5668,7 @@
               <a:rPr lang="en-US" b="1" dirty="0">
                 <a:latin typeface="Lexend"/>
               </a:rPr>
-              <a:t>Objective:</a:t>
+              <a:t>Goal:</a:t>
             </a:r>
             <a:r>
               <a:rPr lang="en-US" dirty="0">
@@ -5367,6 +5803,14 @@
 <file path=ppt/slides/slide4.xml><?xml version="1.0" encoding="utf-8"?>
 <p:sld xmlns:a="http://schemas.openxmlformats.org/drawingml/2006/main" xmlns:r="http://schemas.openxmlformats.org/officeDocument/2006/relationships" xmlns:p="http://schemas.openxmlformats.org/presentationml/2006/main">
   <p:cSld>
+    <p:bg>
+      <p:bgPr>
+        <a:solidFill>
+          <a:schemeClr val="bg1"/>
+        </a:solidFill>
+        <a:effectLst/>
+      </p:bgPr>
+    </p:bg>
     <p:spTree>
       <p:nvGrpSpPr>
         <p:cNvPr id="1" name=""/>
@@ -5410,9 +5854,7 @@
           <a:lstStyle/>
           <a:p>
             <a:r>
-              <a:rPr lang="en-US" sz="4100" dirty="0">
-                <a:latin typeface="Lexend"/>
-              </a:rPr>
+              <a:rPr lang="en-US" sz="4100"/>
               <a:t>Formulation of the problem as a search problem</a:t>
             </a:r>
           </a:p>
@@ -5432,8 +5874,8 @@
         </p:nvSpPr>
         <p:spPr>
           <a:xfrm>
-            <a:off x="4965430" y="2146301"/>
-            <a:ext cx="7163068" cy="4711699"/>
+            <a:off x="4635591" y="2115117"/>
+            <a:ext cx="7556389" cy="4742871"/>
           </a:xfrm>
           <a:prstGeom prst="rect">
             <a:avLst/>
@@ -5441,7 +5883,7 @@
         </p:spPr>
         <p:txBody>
           <a:bodyPr vert="horz" lIns="91440" tIns="45720" rIns="91440" bIns="45720" rtlCol="0">
-            <a:noAutofit/>
+            <a:normAutofit lnSpcReduction="10000"/>
           </a:bodyPr>
           <a:lstStyle/>
           <a:p>
@@ -5456,15 +5898,11 @@
               <a:buChar char="•"/>
             </a:pPr>
             <a:r>
-              <a:rPr lang="en-US" sz="1300" b="1" dirty="0">
-                <a:latin typeface="Lexend"/>
-              </a:rPr>
-              <a:t>Objective: </a:t>
-            </a:r>
-            <a:r>
-              <a:rPr lang="en-US" sz="1300" dirty="0">
-                <a:latin typeface="Lexend"/>
-              </a:rPr>
+              <a:rPr lang="en-US" sz="1400" b="1" dirty="0"/>
+              <a:t>Goal: </a:t>
+            </a:r>
+            <a:r>
+              <a:rPr lang="en-US" sz="1400" dirty="0"/>
               <a:t>Move the red piece out of the board through a series of movements without getting blocked.</a:t>
             </a:r>
           </a:p>
@@ -5479,9 +5917,7 @@
               <a:buFont typeface="Arial" panose="020B0604020202020204" pitchFamily="34" charset="0"/>
               <a:buChar char="•"/>
             </a:pPr>
-            <a:endParaRPr lang="en-US" sz="1300" dirty="0">
-              <a:latin typeface="Lexend"/>
-            </a:endParaRPr>
+            <a:endParaRPr lang="en-US" sz="1400" dirty="0"/>
           </a:p>
           <a:p>
             <a:pPr indent="-228600">
@@ -5495,15 +5931,11 @@
               <a:buChar char="•"/>
             </a:pPr>
             <a:r>
-              <a:rPr lang="en-US" sz="1300" b="1" dirty="0">
-                <a:latin typeface="Lexend"/>
-              </a:rPr>
+              <a:rPr lang="en-US" sz="1400" b="1" dirty="0"/>
               <a:t>State Representation: </a:t>
             </a:r>
             <a:r>
-              <a:rPr lang="en-US" sz="1300" dirty="0">
-                <a:latin typeface="Lexend"/>
-              </a:rPr>
+              <a:rPr lang="en-US" sz="1400" dirty="0"/>
               <a:t>An object Puzzle with defined dimensions and a list of pieces. </a:t>
             </a:r>
           </a:p>
@@ -5519,15 +5951,11 @@
               <a:buChar char="•"/>
             </a:pPr>
             <a:r>
-              <a:rPr lang="en-US" sz="1300" b="1" dirty="0">
-                <a:latin typeface="Lexend"/>
-              </a:rPr>
+              <a:rPr lang="en-US" sz="1400" b="1" dirty="0"/>
               <a:t>Initial State:</a:t>
             </a:r>
             <a:r>
-              <a:rPr lang="en-US" sz="1300" dirty="0">
-                <a:latin typeface="Lexend"/>
-              </a:rPr>
+              <a:rPr lang="en-US" sz="1400" dirty="0"/>
               <a:t> A board filled with pieces and the red piece blocked. </a:t>
             </a:r>
           </a:p>
@@ -5542,9 +5970,7 @@
               <a:buFont typeface="Arial" panose="020B0604020202020204" pitchFamily="34" charset="0"/>
               <a:buChar char="•"/>
             </a:pPr>
-            <a:endParaRPr lang="en-US" sz="1300" dirty="0">
-              <a:latin typeface="Lexend"/>
-            </a:endParaRPr>
+            <a:endParaRPr lang="en-US" sz="1400" dirty="0"/>
           </a:p>
           <a:p>
             <a:pPr indent="-228600">
@@ -5558,28 +5984,12 @@
               <a:buChar char="•"/>
             </a:pPr>
             <a:r>
-              <a:rPr lang="en-US" sz="1300" b="1" dirty="0">
-                <a:latin typeface="Lexend"/>
-              </a:rPr>
+              <a:rPr lang="en-US" sz="1400" b="1" dirty="0"/>
               <a:t>Operators:</a:t>
             </a:r>
             <a:r>
-              <a:rPr lang="en-US" sz="1300" dirty="0">
-                <a:latin typeface="Lexend"/>
-              </a:rPr>
-              <a:t> </a:t>
-            </a:r>
-            <a:r>
-              <a:rPr lang="en-US" sz="1300" dirty="0" err="1">
-                <a:latin typeface="Lexend"/>
-              </a:rPr>
-              <a:t>move_XX</a:t>
-            </a:r>
-            <a:r>
-              <a:rPr lang="en-US" sz="1300" dirty="0">
-                <a:latin typeface="Lexend"/>
-              </a:rPr>
-              <a:t>: Move a piece horizontally to an empty space in the game board. </a:t>
+              <a:rPr lang="en-US" sz="1400" dirty="0"/>
+              <a:t> move: Move a piece to an empty space in the game board. </a:t>
             </a:r>
           </a:p>
           <a:p>
@@ -5594,10 +6004,8 @@
               <a:buChar char="•"/>
             </a:pPr>
             <a:r>
-              <a:rPr lang="en-US" sz="1300" dirty="0">
-                <a:latin typeface="Lexend"/>
-              </a:rPr>
-              <a:t>Preconditions: Enough space directly above the current position and the coordinate is valid on the game board. </a:t>
+              <a:rPr lang="en-US" sz="1400" dirty="0"/>
+              <a:t>Preconditions: Enough space adjacent to the current position and the coordinate is valid on the game board. </a:t>
             </a:r>
           </a:p>
           <a:p>
@@ -5612,9 +6020,7 @@
               <a:buChar char="•"/>
             </a:pPr>
             <a:r>
-              <a:rPr lang="en-US" sz="1300" dirty="0">
-                <a:latin typeface="Lexend"/>
-              </a:rPr>
+              <a:rPr lang="en-US" sz="1400" dirty="0"/>
               <a:t>Cost: 1 move. </a:t>
             </a:r>
           </a:p>
@@ -5630,9 +6036,7 @@
               <a:buChar char="•"/>
             </a:pPr>
             <a:r>
-              <a:rPr lang="en-US" sz="1300" dirty="0">
-                <a:latin typeface="Lexend"/>
-              </a:rPr>
+              <a:rPr lang="en-US" sz="1400" dirty="0"/>
               <a:t>Effect: Update the position of the piece and end the game if the red car reaches the exit. </a:t>
             </a:r>
           </a:p>
@@ -5648,15 +6052,11 @@
               <a:buChar char="•"/>
             </a:pPr>
             <a:r>
-              <a:rPr lang="en-US" sz="1300" b="1" dirty="0">
-                <a:latin typeface="Lexend"/>
-              </a:rPr>
+              <a:rPr lang="en-US" sz="1400" b="1" dirty="0"/>
               <a:t>Heuristics:</a:t>
             </a:r>
             <a:r>
-              <a:rPr lang="en-US" sz="1300" dirty="0">
-                <a:latin typeface="Lexend"/>
-              </a:rPr>
+              <a:rPr lang="en-US" sz="1400" dirty="0"/>
               <a:t> </a:t>
             </a:r>
           </a:p>
@@ -5672,9 +6072,7 @@
               <a:buChar char="•"/>
             </a:pPr>
             <a:r>
-              <a:rPr lang="en-US" sz="1300" dirty="0">
-                <a:latin typeface="Lexend"/>
-              </a:rPr>
+              <a:rPr lang="en-US" sz="1400" dirty="0"/>
               <a:t>H1: Distance from the red block to the exit. </a:t>
             </a:r>
           </a:p>
@@ -5690,9 +6088,7 @@
               <a:buChar char="•"/>
             </a:pPr>
             <a:r>
-              <a:rPr lang="en-US" sz="1300" dirty="0">
-                <a:latin typeface="Lexend"/>
-              </a:rPr>
+              <a:rPr lang="en-US" sz="1400" dirty="0"/>
               <a:t>H2: Weighted sum of the number of obstacles between the red block and the exit. </a:t>
             </a:r>
           </a:p>
@@ -5708,9 +6104,7 @@
               <a:buChar char="•"/>
             </a:pPr>
             <a:r>
-              <a:rPr lang="en-US" sz="1300" dirty="0">
-                <a:latin typeface="Lexend"/>
-              </a:rPr>
+              <a:rPr lang="en-US" sz="1400" dirty="0"/>
               <a:t>H3: The largest contiguous empty space near the red block. </a:t>
             </a:r>
           </a:p>
@@ -5726,9 +6120,7 @@
               <a:buChar char="•"/>
             </a:pPr>
             <a:r>
-              <a:rPr lang="en-US" sz="1300" dirty="0">
-                <a:latin typeface="Lexend"/>
-              </a:rPr>
+              <a:rPr lang="en-US" sz="1400" dirty="0"/>
               <a:t>H4: Prioritize moves that keep the red block close to the edges of the game board. </a:t>
             </a:r>
           </a:p>
@@ -5744,9 +6136,7 @@
               <a:buChar char="•"/>
             </a:pPr>
             <a:r>
-              <a:rPr lang="en-US" sz="1300" dirty="0">
-                <a:latin typeface="Lexend"/>
-              </a:rPr>
+              <a:rPr lang="en-US" sz="1400" dirty="0"/>
               <a:t>H5: Always ensure that the red block has at least one valid move option available. </a:t>
             </a:r>
           </a:p>
@@ -5762,9 +6152,7 @@
               <a:buChar char="•"/>
             </a:pPr>
             <a:r>
-              <a:rPr lang="en-US" sz="1300" dirty="0">
-                <a:latin typeface="Lexend"/>
-              </a:rPr>
+              <a:rPr lang="en-US" sz="1400" dirty="0"/>
               <a:t>H6: Prioritize fitting pieces along the edges of the game board from largest to smallest. </a:t>
             </a:r>
           </a:p>
@@ -5780,9 +6168,7 @@
               <a:buChar char="•"/>
             </a:pPr>
             <a:r>
-              <a:rPr lang="en-US" sz="1300" dirty="0">
-                <a:latin typeface="Lexend"/>
-              </a:rPr>
+              <a:rPr lang="en-US" sz="1400" dirty="0"/>
               <a:t>H7: Prioritize moving the largest pieces on the game board first. </a:t>
             </a:r>
           </a:p>
@@ -5803,7 +6189,7 @@
           <p:nvPr/>
         </p:nvPicPr>
         <p:blipFill rotWithShape="1">
-          <a:blip r:embed="rId2">
+          <a:blip r:embed="rId3">
             <a:extLst>
               <a:ext uri="{28A0092B-C50C-407E-A947-70E740481C1C}">
                 <a14:useLocalDpi xmlns:a14="http://schemas.microsoft.com/office/drawing/2010/main" val="0"/>
@@ -5836,7 +6222,7 @@
       </p:pic>
       <p:cxnSp>
         <p:nvCxnSpPr>
-          <p:cNvPr id="1033" name="Straight Connector 1032">
+          <p:cNvPr id="1038" name="Straight Connector 1037">
             <a:extLst>
               <a:ext uri="{FF2B5EF4-FFF2-40B4-BE49-F238E27FC236}">
                 <a16:creationId xmlns:a16="http://schemas.microsoft.com/office/drawing/2014/main" id="{A7F400EE-A8A5-48AF-B4D6-291B52C6F0B0}"/>
@@ -6840,4 +7226,299 @@
     </a:ext>
   </a:extLst>
 </a:theme>
+</file>
+
+<file path=ppt/theme/theme2.xml><?xml version="1.0" encoding="utf-8"?>
+<a:theme xmlns:a="http://schemas.openxmlformats.org/drawingml/2006/main" name="Office Theme">
+  <a:themeElements>
+    <a:clrScheme name="Office">
+      <a:dk1>
+        <a:sysClr val="windowText" lastClr="000000"/>
+      </a:dk1>
+      <a:lt1>
+        <a:sysClr val="window" lastClr="FFFFFF"/>
+      </a:lt1>
+      <a:dk2>
+        <a:srgbClr val="44546A"/>
+      </a:dk2>
+      <a:lt2>
+        <a:srgbClr val="E7E6E6"/>
+      </a:lt2>
+      <a:accent1>
+        <a:srgbClr val="4472C4"/>
+      </a:accent1>
+      <a:accent2>
+        <a:srgbClr val="ED7D31"/>
+      </a:accent2>
+      <a:accent3>
+        <a:srgbClr val="A5A5A5"/>
+      </a:accent3>
+      <a:accent4>
+        <a:srgbClr val="FFC000"/>
+      </a:accent4>
+      <a:accent5>
+        <a:srgbClr val="5B9BD5"/>
+      </a:accent5>
+      <a:accent6>
+        <a:srgbClr val="70AD47"/>
+      </a:accent6>
+      <a:hlink>
+        <a:srgbClr val="0563C1"/>
+      </a:hlink>
+      <a:folHlink>
+        <a:srgbClr val="954F72"/>
+      </a:folHlink>
+    </a:clrScheme>
+    <a:fontScheme name="Office">
+      <a:majorFont>
+        <a:latin typeface="Calibri Light" panose="020F0302020204030204"/>
+        <a:ea typeface=""/>
+        <a:cs typeface=""/>
+        <a:font script="Jpan" typeface="游ゴシック Light"/>
+        <a:font script="Hang" typeface="맑은 고딕"/>
+        <a:font script="Hans" typeface="等线 Light"/>
+        <a:font script="Hant" typeface="新細明體"/>
+        <a:font script="Arab" typeface="Times New Roman"/>
+        <a:font script="Hebr" typeface="Times New Roman"/>
+        <a:font script="Thai" typeface="Angsana New"/>
+        <a:font script="Ethi" typeface="Nyala"/>
+        <a:font script="Beng" typeface="Vrinda"/>
+        <a:font script="Gujr" typeface="Shruti"/>
+        <a:font script="Khmr" typeface="MoolBoran"/>
+        <a:font script="Knda" typeface="Tunga"/>
+        <a:font script="Guru" typeface="Raavi"/>
+        <a:font script="Cans" typeface="Euphemia"/>
+        <a:font script="Cher" typeface="Plantagenet Cherokee"/>
+        <a:font script="Yiii" typeface="Microsoft Yi Baiti"/>
+        <a:font script="Tibt" typeface="Microsoft Himalaya"/>
+        <a:font script="Thaa" typeface="MV Boli"/>
+        <a:font script="Deva" typeface="Mangal"/>
+        <a:font script="Telu" typeface="Gautami"/>
+        <a:font script="Taml" typeface="Latha"/>
+        <a:font script="Syrc" typeface="Estrangelo Edessa"/>
+        <a:font script="Orya" typeface="Kalinga"/>
+        <a:font script="Mlym" typeface="Kartika"/>
+        <a:font script="Laoo" typeface="DokChampa"/>
+        <a:font script="Sinh" typeface="Iskoola Pota"/>
+        <a:font script="Mong" typeface="Mongolian Baiti"/>
+        <a:font script="Viet" typeface="Times New Roman"/>
+        <a:font script="Uigh" typeface="Microsoft Uighur"/>
+        <a:font script="Geor" typeface="Sylfaen"/>
+        <a:font script="Armn" typeface="Arial"/>
+        <a:font script="Bugi" typeface="Leelawadee UI"/>
+        <a:font script="Bopo" typeface="Microsoft JhengHei"/>
+        <a:font script="Java" typeface="Javanese Text"/>
+        <a:font script="Lisu" typeface="Segoe UI"/>
+        <a:font script="Mymr" typeface="Myanmar Text"/>
+        <a:font script="Nkoo" typeface="Ebrima"/>
+        <a:font script="Olck" typeface="Nirmala UI"/>
+        <a:font script="Osma" typeface="Ebrima"/>
+        <a:font script="Phag" typeface="Phagspa"/>
+        <a:font script="Syrn" typeface="Estrangelo Edessa"/>
+        <a:font script="Syrj" typeface="Estrangelo Edessa"/>
+        <a:font script="Syre" typeface="Estrangelo Edessa"/>
+        <a:font script="Sora" typeface="Nirmala UI"/>
+        <a:font script="Tale" typeface="Microsoft Tai Le"/>
+        <a:font script="Talu" typeface="Microsoft New Tai Lue"/>
+        <a:font script="Tfng" typeface="Ebrima"/>
+      </a:majorFont>
+      <a:minorFont>
+        <a:latin typeface="Calibri" panose="020F0502020204030204"/>
+        <a:ea typeface=""/>
+        <a:cs typeface=""/>
+        <a:font script="Jpan" typeface="游ゴシック"/>
+        <a:font script="Hang" typeface="맑은 고딕"/>
+        <a:font script="Hans" typeface="等线"/>
+        <a:font script="Hant" typeface="新細明體"/>
+        <a:font script="Arab" typeface="Arial"/>
+        <a:font script="Hebr" typeface="Arial"/>
+        <a:font script="Thai" typeface="Cordia New"/>
+        <a:font script="Ethi" typeface="Nyala"/>
+        <a:font script="Beng" typeface="Vrinda"/>
+        <a:font script="Gujr" typeface="Shruti"/>
+        <a:font script="Khmr" typeface="DaunPenh"/>
+        <a:font script="Knda" typeface="Tunga"/>
+        <a:font script="Guru" typeface="Raavi"/>
+        <a:font script="Cans" typeface="Euphemia"/>
+        <a:font script="Cher" typeface="Plantagenet Cherokee"/>
+        <a:font script="Yiii" typeface="Microsoft Yi Baiti"/>
+        <a:font script="Tibt" typeface="Microsoft Himalaya"/>
+        <a:font script="Thaa" typeface="MV Boli"/>
+        <a:font script="Deva" typeface="Mangal"/>
+        <a:font script="Telu" typeface="Gautami"/>
+        <a:font script="Taml" typeface="Latha"/>
+        <a:font script="Syrc" typeface="Estrangelo Edessa"/>
+        <a:font script="Orya" typeface="Kalinga"/>
+        <a:font script="Mlym" typeface="Kartika"/>
+        <a:font script="Laoo" typeface="DokChampa"/>
+        <a:font script="Sinh" typeface="Iskoola Pota"/>
+        <a:font script="Mong" typeface="Mongolian Baiti"/>
+        <a:font script="Viet" typeface="Arial"/>
+        <a:font script="Uigh" typeface="Microsoft Uighur"/>
+        <a:font script="Geor" typeface="Sylfaen"/>
+        <a:font script="Armn" typeface="Arial"/>
+        <a:font script="Bugi" typeface="Leelawadee UI"/>
+        <a:font script="Bopo" typeface="Microsoft JhengHei"/>
+        <a:font script="Java" typeface="Javanese Text"/>
+        <a:font script="Lisu" typeface="Segoe UI"/>
+        <a:font script="Mymr" typeface="Myanmar Text"/>
+        <a:font script="Nkoo" typeface="Ebrima"/>
+        <a:font script="Olck" typeface="Nirmala UI"/>
+        <a:font script="Osma" typeface="Ebrima"/>
+        <a:font script="Phag" typeface="Phagspa"/>
+        <a:font script="Syrn" typeface="Estrangelo Edessa"/>
+        <a:font script="Syrj" typeface="Estrangelo Edessa"/>
+        <a:font script="Syre" typeface="Estrangelo Edessa"/>
+        <a:font script="Sora" typeface="Nirmala UI"/>
+        <a:font script="Tale" typeface="Microsoft Tai Le"/>
+        <a:font script="Talu" typeface="Microsoft New Tai Lue"/>
+        <a:font script="Tfng" typeface="Ebrima"/>
+      </a:minorFont>
+    </a:fontScheme>
+    <a:fmtScheme name="Office">
+      <a:fillStyleLst>
+        <a:solidFill>
+          <a:schemeClr val="phClr"/>
+        </a:solidFill>
+        <a:gradFill rotWithShape="1">
+          <a:gsLst>
+            <a:gs pos="0">
+              <a:schemeClr val="phClr">
+                <a:lumMod val="110000"/>
+                <a:satMod val="105000"/>
+                <a:tint val="67000"/>
+              </a:schemeClr>
+            </a:gs>
+            <a:gs pos="50000">
+              <a:schemeClr val="phClr">
+                <a:lumMod val="105000"/>
+                <a:satMod val="103000"/>
+                <a:tint val="73000"/>
+              </a:schemeClr>
+            </a:gs>
+            <a:gs pos="100000">
+              <a:schemeClr val="phClr">
+                <a:lumMod val="105000"/>
+                <a:satMod val="109000"/>
+                <a:tint val="81000"/>
+              </a:schemeClr>
+            </a:gs>
+          </a:gsLst>
+          <a:lin ang="5400000" scaled="0"/>
+        </a:gradFill>
+        <a:gradFill rotWithShape="1">
+          <a:gsLst>
+            <a:gs pos="0">
+              <a:schemeClr val="phClr">
+                <a:satMod val="103000"/>
+                <a:lumMod val="102000"/>
+                <a:tint val="94000"/>
+              </a:schemeClr>
+            </a:gs>
+            <a:gs pos="50000">
+              <a:schemeClr val="phClr">
+                <a:satMod val="110000"/>
+                <a:lumMod val="100000"/>
+                <a:shade val="100000"/>
+              </a:schemeClr>
+            </a:gs>
+            <a:gs pos="100000">
+              <a:schemeClr val="phClr">
+                <a:lumMod val="99000"/>
+                <a:satMod val="120000"/>
+                <a:shade val="78000"/>
+              </a:schemeClr>
+            </a:gs>
+          </a:gsLst>
+          <a:lin ang="5400000" scaled="0"/>
+        </a:gradFill>
+      </a:fillStyleLst>
+      <a:lnStyleLst>
+        <a:ln w="6350" cap="flat" cmpd="sng" algn="ctr">
+          <a:solidFill>
+            <a:schemeClr val="phClr"/>
+          </a:solidFill>
+          <a:prstDash val="solid"/>
+          <a:miter lim="800000"/>
+        </a:ln>
+        <a:ln w="12700" cap="flat" cmpd="sng" algn="ctr">
+          <a:solidFill>
+            <a:schemeClr val="phClr"/>
+          </a:solidFill>
+          <a:prstDash val="solid"/>
+          <a:miter lim="800000"/>
+        </a:ln>
+        <a:ln w="19050" cap="flat" cmpd="sng" algn="ctr">
+          <a:solidFill>
+            <a:schemeClr val="phClr"/>
+          </a:solidFill>
+          <a:prstDash val="solid"/>
+          <a:miter lim="800000"/>
+        </a:ln>
+      </a:lnStyleLst>
+      <a:effectStyleLst>
+        <a:effectStyle>
+          <a:effectLst/>
+        </a:effectStyle>
+        <a:effectStyle>
+          <a:effectLst/>
+        </a:effectStyle>
+        <a:effectStyle>
+          <a:effectLst>
+            <a:outerShdw blurRad="57150" dist="19050" dir="5400000" algn="ctr" rotWithShape="0">
+              <a:srgbClr val="000000">
+                <a:alpha val="63000"/>
+              </a:srgbClr>
+            </a:outerShdw>
+          </a:effectLst>
+        </a:effectStyle>
+      </a:effectStyleLst>
+      <a:bgFillStyleLst>
+        <a:solidFill>
+          <a:schemeClr val="phClr"/>
+        </a:solidFill>
+        <a:solidFill>
+          <a:schemeClr val="phClr">
+            <a:tint val="95000"/>
+            <a:satMod val="170000"/>
+          </a:schemeClr>
+        </a:solidFill>
+        <a:gradFill rotWithShape="1">
+          <a:gsLst>
+            <a:gs pos="0">
+              <a:schemeClr val="phClr">
+                <a:tint val="93000"/>
+                <a:satMod val="150000"/>
+                <a:shade val="98000"/>
+                <a:lumMod val="102000"/>
+              </a:schemeClr>
+            </a:gs>
+            <a:gs pos="50000">
+              <a:schemeClr val="phClr">
+                <a:tint val="98000"/>
+                <a:satMod val="130000"/>
+                <a:shade val="90000"/>
+                <a:lumMod val="103000"/>
+              </a:schemeClr>
+            </a:gs>
+            <a:gs pos="100000">
+              <a:schemeClr val="phClr">
+                <a:shade val="63000"/>
+                <a:satMod val="120000"/>
+              </a:schemeClr>
+            </a:gs>
+          </a:gsLst>
+          <a:lin ang="5400000" scaled="0"/>
+        </a:gradFill>
+      </a:bgFillStyleLst>
+    </a:fmtScheme>
+  </a:themeElements>
+  <a:objectDefaults/>
+  <a:extraClrSchemeLst/>
+  <a:extLst>
+    <a:ext uri="{05A4C25C-085E-4340-85A3-A5531E510DB2}">
+      <thm15:themeFamily xmlns:thm15="http://schemas.microsoft.com/office/thememl/2012/main" name="Office Theme" id="{62F939B6-93AF-4DB8-9C6B-D6C7DFDC589F}" vid="{4A3C46E8-61CC-4603-A589-7422A47A8E4A}"/>
+    </a:ext>
+  </a:extLst>
+</a:theme>
 </file>
--- a/Block Escape.pptx
+++ b/Block Escape.pptx
@@ -201,7 +201,7 @@
           <a:p>
             <a:fld id="{93E535DD-106C-4541-B5AF-9672E5885387}" type="datetimeFigureOut">
               <a:rPr lang="en-US" smtClean="0"/>
-              <a:t>3/11/2023</a:t>
+              <a:t>3/12/2023</a:t>
             </a:fld>
             <a:endParaRPr lang="en-US"/>
           </a:p>
@@ -701,7 +701,7 @@
           <a:p>
             <a:fld id="{1C56E1C8-51FB-41FF-A952-5015197EF72E}" type="datetimeFigureOut">
               <a:rPr lang="en-GB" smtClean="0"/>
-              <a:t>11/03/2023</a:t>
+              <a:t>12/03/2023</a:t>
             </a:fld>
             <a:endParaRPr lang="en-GB"/>
           </a:p>
@@ -901,7 +901,7 @@
           <a:p>
             <a:fld id="{1C56E1C8-51FB-41FF-A952-5015197EF72E}" type="datetimeFigureOut">
               <a:rPr lang="en-GB" smtClean="0"/>
-              <a:t>11/03/2023</a:t>
+              <a:t>12/03/2023</a:t>
             </a:fld>
             <a:endParaRPr lang="en-GB"/>
           </a:p>
@@ -1111,7 +1111,7 @@
           <a:p>
             <a:fld id="{1C56E1C8-51FB-41FF-A952-5015197EF72E}" type="datetimeFigureOut">
               <a:rPr lang="en-GB" smtClean="0"/>
-              <a:t>11/03/2023</a:t>
+              <a:t>12/03/2023</a:t>
             </a:fld>
             <a:endParaRPr lang="en-GB"/>
           </a:p>
@@ -1311,7 +1311,7 @@
           <a:p>
             <a:fld id="{1C56E1C8-51FB-41FF-A952-5015197EF72E}" type="datetimeFigureOut">
               <a:rPr lang="en-GB" smtClean="0"/>
-              <a:t>11/03/2023</a:t>
+              <a:t>12/03/2023</a:t>
             </a:fld>
             <a:endParaRPr lang="en-GB"/>
           </a:p>
@@ -1587,7 +1587,7 @@
           <a:p>
             <a:fld id="{1C56E1C8-51FB-41FF-A952-5015197EF72E}" type="datetimeFigureOut">
               <a:rPr lang="en-GB" smtClean="0"/>
-              <a:t>11/03/2023</a:t>
+              <a:t>12/03/2023</a:t>
             </a:fld>
             <a:endParaRPr lang="en-GB"/>
           </a:p>
@@ -1855,7 +1855,7 @@
           <a:p>
             <a:fld id="{1C56E1C8-51FB-41FF-A952-5015197EF72E}" type="datetimeFigureOut">
               <a:rPr lang="en-GB" smtClean="0"/>
-              <a:t>11/03/2023</a:t>
+              <a:t>12/03/2023</a:t>
             </a:fld>
             <a:endParaRPr lang="en-GB"/>
           </a:p>
@@ -2270,7 +2270,7 @@
           <a:p>
             <a:fld id="{1C56E1C8-51FB-41FF-A952-5015197EF72E}" type="datetimeFigureOut">
               <a:rPr lang="en-GB" smtClean="0"/>
-              <a:t>11/03/2023</a:t>
+              <a:t>12/03/2023</a:t>
             </a:fld>
             <a:endParaRPr lang="en-GB"/>
           </a:p>
@@ -2412,7 +2412,7 @@
           <a:p>
             <a:fld id="{1C56E1C8-51FB-41FF-A952-5015197EF72E}" type="datetimeFigureOut">
               <a:rPr lang="en-GB" smtClean="0"/>
-              <a:t>11/03/2023</a:t>
+              <a:t>12/03/2023</a:t>
             </a:fld>
             <a:endParaRPr lang="en-GB"/>
           </a:p>
@@ -2525,7 +2525,7 @@
           <a:p>
             <a:fld id="{1C56E1C8-51FB-41FF-A952-5015197EF72E}" type="datetimeFigureOut">
               <a:rPr lang="en-GB" smtClean="0"/>
-              <a:t>11/03/2023</a:t>
+              <a:t>12/03/2023</a:t>
             </a:fld>
             <a:endParaRPr lang="en-GB"/>
           </a:p>
@@ -2838,7 +2838,7 @@
           <a:p>
             <a:fld id="{1C56E1C8-51FB-41FF-A952-5015197EF72E}" type="datetimeFigureOut">
               <a:rPr lang="en-GB" smtClean="0"/>
-              <a:t>11/03/2023</a:t>
+              <a:t>12/03/2023</a:t>
             </a:fld>
             <a:endParaRPr lang="en-GB"/>
           </a:p>
@@ -3127,7 +3127,7 @@
           <a:p>
             <a:fld id="{1C56E1C8-51FB-41FF-A952-5015197EF72E}" type="datetimeFigureOut">
               <a:rPr lang="en-GB" smtClean="0"/>
-              <a:t>11/03/2023</a:t>
+              <a:t>12/03/2023</a:t>
             </a:fld>
             <a:endParaRPr lang="en-GB"/>
           </a:p>
@@ -3370,7 +3370,7 @@
           <a:p>
             <a:fld id="{1C56E1C8-51FB-41FF-A952-5015197EF72E}" type="datetimeFigureOut">
               <a:rPr lang="en-GB" smtClean="0"/>
-              <a:t>11/03/2023</a:t>
+              <a:t>12/03/2023</a:t>
             </a:fld>
             <a:endParaRPr lang="en-GB"/>
           </a:p>
@@ -5887,15 +5887,13 @@
           </a:bodyPr>
           <a:lstStyle/>
           <a:p>
-            <a:pPr indent="-228600">
+            <a:pPr>
               <a:lnSpc>
                 <a:spcPct val="90000"/>
               </a:lnSpc>
               <a:spcAft>
                 <a:spcPts val="600"/>
               </a:spcAft>
-              <a:buFont typeface="Arial" panose="020B0604020202020204" pitchFamily="34" charset="0"/>
-              <a:buChar char="•"/>
             </a:pPr>
             <a:r>
               <a:rPr lang="en-US" sz="1400" b="1" dirty="0"/>
@@ -5920,15 +5918,13 @@
             <a:endParaRPr lang="en-US" sz="1400" dirty="0"/>
           </a:p>
           <a:p>
-            <a:pPr indent="-228600">
+            <a:pPr>
               <a:lnSpc>
                 <a:spcPct val="90000"/>
               </a:lnSpc>
               <a:spcAft>
                 <a:spcPts val="600"/>
               </a:spcAft>
-              <a:buFont typeface="Arial" panose="020B0604020202020204" pitchFamily="34" charset="0"/>
-              <a:buChar char="•"/>
             </a:pPr>
             <a:r>
               <a:rPr lang="en-US" sz="1400" b="1" dirty="0"/>
@@ -5940,15 +5936,13 @@
             </a:r>
           </a:p>
           <a:p>
-            <a:pPr indent="-228600">
+            <a:pPr>
               <a:lnSpc>
                 <a:spcPct val="90000"/>
               </a:lnSpc>
               <a:spcAft>
                 <a:spcPts val="600"/>
               </a:spcAft>
-              <a:buFont typeface="Arial" panose="020B0604020202020204" pitchFamily="34" charset="0"/>
-              <a:buChar char="•"/>
             </a:pPr>
             <a:r>
               <a:rPr lang="en-US" sz="1400" b="1" dirty="0"/>
@@ -5973,15 +5967,13 @@
             <a:endParaRPr lang="en-US" sz="1400" dirty="0"/>
           </a:p>
           <a:p>
-            <a:pPr indent="-228600">
+            <a:pPr>
               <a:lnSpc>
                 <a:spcPct val="90000"/>
               </a:lnSpc>
               <a:spcAft>
                 <a:spcPts val="600"/>
               </a:spcAft>
-              <a:buFont typeface="Arial" panose="020B0604020202020204" pitchFamily="34" charset="0"/>
-              <a:buChar char="•"/>
             </a:pPr>
             <a:r>
               <a:rPr lang="en-US" sz="1400" b="1" dirty="0"/>
@@ -6037,19 +6029,28 @@
             </a:pPr>
             <a:r>
               <a:rPr lang="en-US" sz="1400" dirty="0"/>
-              <a:t>Effect: Update the position of the piece and end the game if the red car reaches the exit. </a:t>
-            </a:r>
-          </a:p>
-          <a:p>
-            <a:pPr indent="-228600">
+              <a:t>Effect: Update the position of the piece and end the game if the red piece reaches the exit. </a:t>
+            </a:r>
+          </a:p>
+          <a:p>
+            <a:pPr marL="57150">
               <a:lnSpc>
                 <a:spcPct val="90000"/>
               </a:lnSpc>
               <a:spcAft>
                 <a:spcPts val="600"/>
               </a:spcAft>
-              <a:buFont typeface="Arial" panose="020B0604020202020204" pitchFamily="34" charset="0"/>
-              <a:buChar char="•"/>
+            </a:pPr>
+            <a:endParaRPr lang="en-US" sz="1400" dirty="0"/>
+          </a:p>
+          <a:p>
+            <a:pPr>
+              <a:lnSpc>
+                <a:spcPct val="90000"/>
+              </a:lnSpc>
+              <a:spcAft>
+                <a:spcPts val="600"/>
+              </a:spcAft>
             </a:pPr>
             <a:r>
               <a:rPr lang="en-US" sz="1400" b="1" dirty="0"/>

--- a/Block Escape.pptx
+++ b/Block Escape.pptx
@@ -5,7 +5,7 @@
     <p:sldMasterId id="2147483648" r:id="rId1"/>
   </p:sldMasterIdLst>
   <p:notesMasterIdLst>
-    <p:notesMasterId r:id="rId7"/>
+    <p:notesMasterId r:id="rId11"/>
   </p:notesMasterIdLst>
   <p:sldIdLst>
     <p:sldId id="260" r:id="rId2"/>
@@ -13,6 +13,10 @@
     <p:sldId id="258" r:id="rId4"/>
     <p:sldId id="259" r:id="rId5"/>
     <p:sldId id="261" r:id="rId6"/>
+    <p:sldId id="263" r:id="rId7"/>
+    <p:sldId id="264" r:id="rId8"/>
+    <p:sldId id="266" r:id="rId9"/>
+    <p:sldId id="265" r:id="rId10"/>
   </p:sldIdLst>
   <p:sldSz cx="12192000" cy="6858000"/>
   <p:notesSz cx="6858000" cy="9144000"/>
@@ -201,7 +205,7 @@
           <a:p>
             <a:fld id="{93E535DD-106C-4541-B5AF-9672E5885387}" type="datetimeFigureOut">
               <a:rPr lang="en-US" smtClean="0"/>
-              <a:t>3/12/2023</a:t>
+              <a:t>3/27/2023</a:t>
             </a:fld>
             <a:endParaRPr lang="en-US"/>
           </a:p>
@@ -701,7 +705,7 @@
           <a:p>
             <a:fld id="{1C56E1C8-51FB-41FF-A952-5015197EF72E}" type="datetimeFigureOut">
               <a:rPr lang="en-GB" smtClean="0"/>
-              <a:t>12/03/2023</a:t>
+              <a:t>27/03/2023</a:t>
             </a:fld>
             <a:endParaRPr lang="en-GB"/>
           </a:p>
@@ -901,7 +905,7 @@
           <a:p>
             <a:fld id="{1C56E1C8-51FB-41FF-A952-5015197EF72E}" type="datetimeFigureOut">
               <a:rPr lang="en-GB" smtClean="0"/>
-              <a:t>12/03/2023</a:t>
+              <a:t>27/03/2023</a:t>
             </a:fld>
             <a:endParaRPr lang="en-GB"/>
           </a:p>
@@ -1111,7 +1115,7 @@
           <a:p>
             <a:fld id="{1C56E1C8-51FB-41FF-A952-5015197EF72E}" type="datetimeFigureOut">
               <a:rPr lang="en-GB" smtClean="0"/>
-              <a:t>12/03/2023</a:t>
+              <a:t>27/03/2023</a:t>
             </a:fld>
             <a:endParaRPr lang="en-GB"/>
           </a:p>
@@ -1311,7 +1315,7 @@
           <a:p>
             <a:fld id="{1C56E1C8-51FB-41FF-A952-5015197EF72E}" type="datetimeFigureOut">
               <a:rPr lang="en-GB" smtClean="0"/>
-              <a:t>12/03/2023</a:t>
+              <a:t>27/03/2023</a:t>
             </a:fld>
             <a:endParaRPr lang="en-GB"/>
           </a:p>
@@ -1587,7 +1591,7 @@
           <a:p>
             <a:fld id="{1C56E1C8-51FB-41FF-A952-5015197EF72E}" type="datetimeFigureOut">
               <a:rPr lang="en-GB" smtClean="0"/>
-              <a:t>12/03/2023</a:t>
+              <a:t>27/03/2023</a:t>
             </a:fld>
             <a:endParaRPr lang="en-GB"/>
           </a:p>
@@ -1855,7 +1859,7 @@
           <a:p>
             <a:fld id="{1C56E1C8-51FB-41FF-A952-5015197EF72E}" type="datetimeFigureOut">
               <a:rPr lang="en-GB" smtClean="0"/>
-              <a:t>12/03/2023</a:t>
+              <a:t>27/03/2023</a:t>
             </a:fld>
             <a:endParaRPr lang="en-GB"/>
           </a:p>
@@ -2270,7 +2274,7 @@
           <a:p>
             <a:fld id="{1C56E1C8-51FB-41FF-A952-5015197EF72E}" type="datetimeFigureOut">
               <a:rPr lang="en-GB" smtClean="0"/>
-              <a:t>12/03/2023</a:t>
+              <a:t>27/03/2023</a:t>
             </a:fld>
             <a:endParaRPr lang="en-GB"/>
           </a:p>
@@ -2412,7 +2416,7 @@
           <a:p>
             <a:fld id="{1C56E1C8-51FB-41FF-A952-5015197EF72E}" type="datetimeFigureOut">
               <a:rPr lang="en-GB" smtClean="0"/>
-              <a:t>12/03/2023</a:t>
+              <a:t>27/03/2023</a:t>
             </a:fld>
             <a:endParaRPr lang="en-GB"/>
           </a:p>
@@ -2525,7 +2529,7 @@
           <a:p>
             <a:fld id="{1C56E1C8-51FB-41FF-A952-5015197EF72E}" type="datetimeFigureOut">
               <a:rPr lang="en-GB" smtClean="0"/>
-              <a:t>12/03/2023</a:t>
+              <a:t>27/03/2023</a:t>
             </a:fld>
             <a:endParaRPr lang="en-GB"/>
           </a:p>
@@ -2838,7 +2842,7 @@
           <a:p>
             <a:fld id="{1C56E1C8-51FB-41FF-A952-5015197EF72E}" type="datetimeFigureOut">
               <a:rPr lang="en-GB" smtClean="0"/>
-              <a:t>12/03/2023</a:t>
+              <a:t>27/03/2023</a:t>
             </a:fld>
             <a:endParaRPr lang="en-GB"/>
           </a:p>
@@ -3127,7 +3131,7 @@
           <a:p>
             <a:fld id="{1C56E1C8-51FB-41FF-A952-5015197EF72E}" type="datetimeFigureOut">
               <a:rPr lang="en-GB" smtClean="0"/>
-              <a:t>12/03/2023</a:t>
+              <a:t>27/03/2023</a:t>
             </a:fld>
             <a:endParaRPr lang="en-GB"/>
           </a:p>
@@ -3370,7 +3374,7 @@
           <a:p>
             <a:fld id="{1C56E1C8-51FB-41FF-A952-5015197EF72E}" type="datetimeFigureOut">
               <a:rPr lang="en-GB" smtClean="0"/>
-              <a:t>12/03/2023</a:t>
+              <a:t>27/03/2023</a:t>
             </a:fld>
             <a:endParaRPr lang="en-GB"/>
           </a:p>
@@ -4549,7 +4553,7 @@
               <a:rPr lang="en-GB" sz="5400" dirty="0">
                 <a:latin typeface="Lexend"/>
               </a:rPr>
-              <a:t>Related work</a:t>
+              <a:t>Software used and related work</a:t>
             </a:r>
           </a:p>
         </p:txBody>
@@ -5263,6 +5267,30 @@
             </a:endParaRPr>
           </a:p>
           <a:p>
+            <a:r>
+              <a:rPr lang="en-GB" sz="2200" dirty="0">
+                <a:latin typeface="Lexend"/>
+              </a:rPr>
+              <a:t>PyCharm Professional</a:t>
+            </a:r>
+          </a:p>
+          <a:p>
+            <a:r>
+              <a:rPr lang="en-GB" sz="2200" dirty="0">
+                <a:latin typeface="Lexend"/>
+              </a:rPr>
+              <a:t>Python 3.9</a:t>
+            </a:r>
+          </a:p>
+          <a:p>
+            <a:r>
+              <a:rPr lang="en-GB" sz="2200" dirty="0">
+                <a:latin typeface="Lexend"/>
+              </a:rPr>
+              <a:t>Git</a:t>
+            </a:r>
+          </a:p>
+          <a:p>
             <a:endParaRPr lang="en-GB" sz="2200" dirty="0">
               <a:latin typeface="Lexend"/>
             </a:endParaRPr>
@@ -6925,6 +6953,1488 @@
     <p:extLst>
       <p:ext uri="{BB962C8B-B14F-4D97-AF65-F5344CB8AC3E}">
         <p14:creationId xmlns:p14="http://schemas.microsoft.com/office/powerpoint/2010/main" val="2421214975"/>
+      </p:ext>
+    </p:extLst>
+  </p:cSld>
+  <p:clrMapOvr>
+    <a:masterClrMapping/>
+  </p:clrMapOvr>
+</p:sld>
+</file>
+
+<file path=ppt/slides/slide6.xml><?xml version="1.0" encoding="utf-8"?>
+<p:sld xmlns:a="http://schemas.openxmlformats.org/drawingml/2006/main" xmlns:r="http://schemas.openxmlformats.org/officeDocument/2006/relationships" xmlns:p="http://schemas.openxmlformats.org/presentationml/2006/main">
+  <p:cSld>
+    <p:bg>
+      <p:bgPr>
+        <a:solidFill>
+          <a:schemeClr val="bg1"/>
+        </a:solidFill>
+        <a:effectLst/>
+      </p:bgPr>
+    </p:bg>
+    <p:spTree>
+      <p:nvGrpSpPr>
+        <p:cNvPr id="1" name=""/>
+        <p:cNvGrpSpPr/>
+        <p:nvPr/>
+      </p:nvGrpSpPr>
+      <p:grpSpPr>
+        <a:xfrm>
+          <a:off x="0" y="0"/>
+          <a:ext cx="0" cy="0"/>
+          <a:chOff x="0" y="0"/>
+          <a:chExt cx="0" cy="0"/>
+        </a:xfrm>
+      </p:grpSpPr>
+      <p:sp useBgFill="1">
+        <p:nvSpPr>
+          <p:cNvPr id="8" name="Rectangle 7">
+            <a:extLst>
+              <a:ext uri="{FF2B5EF4-FFF2-40B4-BE49-F238E27FC236}">
+                <a16:creationId xmlns:a16="http://schemas.microsoft.com/office/drawing/2014/main" id="{907EF6B7-1338-4443-8C46-6A318D952DFD}"/>
+              </a:ext>
+              <a:ext uri="{C183D7F6-B498-43B3-948B-1728B52AA6E4}">
+                <adec:decorative xmlns:adec="http://schemas.microsoft.com/office/drawing/2017/decorative" val="1"/>
+              </a:ext>
+            </a:extLst>
+          </p:cNvPr>
+          <p:cNvSpPr>
+            <a:spLocks noGrp="1" noRot="1" noChangeAspect="1" noMove="1" noResize="1" noEditPoints="1" noAdjustHandles="1" noChangeArrowheads="1" noChangeShapeType="1" noTextEdit="1"/>
+          </p:cNvSpPr>
+          <p:nvPr>
+            <p:extLst>
+              <p:ext uri="{386F3935-93C4-4BCD-93E2-E3B085C9AB24}">
+                <p16:designElem xmlns:p16="http://schemas.microsoft.com/office/powerpoint/2015/main" val="1"/>
+              </p:ext>
+            </p:extLst>
+          </p:nvPr>
+        </p:nvSpPr>
+        <p:spPr>
+          <a:xfrm>
+            <a:off x="3048" y="0"/>
+            <a:ext cx="12188952" cy="6858000"/>
+          </a:xfrm>
+          <a:prstGeom prst="rect">
+            <a:avLst/>
+          </a:prstGeom>
+          <a:ln>
+            <a:noFill/>
+          </a:ln>
+        </p:spPr>
+        <p:style>
+          <a:lnRef idx="2">
+            <a:schemeClr val="accent1">
+              <a:shade val="50000"/>
+            </a:schemeClr>
+          </a:lnRef>
+          <a:fillRef idx="1">
+            <a:schemeClr val="accent1"/>
+          </a:fillRef>
+          <a:effectRef idx="0">
+            <a:schemeClr val="accent1"/>
+          </a:effectRef>
+          <a:fontRef idx="minor">
+            <a:schemeClr val="lt1"/>
+          </a:fontRef>
+        </p:style>
+        <p:txBody>
+          <a:bodyPr rtlCol="0" anchor="ctr"/>
+          <a:lstStyle/>
+          <a:p>
+            <a:pPr algn="ctr"/>
+            <a:endParaRPr lang="en-US"/>
+          </a:p>
+        </p:txBody>
+      </p:sp>
+      <p:sp>
+        <p:nvSpPr>
+          <p:cNvPr id="10" name="Freeform: Shape 9">
+            <a:extLst>
+              <a:ext uri="{FF2B5EF4-FFF2-40B4-BE49-F238E27FC236}">
+                <a16:creationId xmlns:a16="http://schemas.microsoft.com/office/drawing/2014/main" id="{DAAE4CDD-124C-4DCF-9584-B6033B545DD5}"/>
+              </a:ext>
+              <a:ext uri="{C183D7F6-B498-43B3-948B-1728B52AA6E4}">
+                <adec:decorative xmlns:adec="http://schemas.microsoft.com/office/drawing/2017/decorative" val="1"/>
+              </a:ext>
+            </a:extLst>
+          </p:cNvPr>
+          <p:cNvSpPr>
+            <a:spLocks noGrp="1" noRot="1" noChangeAspect="1" noMove="1" noResize="1" noEditPoints="1" noAdjustHandles="1" noChangeArrowheads="1" noChangeShapeType="1" noTextEdit="1"/>
+          </p:cNvSpPr>
+          <p:nvPr>
+            <p:extLst>
+              <p:ext uri="{386F3935-93C4-4BCD-93E2-E3B085C9AB24}">
+                <p16:designElem xmlns:p16="http://schemas.microsoft.com/office/powerpoint/2015/main" val="1"/>
+              </p:ext>
+            </p:extLst>
+          </p:nvPr>
+        </p:nvSpPr>
+        <p:spPr>
+          <a:xfrm>
+            <a:off x="1" y="0"/>
+            <a:ext cx="4167271" cy="6858000"/>
+          </a:xfrm>
+          <a:custGeom>
+            <a:avLst/>
+            <a:gdLst>
+              <a:gd name="connsiteX0" fmla="*/ 0 w 4167271"/>
+              <a:gd name="connsiteY0" fmla="*/ 0 h 6858000"/>
+              <a:gd name="connsiteX1" fmla="*/ 2259550 w 4167271"/>
+              <a:gd name="connsiteY1" fmla="*/ 0 h 6858000"/>
+              <a:gd name="connsiteX2" fmla="*/ 2387803 w 4167271"/>
+              <a:gd name="connsiteY2" fmla="*/ 82222 h 6858000"/>
+              <a:gd name="connsiteX3" fmla="*/ 4167271 w 4167271"/>
+              <a:gd name="connsiteY3" fmla="*/ 3429000 h 6858000"/>
+              <a:gd name="connsiteX4" fmla="*/ 2387803 w 4167271"/>
+              <a:gd name="connsiteY4" fmla="*/ 6775779 h 6858000"/>
+              <a:gd name="connsiteX5" fmla="*/ 2259550 w 4167271"/>
+              <a:gd name="connsiteY5" fmla="*/ 6858000 h 6858000"/>
+              <a:gd name="connsiteX6" fmla="*/ 0 w 4167271"/>
+              <a:gd name="connsiteY6" fmla="*/ 6858000 h 6858000"/>
+            </a:gdLst>
+            <a:ahLst/>
+            <a:cxnLst>
+              <a:cxn ang="0">
+                <a:pos x="connsiteX0" y="connsiteY0"/>
+              </a:cxn>
+              <a:cxn ang="0">
+                <a:pos x="connsiteX1" y="connsiteY1"/>
+              </a:cxn>
+              <a:cxn ang="0">
+                <a:pos x="connsiteX2" y="connsiteY2"/>
+              </a:cxn>
+              <a:cxn ang="0">
+                <a:pos x="connsiteX3" y="connsiteY3"/>
+              </a:cxn>
+              <a:cxn ang="0">
+                <a:pos x="connsiteX4" y="connsiteY4"/>
+              </a:cxn>
+              <a:cxn ang="0">
+                <a:pos x="connsiteX5" y="connsiteY5"/>
+              </a:cxn>
+              <a:cxn ang="0">
+                <a:pos x="connsiteX6" y="connsiteY6"/>
+              </a:cxn>
+            </a:cxnLst>
+            <a:rect l="l" t="t" r="r" b="b"/>
+            <a:pathLst>
+              <a:path w="4167271" h="6858000">
+                <a:moveTo>
+                  <a:pt x="0" y="0"/>
+                </a:moveTo>
+                <a:lnTo>
+                  <a:pt x="2259550" y="0"/>
+                </a:lnTo>
+                <a:lnTo>
+                  <a:pt x="2387803" y="82222"/>
+                </a:lnTo>
+                <a:cubicBezTo>
+                  <a:pt x="3461407" y="807534"/>
+                  <a:pt x="4167271" y="2035835"/>
+                  <a:pt x="4167271" y="3429000"/>
+                </a:cubicBezTo>
+                <a:cubicBezTo>
+                  <a:pt x="4167271" y="4822165"/>
+                  <a:pt x="3461407" y="6050467"/>
+                  <a:pt x="2387803" y="6775779"/>
+                </a:cubicBezTo>
+                <a:lnTo>
+                  <a:pt x="2259550" y="6858000"/>
+                </a:lnTo>
+                <a:lnTo>
+                  <a:pt x="0" y="6858000"/>
+                </a:lnTo>
+                <a:close/>
+              </a:path>
+            </a:pathLst>
+          </a:custGeom>
+          <a:solidFill>
+            <a:schemeClr val="accent2"/>
+          </a:solidFill>
+          <a:ln>
+            <a:noFill/>
+          </a:ln>
+        </p:spPr>
+        <p:style>
+          <a:lnRef idx="2">
+            <a:schemeClr val="accent1">
+              <a:shade val="50000"/>
+            </a:schemeClr>
+          </a:lnRef>
+          <a:fillRef idx="1">
+            <a:schemeClr val="accent1"/>
+          </a:fillRef>
+          <a:effectRef idx="0">
+            <a:schemeClr val="accent1"/>
+          </a:effectRef>
+          <a:fontRef idx="minor">
+            <a:schemeClr val="lt1"/>
+          </a:fontRef>
+        </p:style>
+        <p:txBody>
+          <a:bodyPr rtlCol="0" anchor="ctr"/>
+          <a:lstStyle/>
+          <a:p>
+            <a:pPr algn="ctr"/>
+            <a:endParaRPr lang="en-US"/>
+          </a:p>
+        </p:txBody>
+      </p:sp>
+      <p:sp>
+        <p:nvSpPr>
+          <p:cNvPr id="2" name="Title 1">
+            <a:extLst>
+              <a:ext uri="{FF2B5EF4-FFF2-40B4-BE49-F238E27FC236}">
+                <a16:creationId xmlns:a16="http://schemas.microsoft.com/office/drawing/2014/main" id="{EDD9DF23-6234-B66E-6BF1-6050239F82D0}"/>
+              </a:ext>
+            </a:extLst>
+          </p:cNvPr>
+          <p:cNvSpPr>
+            <a:spLocks noGrp="1"/>
+          </p:cNvSpPr>
+          <p:nvPr>
+            <p:ph type="title"/>
+          </p:nvPr>
+        </p:nvSpPr>
+        <p:spPr>
+          <a:xfrm>
+            <a:off x="686834" y="1153572"/>
+            <a:ext cx="3200400" cy="4461163"/>
+          </a:xfrm>
+        </p:spPr>
+        <p:txBody>
+          <a:bodyPr vert="horz" lIns="91440" tIns="45720" rIns="91440" bIns="45720" rtlCol="0" anchor="ctr">
+            <a:normAutofit/>
+          </a:bodyPr>
+          <a:lstStyle/>
+          <a:p>
+            <a:r>
+              <a:rPr lang="en-US" kern="1200">
+                <a:solidFill>
+                  <a:srgbClr val="FFFFFF"/>
+                </a:solidFill>
+                <a:latin typeface="+mj-lt"/>
+                <a:ea typeface="+mj-ea"/>
+                <a:cs typeface="+mj-cs"/>
+              </a:rPr>
+              <a:t>Heuristics and operators</a:t>
+            </a:r>
+          </a:p>
+        </p:txBody>
+      </p:sp>
+      <p:sp>
+        <p:nvSpPr>
+          <p:cNvPr id="12" name="Arc 11">
+            <a:extLst>
+              <a:ext uri="{FF2B5EF4-FFF2-40B4-BE49-F238E27FC236}">
+                <a16:creationId xmlns:a16="http://schemas.microsoft.com/office/drawing/2014/main" id="{081E4A58-353D-44AE-B2FC-2A74E2E400F7}"/>
+              </a:ext>
+              <a:ext uri="{C183D7F6-B498-43B3-948B-1728B52AA6E4}">
+                <adec:decorative xmlns:adec="http://schemas.microsoft.com/office/drawing/2017/decorative" val="1"/>
+              </a:ext>
+            </a:extLst>
+          </p:cNvPr>
+          <p:cNvSpPr>
+            <a:spLocks noGrp="1" noRot="1" noChangeAspect="1" noMove="1" noResize="1" noEditPoints="1" noAdjustHandles="1" noChangeArrowheads="1" noChangeShapeType="1" noTextEdit="1"/>
+          </p:cNvSpPr>
+          <p:nvPr>
+            <p:extLst>
+              <p:ext uri="{386F3935-93C4-4BCD-93E2-E3B085C9AB24}">
+                <p16:designElem xmlns:p16="http://schemas.microsoft.com/office/powerpoint/2015/main" val="1"/>
+              </p:ext>
+            </p:extLst>
+          </p:nvPr>
+        </p:nvSpPr>
+        <p:spPr>
+          <a:xfrm flipV="1">
+            <a:off x="7550402" y="2455479"/>
+            <a:ext cx="4083433" cy="4083433"/>
+          </a:xfrm>
+          <a:prstGeom prst="arc">
+            <a:avLst/>
+          </a:prstGeom>
+          <a:ln w="127000" cap="rnd">
+            <a:solidFill>
+              <a:schemeClr val="accent4"/>
+            </a:solidFill>
+            <a:prstDash val="dash"/>
+          </a:ln>
+        </p:spPr>
+        <p:style>
+          <a:lnRef idx="1">
+            <a:schemeClr val="accent1"/>
+          </a:lnRef>
+          <a:fillRef idx="0">
+            <a:schemeClr val="accent1"/>
+          </a:fillRef>
+          <a:effectRef idx="0">
+            <a:schemeClr val="accent1"/>
+          </a:effectRef>
+          <a:fontRef idx="minor">
+            <a:schemeClr val="tx1"/>
+          </a:fontRef>
+        </p:style>
+        <p:txBody>
+          <a:bodyPr rtlCol="0" anchor="ctr"/>
+          <a:lstStyle/>
+          <a:p>
+            <a:pPr algn="ctr"/>
+            <a:endParaRPr lang="en-US" dirty="0"/>
+          </a:p>
+        </p:txBody>
+      </p:sp>
+      <p:sp>
+        <p:nvSpPr>
+          <p:cNvPr id="3" name="TextBox 2">
+            <a:extLst>
+              <a:ext uri="{FF2B5EF4-FFF2-40B4-BE49-F238E27FC236}">
+                <a16:creationId xmlns:a16="http://schemas.microsoft.com/office/drawing/2014/main" id="{A1969BF5-4664-EF14-E742-CD60A0050F18}"/>
+              </a:ext>
+            </a:extLst>
+          </p:cNvPr>
+          <p:cNvSpPr txBox="1"/>
+          <p:nvPr/>
+        </p:nvSpPr>
+        <p:spPr>
+          <a:xfrm>
+            <a:off x="4447308" y="591344"/>
+            <a:ext cx="7186527" cy="5947568"/>
+          </a:xfrm>
+          <a:prstGeom prst="rect">
+            <a:avLst/>
+          </a:prstGeom>
+        </p:spPr>
+        <p:txBody>
+          <a:bodyPr vert="horz" lIns="91440" tIns="45720" rIns="91440" bIns="45720" rtlCol="0" anchor="ctr">
+            <a:normAutofit/>
+          </a:bodyPr>
+          <a:lstStyle/>
+          <a:p>
+            <a:pPr indent="-228600">
+              <a:lnSpc>
+                <a:spcPct val="90000"/>
+              </a:lnSpc>
+              <a:buFont typeface="Arial" panose="020B0604020202020204" pitchFamily="34" charset="0"/>
+              <a:buChar char="•"/>
+            </a:pPr>
+            <a:r>
+              <a:rPr lang="en-US" dirty="0"/>
+              <a:t>Heuristics:</a:t>
+            </a:r>
+          </a:p>
+          <a:p>
+            <a:pPr marL="342900" indent="-228600">
+              <a:lnSpc>
+                <a:spcPct val="90000"/>
+              </a:lnSpc>
+              <a:buFont typeface="Arial" panose="020B0604020202020204" pitchFamily="34" charset="0"/>
+              <a:buChar char="•"/>
+            </a:pPr>
+            <a:r>
+              <a:rPr lang="en-US" dirty="0"/>
+              <a:t>Euclidean distance between the red block and the exit</a:t>
+            </a:r>
+          </a:p>
+          <a:p>
+            <a:pPr marL="342900" indent="-228600">
+              <a:lnSpc>
+                <a:spcPct val="90000"/>
+              </a:lnSpc>
+              <a:buFont typeface="Arial" panose="020B0604020202020204" pitchFamily="34" charset="0"/>
+              <a:buChar char="•"/>
+            </a:pPr>
+            <a:r>
+              <a:rPr lang="en-US" dirty="0"/>
+              <a:t>Weighted sum of the obstacles between the red block and the exit</a:t>
+            </a:r>
+          </a:p>
+          <a:p>
+            <a:pPr marL="342900" indent="-228600">
+              <a:lnSpc>
+                <a:spcPct val="90000"/>
+              </a:lnSpc>
+              <a:buFont typeface="Arial" panose="020B0604020202020204" pitchFamily="34" charset="0"/>
+              <a:buChar char="•"/>
+            </a:pPr>
+            <a:r>
+              <a:rPr lang="en-US" dirty="0"/>
+              <a:t>Maximize the amount of contiguous empty spaces near the red block</a:t>
+            </a:r>
+          </a:p>
+          <a:p>
+            <a:pPr marL="342900" indent="-228600">
+              <a:lnSpc>
+                <a:spcPct val="90000"/>
+              </a:lnSpc>
+              <a:buFont typeface="Arial" panose="020B0604020202020204" pitchFamily="34" charset="0"/>
+              <a:buChar char="•"/>
+            </a:pPr>
+            <a:r>
+              <a:rPr lang="en-US" dirty="0"/>
+              <a:t>Prioritize moves that keep the red block close to the edges</a:t>
+            </a:r>
+          </a:p>
+          <a:p>
+            <a:pPr marL="342900" indent="-228600">
+              <a:lnSpc>
+                <a:spcPct val="90000"/>
+              </a:lnSpc>
+              <a:buFont typeface="Arial" panose="020B0604020202020204" pitchFamily="34" charset="0"/>
+              <a:buChar char="•"/>
+            </a:pPr>
+            <a:r>
+              <a:rPr lang="en-US" dirty="0"/>
+              <a:t>Prioritize movements in which the red block has at least one possible movement</a:t>
+            </a:r>
+          </a:p>
+          <a:p>
+            <a:pPr marL="342900" indent="-228600">
+              <a:lnSpc>
+                <a:spcPct val="90000"/>
+              </a:lnSpc>
+              <a:buFont typeface="Arial" panose="020B0604020202020204" pitchFamily="34" charset="0"/>
+              <a:buChar char="•"/>
+            </a:pPr>
+            <a:r>
+              <a:rPr lang="en-US" dirty="0"/>
+              <a:t>Prioritize fitting blocks along the edges of the game board from largest to smallest</a:t>
+            </a:r>
+          </a:p>
+          <a:p>
+            <a:pPr marL="342900" indent="-228600">
+              <a:lnSpc>
+                <a:spcPct val="90000"/>
+              </a:lnSpc>
+              <a:buFont typeface="Arial" panose="020B0604020202020204" pitchFamily="34" charset="0"/>
+              <a:buChar char="•"/>
+            </a:pPr>
+            <a:r>
+              <a:rPr lang="en-US" dirty="0"/>
+              <a:t>Prioritize moving the largest blocks first</a:t>
+            </a:r>
+          </a:p>
+          <a:p>
+            <a:pPr marL="342900" indent="-228600">
+              <a:lnSpc>
+                <a:spcPct val="90000"/>
+              </a:lnSpc>
+              <a:buFont typeface="Arial" panose="020B0604020202020204" pitchFamily="34" charset="0"/>
+              <a:buChar char="•"/>
+            </a:pPr>
+            <a:r>
+              <a:rPr lang="en-US" dirty="0">
+                <a:solidFill>
+                  <a:srgbClr val="FF0000"/>
+                </a:solidFill>
+              </a:rPr>
+              <a:t>FALTA</a:t>
+            </a:r>
+          </a:p>
+          <a:p>
+            <a:pPr indent="-228600">
+              <a:lnSpc>
+                <a:spcPct val="90000"/>
+              </a:lnSpc>
+              <a:buFont typeface="Arial" panose="020B0604020202020204" pitchFamily="34" charset="0"/>
+              <a:buChar char="•"/>
+            </a:pPr>
+            <a:endParaRPr lang="en-US" dirty="0"/>
+          </a:p>
+          <a:p>
+            <a:pPr indent="-228600">
+              <a:lnSpc>
+                <a:spcPct val="90000"/>
+              </a:lnSpc>
+              <a:buFont typeface="Arial" panose="020B0604020202020204" pitchFamily="34" charset="0"/>
+              <a:buChar char="•"/>
+            </a:pPr>
+            <a:r>
+              <a:rPr lang="en-US" dirty="0"/>
+              <a:t>Operators:</a:t>
+            </a:r>
+          </a:p>
+          <a:p>
+            <a:pPr marL="285750" indent="-228600">
+              <a:lnSpc>
+                <a:spcPct val="90000"/>
+              </a:lnSpc>
+              <a:spcAft>
+                <a:spcPts val="600"/>
+              </a:spcAft>
+              <a:buFont typeface="Arial" panose="020B0604020202020204" pitchFamily="34" charset="0"/>
+              <a:buChar char="•"/>
+            </a:pPr>
+            <a:r>
+              <a:rPr lang="en-US" dirty="0"/>
+              <a:t>move: Move a block (up, down, right or left) to an adjacent empty space in the game board. </a:t>
+            </a:r>
+          </a:p>
+          <a:p>
+            <a:pPr marL="800100" lvl="1" indent="-228600">
+              <a:lnSpc>
+                <a:spcPct val="90000"/>
+              </a:lnSpc>
+              <a:spcAft>
+                <a:spcPts val="600"/>
+              </a:spcAft>
+              <a:buFont typeface="Arial" panose="020B0604020202020204" pitchFamily="34" charset="0"/>
+              <a:buChar char="•"/>
+            </a:pPr>
+            <a:r>
+              <a:rPr lang="en-US" dirty="0"/>
+              <a:t>Preconditions: Enough space adjacent to the current position and the coordinates are valid on the game board. </a:t>
+            </a:r>
+          </a:p>
+          <a:p>
+            <a:pPr marL="800100" lvl="1" indent="-228600">
+              <a:lnSpc>
+                <a:spcPct val="90000"/>
+              </a:lnSpc>
+              <a:spcAft>
+                <a:spcPts val="600"/>
+              </a:spcAft>
+              <a:buFont typeface="Arial" panose="020B0604020202020204" pitchFamily="34" charset="0"/>
+              <a:buChar char="•"/>
+            </a:pPr>
+            <a:r>
+              <a:rPr lang="en-US" dirty="0"/>
+              <a:t>Cost: 1 move. </a:t>
+            </a:r>
+          </a:p>
+          <a:p>
+            <a:pPr marL="800100" lvl="1" indent="-228600">
+              <a:lnSpc>
+                <a:spcPct val="90000"/>
+              </a:lnSpc>
+              <a:spcAft>
+                <a:spcPts val="600"/>
+              </a:spcAft>
+              <a:buFont typeface="Arial" panose="020B0604020202020204" pitchFamily="34" charset="0"/>
+              <a:buChar char="•"/>
+            </a:pPr>
+            <a:r>
+              <a:rPr lang="en-US" dirty="0"/>
+              <a:t>Effect: Update the position of the block.</a:t>
+            </a:r>
+          </a:p>
+          <a:p>
+            <a:pPr indent="-228600">
+              <a:lnSpc>
+                <a:spcPct val="90000"/>
+              </a:lnSpc>
+              <a:buFont typeface="Arial" panose="020B0604020202020204" pitchFamily="34" charset="0"/>
+              <a:buChar char="•"/>
+            </a:pPr>
+            <a:endParaRPr lang="en-US" dirty="0"/>
+          </a:p>
+        </p:txBody>
+      </p:sp>
+    </p:spTree>
+    <p:extLst>
+      <p:ext uri="{BB962C8B-B14F-4D97-AF65-F5344CB8AC3E}">
+        <p14:creationId xmlns:p14="http://schemas.microsoft.com/office/powerpoint/2010/main" val="3439691363"/>
+      </p:ext>
+    </p:extLst>
+  </p:cSld>
+  <p:clrMapOvr>
+    <a:masterClrMapping/>
+  </p:clrMapOvr>
+</p:sld>
+</file>
+
+<file path=ppt/slides/slide7.xml><?xml version="1.0" encoding="utf-8"?>
+<p:sld xmlns:a="http://schemas.openxmlformats.org/drawingml/2006/main" xmlns:r="http://schemas.openxmlformats.org/officeDocument/2006/relationships" xmlns:p="http://schemas.openxmlformats.org/presentationml/2006/main">
+  <p:cSld>
+    <p:bg>
+      <p:bgPr>
+        <a:solidFill>
+          <a:schemeClr val="bg1"/>
+        </a:solidFill>
+        <a:effectLst/>
+      </p:bgPr>
+    </p:bg>
+    <p:spTree>
+      <p:nvGrpSpPr>
+        <p:cNvPr id="1" name=""/>
+        <p:cNvGrpSpPr/>
+        <p:nvPr/>
+      </p:nvGrpSpPr>
+      <p:grpSpPr>
+        <a:xfrm>
+          <a:off x="0" y="0"/>
+          <a:ext cx="0" cy="0"/>
+          <a:chOff x="0" y="0"/>
+          <a:chExt cx="0" cy="0"/>
+        </a:xfrm>
+      </p:grpSpPr>
+      <p:sp useBgFill="1">
+        <p:nvSpPr>
+          <p:cNvPr id="10" name="Rectangle 9">
+            <a:extLst>
+              <a:ext uri="{FF2B5EF4-FFF2-40B4-BE49-F238E27FC236}">
+                <a16:creationId xmlns:a16="http://schemas.microsoft.com/office/drawing/2014/main" id="{95199994-21AE-49A2-BA0D-12E295989A9A}"/>
+              </a:ext>
+              <a:ext uri="{C183D7F6-B498-43B3-948B-1728B52AA6E4}">
+                <adec:decorative xmlns:adec="http://schemas.microsoft.com/office/drawing/2017/decorative" val="1"/>
+              </a:ext>
+            </a:extLst>
+          </p:cNvPr>
+          <p:cNvSpPr>
+            <a:spLocks noGrp="1" noRot="1" noChangeAspect="1" noMove="1" noResize="1" noEditPoints="1" noAdjustHandles="1" noChangeArrowheads="1" noChangeShapeType="1" noTextEdit="1"/>
+          </p:cNvSpPr>
+          <p:nvPr>
+            <p:extLst>
+              <p:ext uri="{386F3935-93C4-4BCD-93E2-E3B085C9AB24}">
+                <p16:designElem xmlns:p16="http://schemas.microsoft.com/office/powerpoint/2015/main" val="1"/>
+              </p:ext>
+            </p:extLst>
+          </p:nvPr>
+        </p:nvSpPr>
+        <p:spPr bwMode="white">
+          <a:xfrm>
+            <a:off x="0" y="0"/>
+            <a:ext cx="12192000" cy="6858000"/>
+          </a:xfrm>
+          <a:prstGeom prst="rect">
+            <a:avLst/>
+          </a:prstGeom>
+          <a:ln>
+            <a:noFill/>
+          </a:ln>
+        </p:spPr>
+        <p:style>
+          <a:lnRef idx="2">
+            <a:schemeClr val="accent1">
+              <a:shade val="50000"/>
+            </a:schemeClr>
+          </a:lnRef>
+          <a:fillRef idx="1">
+            <a:schemeClr val="accent1"/>
+          </a:fillRef>
+          <a:effectRef idx="0">
+            <a:schemeClr val="accent1"/>
+          </a:effectRef>
+          <a:fontRef idx="minor">
+            <a:schemeClr val="lt1"/>
+          </a:fontRef>
+        </p:style>
+        <p:txBody>
+          <a:bodyPr rtlCol="0" anchor="ctr"/>
+          <a:lstStyle>
+            <a:defPPr>
+              <a:defRPr lang="en-US"/>
+            </a:defPPr>
+            <a:lvl1pPr marL="0" algn="l" defTabSz="914400" rtl="0" eaLnBrk="1" latinLnBrk="0" hangingPunct="1">
+              <a:defRPr sz="1800" kern="1200">
+                <a:solidFill>
+                  <a:schemeClr val="lt1"/>
+                </a:solidFill>
+                <a:latin typeface="+mn-lt"/>
+                <a:ea typeface="+mn-ea"/>
+                <a:cs typeface="+mn-cs"/>
+              </a:defRPr>
+            </a:lvl1pPr>
+            <a:lvl2pPr marL="457200" algn="l" defTabSz="914400" rtl="0" eaLnBrk="1" latinLnBrk="0" hangingPunct="1">
+              <a:defRPr sz="1800" kern="1200">
+                <a:solidFill>
+                  <a:schemeClr val="lt1"/>
+                </a:solidFill>
+                <a:latin typeface="+mn-lt"/>
+                <a:ea typeface="+mn-ea"/>
+                <a:cs typeface="+mn-cs"/>
+              </a:defRPr>
+            </a:lvl2pPr>
+            <a:lvl3pPr marL="914400" algn="l" defTabSz="914400" rtl="0" eaLnBrk="1" latinLnBrk="0" hangingPunct="1">
+              <a:defRPr sz="1800" kern="1200">
+                <a:solidFill>
+                  <a:schemeClr val="lt1"/>
+                </a:solidFill>
+                <a:latin typeface="+mn-lt"/>
+                <a:ea typeface="+mn-ea"/>
+                <a:cs typeface="+mn-cs"/>
+              </a:defRPr>
+            </a:lvl3pPr>
+            <a:lvl4pPr marL="1371600" algn="l" defTabSz="914400" rtl="0" eaLnBrk="1" latinLnBrk="0" hangingPunct="1">
+              <a:defRPr sz="1800" kern="1200">
+                <a:solidFill>
+                  <a:schemeClr val="lt1"/>
+                </a:solidFill>
+                <a:latin typeface="+mn-lt"/>
+                <a:ea typeface="+mn-ea"/>
+                <a:cs typeface="+mn-cs"/>
+              </a:defRPr>
+            </a:lvl4pPr>
+            <a:lvl5pPr marL="1828800" algn="l" defTabSz="914400" rtl="0" eaLnBrk="1" latinLnBrk="0" hangingPunct="1">
+              <a:defRPr sz="1800" kern="1200">
+                <a:solidFill>
+                  <a:schemeClr val="lt1"/>
+                </a:solidFill>
+                <a:latin typeface="+mn-lt"/>
+                <a:ea typeface="+mn-ea"/>
+                <a:cs typeface="+mn-cs"/>
+              </a:defRPr>
+            </a:lvl5pPr>
+            <a:lvl6pPr marL="2286000" algn="l" defTabSz="914400" rtl="0" eaLnBrk="1" latinLnBrk="0" hangingPunct="1">
+              <a:defRPr sz="1800" kern="1200">
+                <a:solidFill>
+                  <a:schemeClr val="lt1"/>
+                </a:solidFill>
+                <a:latin typeface="+mn-lt"/>
+                <a:ea typeface="+mn-ea"/>
+                <a:cs typeface="+mn-cs"/>
+              </a:defRPr>
+            </a:lvl6pPr>
+            <a:lvl7pPr marL="2743200" algn="l" defTabSz="914400" rtl="0" eaLnBrk="1" latinLnBrk="0" hangingPunct="1">
+              <a:defRPr sz="1800" kern="1200">
+                <a:solidFill>
+                  <a:schemeClr val="lt1"/>
+                </a:solidFill>
+                <a:latin typeface="+mn-lt"/>
+                <a:ea typeface="+mn-ea"/>
+                <a:cs typeface="+mn-cs"/>
+              </a:defRPr>
+            </a:lvl7pPr>
+            <a:lvl8pPr marL="3200400" algn="l" defTabSz="914400" rtl="0" eaLnBrk="1" latinLnBrk="0" hangingPunct="1">
+              <a:defRPr sz="1800" kern="1200">
+                <a:solidFill>
+                  <a:schemeClr val="lt1"/>
+                </a:solidFill>
+                <a:latin typeface="+mn-lt"/>
+                <a:ea typeface="+mn-ea"/>
+                <a:cs typeface="+mn-cs"/>
+              </a:defRPr>
+            </a:lvl8pPr>
+            <a:lvl9pPr marL="3657600" algn="l" defTabSz="914400" rtl="0" eaLnBrk="1" latinLnBrk="0" hangingPunct="1">
+              <a:defRPr sz="1800" kern="1200">
+                <a:solidFill>
+                  <a:schemeClr val="lt1"/>
+                </a:solidFill>
+                <a:latin typeface="+mn-lt"/>
+                <a:ea typeface="+mn-ea"/>
+                <a:cs typeface="+mn-cs"/>
+              </a:defRPr>
+            </a:lvl9pPr>
+          </a:lstStyle>
+          <a:p>
+            <a:pPr algn="ctr"/>
+            <a:endParaRPr lang="en-US"/>
+          </a:p>
+        </p:txBody>
+      </p:sp>
+      <p:sp>
+        <p:nvSpPr>
+          <p:cNvPr id="2" name="Title 1">
+            <a:extLst>
+              <a:ext uri="{FF2B5EF4-FFF2-40B4-BE49-F238E27FC236}">
+                <a16:creationId xmlns:a16="http://schemas.microsoft.com/office/drawing/2014/main" id="{A440814D-58F1-5AC6-8764-E162F73A32BA}"/>
+              </a:ext>
+            </a:extLst>
+          </p:cNvPr>
+          <p:cNvSpPr>
+            <a:spLocks noGrp="1"/>
+          </p:cNvSpPr>
+          <p:nvPr>
+            <p:ph type="title"/>
+          </p:nvPr>
+        </p:nvSpPr>
+        <p:spPr>
+          <a:xfrm>
+            <a:off x="4855265" y="530578"/>
+            <a:ext cx="6685483" cy="1160110"/>
+          </a:xfrm>
+        </p:spPr>
+        <p:txBody>
+          <a:bodyPr vert="horz" lIns="91440" tIns="45720" rIns="91440" bIns="45720" rtlCol="0" anchor="ctr">
+            <a:normAutofit/>
+          </a:bodyPr>
+          <a:lstStyle/>
+          <a:p>
+            <a:r>
+              <a:rPr lang="en-US" sz="3700" kern="1200" dirty="0">
+                <a:solidFill>
+                  <a:schemeClr val="tx1"/>
+                </a:solidFill>
+                <a:latin typeface="+mj-lt"/>
+                <a:ea typeface="+mj-ea"/>
+                <a:cs typeface="+mj-cs"/>
+              </a:rPr>
+              <a:t>Implemented algorithms</a:t>
+            </a:r>
+          </a:p>
+        </p:txBody>
+      </p:sp>
+      <p:pic>
+        <p:nvPicPr>
+          <p:cNvPr id="7" name="Graphic 6" descr="Magnifying glass">
+            <a:extLst>
+              <a:ext uri="{FF2B5EF4-FFF2-40B4-BE49-F238E27FC236}">
+                <a16:creationId xmlns:a16="http://schemas.microsoft.com/office/drawing/2014/main" id="{CEE489C1-A97F-9036-B5A7-D590ECABC4FD}"/>
+              </a:ext>
+            </a:extLst>
+          </p:cNvPr>
+          <p:cNvPicPr>
+            <a:picLocks noChangeAspect="1"/>
+          </p:cNvPicPr>
+          <p:nvPr/>
+        </p:nvPicPr>
+        <p:blipFill>
+          <a:blip r:embed="rId2">
+            <a:extLst>
+              <a:ext uri="{28A0092B-C50C-407E-A947-70E740481C1C}">
+                <a14:useLocalDpi xmlns:a14="http://schemas.microsoft.com/office/drawing/2010/main" val="0"/>
+              </a:ext>
+              <a:ext uri="{96DAC541-7B7A-43D3-8B79-37D633B846F1}">
+                <asvg:svgBlip xmlns:asvg="http://schemas.microsoft.com/office/drawing/2016/SVG/main" r:embed="rId3"/>
+              </a:ext>
+            </a:extLst>
+          </a:blip>
+          <a:stretch>
+            <a:fillRect/>
+          </a:stretch>
+        </p:blipFill>
+        <p:spPr>
+          <a:xfrm>
+            <a:off x="512090" y="1268685"/>
+            <a:ext cx="4123294" cy="4123294"/>
+          </a:xfrm>
+          <a:custGeom>
+            <a:avLst/>
+            <a:gdLst/>
+            <a:ahLst/>
+            <a:cxnLst/>
+            <a:rect l="l" t="t" r="r" b="b"/>
+            <a:pathLst>
+              <a:path w="4643496" h="5550370">
+                <a:moveTo>
+                  <a:pt x="81586" y="0"/>
+                </a:moveTo>
+                <a:lnTo>
+                  <a:pt x="4561910" y="0"/>
+                </a:lnTo>
+                <a:cubicBezTo>
+                  <a:pt x="4606969" y="0"/>
+                  <a:pt x="4643496" y="36527"/>
+                  <a:pt x="4643496" y="81586"/>
+                </a:cubicBezTo>
+                <a:lnTo>
+                  <a:pt x="4643496" y="5468784"/>
+                </a:lnTo>
+                <a:cubicBezTo>
+                  <a:pt x="4643496" y="5513843"/>
+                  <a:pt x="4606969" y="5550370"/>
+                  <a:pt x="4561910" y="5550370"/>
+                </a:cubicBezTo>
+                <a:lnTo>
+                  <a:pt x="81586" y="5550370"/>
+                </a:lnTo>
+                <a:cubicBezTo>
+                  <a:pt x="36527" y="5550370"/>
+                  <a:pt x="0" y="5513843"/>
+                  <a:pt x="0" y="5468784"/>
+                </a:cubicBezTo>
+                <a:lnTo>
+                  <a:pt x="0" y="81586"/>
+                </a:lnTo>
+                <a:cubicBezTo>
+                  <a:pt x="0" y="36527"/>
+                  <a:pt x="36527" y="0"/>
+                  <a:pt x="81586" y="0"/>
+                </a:cubicBezTo>
+                <a:close/>
+              </a:path>
+            </a:pathLst>
+          </a:custGeom>
+        </p:spPr>
+      </p:pic>
+      <p:sp>
+        <p:nvSpPr>
+          <p:cNvPr id="12" name="Arc 11">
+            <a:extLst>
+              <a:ext uri="{FF2B5EF4-FFF2-40B4-BE49-F238E27FC236}">
+                <a16:creationId xmlns:a16="http://schemas.microsoft.com/office/drawing/2014/main" id="{A2C34835-4F79-4934-B151-D68E79764C72}"/>
+              </a:ext>
+              <a:ext uri="{C183D7F6-B498-43B3-948B-1728B52AA6E4}">
+                <adec:decorative xmlns:adec="http://schemas.microsoft.com/office/drawing/2017/decorative" val="1"/>
+              </a:ext>
+            </a:extLst>
+          </p:cNvPr>
+          <p:cNvSpPr>
+            <a:spLocks noGrp="1" noRot="1" noChangeAspect="1" noMove="1" noResize="1" noEditPoints="1" noAdjustHandles="1" noChangeArrowheads="1" noChangeShapeType="1" noTextEdit="1"/>
+          </p:cNvSpPr>
+          <p:nvPr>
+            <p:extLst>
+              <p:ext uri="{386F3935-93C4-4BCD-93E2-E3B085C9AB24}">
+                <p16:designElem xmlns:p16="http://schemas.microsoft.com/office/powerpoint/2015/main" val="1"/>
+              </p:ext>
+            </p:extLst>
+          </p:nvPr>
+        </p:nvSpPr>
+        <p:spPr>
+          <a:xfrm rot="6269068">
+            <a:off x="8717845" y="3339275"/>
+            <a:ext cx="2987899" cy="2987899"/>
+          </a:xfrm>
+          <a:prstGeom prst="arc">
+            <a:avLst>
+              <a:gd name="adj1" fmla="val 14441841"/>
+              <a:gd name="adj2" fmla="val 0"/>
+            </a:avLst>
+          </a:prstGeom>
+          <a:ln w="127000" cap="rnd">
+            <a:solidFill>
+              <a:schemeClr val="accent4">
+                <a:alpha val="95000"/>
+              </a:schemeClr>
+            </a:solidFill>
+            <a:prstDash val="dash"/>
+            <a:miter lim="800000"/>
+          </a:ln>
+        </p:spPr>
+        <p:style>
+          <a:lnRef idx="1">
+            <a:schemeClr val="accent1"/>
+          </a:lnRef>
+          <a:fillRef idx="0">
+            <a:schemeClr val="accent1"/>
+          </a:fillRef>
+          <a:effectRef idx="0">
+            <a:schemeClr val="accent1"/>
+          </a:effectRef>
+          <a:fontRef idx="minor">
+            <a:schemeClr val="tx1"/>
+          </a:fontRef>
+        </p:style>
+        <p:txBody>
+          <a:bodyPr rtlCol="0" anchor="ctr"/>
+          <a:lstStyle/>
+          <a:p>
+            <a:pPr marL="0" marR="0" lvl="0" indent="0" algn="ctr" defTabSz="914400" rtl="0" eaLnBrk="1" fontAlgn="auto" latinLnBrk="0" hangingPunct="1">
+              <a:lnSpc>
+                <a:spcPct val="100000"/>
+              </a:lnSpc>
+              <a:spcBef>
+                <a:spcPts val="0"/>
+              </a:spcBef>
+              <a:spcAft>
+                <a:spcPts val="0"/>
+              </a:spcAft>
+              <a:buClrTx/>
+              <a:buSzTx/>
+              <a:buFontTx/>
+              <a:buNone/>
+              <a:tabLst/>
+              <a:defRPr/>
+            </a:pPr>
+            <a:endParaRPr kumimoji="0" lang="en-US" sz="1800" b="0" i="0" u="none" strike="noStrike" kern="1200" cap="none" spc="0" normalizeH="0" baseline="0" noProof="0">
+              <a:ln>
+                <a:noFill/>
+              </a:ln>
+              <a:solidFill>
+                <a:srgbClr val="000000"/>
+              </a:solidFill>
+              <a:effectLst/>
+              <a:uLnTx/>
+              <a:uFillTx/>
+              <a:latin typeface="Calibri" panose="020F0502020204030204"/>
+              <a:ea typeface="+mn-ea"/>
+              <a:cs typeface="+mn-cs"/>
+            </a:endParaRPr>
+          </a:p>
+        </p:txBody>
+      </p:sp>
+      <p:sp>
+        <p:nvSpPr>
+          <p:cNvPr id="3" name="TextBox 2">
+            <a:extLst>
+              <a:ext uri="{FF2B5EF4-FFF2-40B4-BE49-F238E27FC236}">
+                <a16:creationId xmlns:a16="http://schemas.microsoft.com/office/drawing/2014/main" id="{6279D5A5-2C3E-D20B-26B3-5CA38DD44134}"/>
+              </a:ext>
+            </a:extLst>
+          </p:cNvPr>
+          <p:cNvSpPr txBox="1"/>
+          <p:nvPr/>
+        </p:nvSpPr>
+        <p:spPr>
+          <a:xfrm>
+            <a:off x="4855265" y="1825625"/>
+            <a:ext cx="6685483" cy="4388908"/>
+          </a:xfrm>
+          <a:prstGeom prst="rect">
+            <a:avLst/>
+          </a:prstGeom>
+        </p:spPr>
+        <p:txBody>
+          <a:bodyPr vert="horz" lIns="91440" tIns="45720" rIns="91440" bIns="45720" rtlCol="0">
+            <a:normAutofit/>
+          </a:bodyPr>
+          <a:lstStyle/>
+          <a:p>
+            <a:pPr marL="285750" indent="-228600">
+              <a:lnSpc>
+                <a:spcPct val="90000"/>
+              </a:lnSpc>
+              <a:spcAft>
+                <a:spcPts val="600"/>
+              </a:spcAft>
+              <a:buFont typeface="Arial" panose="020B0604020202020204" pitchFamily="34" charset="0"/>
+              <a:buChar char="•"/>
+            </a:pPr>
+            <a:r>
+              <a:rPr lang="en-US" sz="2400" dirty="0"/>
+              <a:t>Breadth First Search</a:t>
+            </a:r>
+          </a:p>
+          <a:p>
+            <a:pPr marL="285750" indent="-228600">
+              <a:lnSpc>
+                <a:spcPct val="90000"/>
+              </a:lnSpc>
+              <a:spcAft>
+                <a:spcPts val="600"/>
+              </a:spcAft>
+              <a:buFont typeface="Arial" panose="020B0604020202020204" pitchFamily="34" charset="0"/>
+              <a:buChar char="•"/>
+            </a:pPr>
+            <a:r>
+              <a:rPr lang="en-US" sz="2400" dirty="0"/>
+              <a:t>Depth First Search</a:t>
+            </a:r>
+          </a:p>
+          <a:p>
+            <a:pPr marL="285750" indent="-228600">
+              <a:lnSpc>
+                <a:spcPct val="90000"/>
+              </a:lnSpc>
+              <a:spcAft>
+                <a:spcPts val="600"/>
+              </a:spcAft>
+              <a:buFont typeface="Arial" panose="020B0604020202020204" pitchFamily="34" charset="0"/>
+              <a:buChar char="•"/>
+            </a:pPr>
+            <a:r>
+              <a:rPr lang="en-US" sz="2400" dirty="0"/>
+              <a:t>Depth Limited Search</a:t>
+            </a:r>
+          </a:p>
+          <a:p>
+            <a:pPr marL="285750" indent="-228600">
+              <a:lnSpc>
+                <a:spcPct val="90000"/>
+              </a:lnSpc>
+              <a:spcAft>
+                <a:spcPts val="600"/>
+              </a:spcAft>
+              <a:buFont typeface="Arial" panose="020B0604020202020204" pitchFamily="34" charset="0"/>
+              <a:buChar char="•"/>
+            </a:pPr>
+            <a:r>
+              <a:rPr lang="en-US" sz="2400" dirty="0"/>
+              <a:t>Iterative Deepening Search</a:t>
+            </a:r>
+          </a:p>
+          <a:p>
+            <a:pPr marL="285750" indent="-228600">
+              <a:lnSpc>
+                <a:spcPct val="90000"/>
+              </a:lnSpc>
+              <a:spcAft>
+                <a:spcPts val="600"/>
+              </a:spcAft>
+              <a:buFont typeface="Arial" panose="020B0604020202020204" pitchFamily="34" charset="0"/>
+              <a:buChar char="•"/>
+            </a:pPr>
+            <a:r>
+              <a:rPr lang="en-US" sz="2400" dirty="0"/>
+              <a:t>Greedy Search</a:t>
+            </a:r>
+          </a:p>
+          <a:p>
+            <a:pPr marL="285750" indent="-228600">
+              <a:lnSpc>
+                <a:spcPct val="90000"/>
+              </a:lnSpc>
+              <a:spcAft>
+                <a:spcPts val="600"/>
+              </a:spcAft>
+              <a:buFont typeface="Arial" panose="020B0604020202020204" pitchFamily="34" charset="0"/>
+              <a:buChar char="•"/>
+            </a:pPr>
+            <a:r>
+              <a:rPr lang="en-US" sz="2400" dirty="0"/>
+              <a:t>A* search</a:t>
+            </a:r>
+          </a:p>
+          <a:p>
+            <a:pPr marL="285750" indent="-228600">
+              <a:lnSpc>
+                <a:spcPct val="90000"/>
+              </a:lnSpc>
+              <a:spcAft>
+                <a:spcPts val="600"/>
+              </a:spcAft>
+              <a:buFont typeface="Arial" panose="020B0604020202020204" pitchFamily="34" charset="0"/>
+              <a:buChar char="•"/>
+            </a:pPr>
+            <a:r>
+              <a:rPr lang="en-US" sz="2400" dirty="0"/>
+              <a:t>Weighted A* search</a:t>
+            </a:r>
+          </a:p>
+          <a:p>
+            <a:pPr marL="285750" indent="-228600">
+              <a:lnSpc>
+                <a:spcPct val="90000"/>
+              </a:lnSpc>
+              <a:spcAft>
+                <a:spcPts val="600"/>
+              </a:spcAft>
+              <a:buFont typeface="Arial" panose="020B0604020202020204" pitchFamily="34" charset="0"/>
+              <a:buChar char="•"/>
+            </a:pPr>
+            <a:endParaRPr lang="en-US" sz="2400" dirty="0"/>
+          </a:p>
+          <a:p>
+            <a:pPr indent="-228600">
+              <a:lnSpc>
+                <a:spcPct val="90000"/>
+              </a:lnSpc>
+              <a:spcAft>
+                <a:spcPts val="600"/>
+              </a:spcAft>
+              <a:buFont typeface="Arial" panose="020B0604020202020204" pitchFamily="34" charset="0"/>
+              <a:buChar char="•"/>
+            </a:pPr>
+            <a:endParaRPr lang="en-US" sz="2400" dirty="0"/>
+          </a:p>
+        </p:txBody>
+      </p:sp>
+    </p:spTree>
+    <p:extLst>
+      <p:ext uri="{BB962C8B-B14F-4D97-AF65-F5344CB8AC3E}">
+        <p14:creationId xmlns:p14="http://schemas.microsoft.com/office/powerpoint/2010/main" val="851997528"/>
+      </p:ext>
+    </p:extLst>
+  </p:cSld>
+  <p:clrMapOvr>
+    <a:masterClrMapping/>
+  </p:clrMapOvr>
+</p:sld>
+</file>
+
+<file path=ppt/slides/slide8.xml><?xml version="1.0" encoding="utf-8"?>
+<p:sld xmlns:a="http://schemas.openxmlformats.org/drawingml/2006/main" xmlns:r="http://schemas.openxmlformats.org/officeDocument/2006/relationships" xmlns:p="http://schemas.openxmlformats.org/presentationml/2006/main">
+  <p:cSld>
+    <p:spTree>
+      <p:nvGrpSpPr>
+        <p:cNvPr id="1" name=""/>
+        <p:cNvGrpSpPr/>
+        <p:nvPr/>
+      </p:nvGrpSpPr>
+      <p:grpSpPr>
+        <a:xfrm>
+          <a:off x="0" y="0"/>
+          <a:ext cx="0" cy="0"/>
+          <a:chOff x="0" y="0"/>
+          <a:chExt cx="0" cy="0"/>
+        </a:xfrm>
+      </p:grpSpPr>
+      <p:sp>
+        <p:nvSpPr>
+          <p:cNvPr id="2" name="Title 1">
+            <a:extLst>
+              <a:ext uri="{FF2B5EF4-FFF2-40B4-BE49-F238E27FC236}">
+                <a16:creationId xmlns:a16="http://schemas.microsoft.com/office/drawing/2014/main" id="{B2DAAE40-76B7-CD13-732B-8FFEDE403A02}"/>
+              </a:ext>
+            </a:extLst>
+          </p:cNvPr>
+          <p:cNvSpPr>
+            <a:spLocks noGrp="1"/>
+          </p:cNvSpPr>
+          <p:nvPr>
+            <p:ph type="title"/>
+          </p:nvPr>
+        </p:nvSpPr>
+        <p:spPr/>
+        <p:txBody>
+          <a:bodyPr/>
+          <a:lstStyle/>
+          <a:p>
+            <a:r>
+              <a:rPr lang="en-US" dirty="0"/>
+              <a:t>Experimental Results</a:t>
+            </a:r>
+            <a:endParaRPr lang="en-GB" dirty="0"/>
+          </a:p>
+        </p:txBody>
+      </p:sp>
+      <p:sp>
+        <p:nvSpPr>
+          <p:cNvPr id="3" name="TextBox 2">
+            <a:extLst>
+              <a:ext uri="{FF2B5EF4-FFF2-40B4-BE49-F238E27FC236}">
+                <a16:creationId xmlns:a16="http://schemas.microsoft.com/office/drawing/2014/main" id="{3657C692-D500-1670-527E-FB2D1A135A6C}"/>
+              </a:ext>
+            </a:extLst>
+          </p:cNvPr>
+          <p:cNvSpPr txBox="1"/>
+          <p:nvPr/>
+        </p:nvSpPr>
+        <p:spPr>
+          <a:xfrm>
+            <a:off x="1900518" y="2613212"/>
+            <a:ext cx="7171764" cy="369332"/>
+          </a:xfrm>
+          <a:prstGeom prst="rect">
+            <a:avLst/>
+          </a:prstGeom>
+          <a:noFill/>
+        </p:spPr>
+        <p:txBody>
+          <a:bodyPr wrap="square" rtlCol="0">
+            <a:spAutoFit/>
+          </a:bodyPr>
+          <a:lstStyle/>
+          <a:p>
+            <a:r>
+              <a:rPr lang="en-US" dirty="0"/>
+              <a:t>1 </a:t>
+            </a:r>
+            <a:r>
+              <a:rPr lang="en-US" dirty="0" err="1"/>
+              <a:t>grafico</a:t>
+            </a:r>
+            <a:r>
+              <a:rPr lang="en-US" dirty="0"/>
+              <a:t> </a:t>
+            </a:r>
+            <a:r>
+              <a:rPr lang="en-US" dirty="0" err="1"/>
+              <a:t>sobre</a:t>
+            </a:r>
+            <a:r>
+              <a:rPr lang="en-US" dirty="0"/>
+              <a:t> uninformed search e outro </a:t>
+            </a:r>
+            <a:r>
+              <a:rPr lang="en-US" dirty="0" err="1"/>
+              <a:t>sobre</a:t>
+            </a:r>
+            <a:r>
+              <a:rPr lang="en-US" dirty="0"/>
+              <a:t> informed search</a:t>
+            </a:r>
+            <a:endParaRPr lang="en-GB" dirty="0"/>
+          </a:p>
+        </p:txBody>
+      </p:sp>
+      <p:sp>
+        <p:nvSpPr>
+          <p:cNvPr id="4" name="TextBox 3">
+            <a:extLst>
+              <a:ext uri="{FF2B5EF4-FFF2-40B4-BE49-F238E27FC236}">
+                <a16:creationId xmlns:a16="http://schemas.microsoft.com/office/drawing/2014/main" id="{43E30558-AD42-A188-4378-9F93BBC390EA}"/>
+              </a:ext>
+            </a:extLst>
+          </p:cNvPr>
+          <p:cNvSpPr txBox="1"/>
+          <p:nvPr/>
+        </p:nvSpPr>
+        <p:spPr>
+          <a:xfrm>
+            <a:off x="1748118" y="5221941"/>
+            <a:ext cx="8574741" cy="369332"/>
+          </a:xfrm>
+          <a:prstGeom prst="rect">
+            <a:avLst/>
+          </a:prstGeom>
+          <a:noFill/>
+        </p:spPr>
+        <p:txBody>
+          <a:bodyPr wrap="square" rtlCol="0">
+            <a:spAutoFit/>
+          </a:bodyPr>
+          <a:lstStyle/>
+          <a:p>
+            <a:r>
+              <a:rPr lang="en-US" dirty="0"/>
+              <a:t>Link para o html</a:t>
+            </a:r>
+            <a:endParaRPr lang="en-GB" dirty="0"/>
+          </a:p>
+        </p:txBody>
+      </p:sp>
+    </p:spTree>
+    <p:extLst>
+      <p:ext uri="{BB962C8B-B14F-4D97-AF65-F5344CB8AC3E}">
+        <p14:creationId xmlns:p14="http://schemas.microsoft.com/office/powerpoint/2010/main" val="3788508465"/>
+      </p:ext>
+    </p:extLst>
+  </p:cSld>
+  <p:clrMapOvr>
+    <a:masterClrMapping/>
+  </p:clrMapOvr>
+</p:sld>
+</file>
+
+<file path=ppt/slides/slide9.xml><?xml version="1.0" encoding="utf-8"?>
+<p:sld xmlns:a="http://schemas.openxmlformats.org/drawingml/2006/main" xmlns:r="http://schemas.openxmlformats.org/officeDocument/2006/relationships" xmlns:p="http://schemas.openxmlformats.org/presentationml/2006/main">
+  <p:cSld>
+    <p:spTree>
+      <p:nvGrpSpPr>
+        <p:cNvPr id="1" name=""/>
+        <p:cNvGrpSpPr/>
+        <p:nvPr/>
+      </p:nvGrpSpPr>
+      <p:grpSpPr>
+        <a:xfrm>
+          <a:off x="0" y="0"/>
+          <a:ext cx="0" cy="0"/>
+          <a:chOff x="0" y="0"/>
+          <a:chExt cx="0" cy="0"/>
+        </a:xfrm>
+      </p:grpSpPr>
+      <p:sp>
+        <p:nvSpPr>
+          <p:cNvPr id="2" name="Title 1">
+            <a:extLst>
+              <a:ext uri="{FF2B5EF4-FFF2-40B4-BE49-F238E27FC236}">
+                <a16:creationId xmlns:a16="http://schemas.microsoft.com/office/drawing/2014/main" id="{DDEA2501-2C54-6AFE-2C1C-F17A493DF165}"/>
+              </a:ext>
+            </a:extLst>
+          </p:cNvPr>
+          <p:cNvSpPr>
+            <a:spLocks noGrp="1"/>
+          </p:cNvSpPr>
+          <p:nvPr>
+            <p:ph type="title"/>
+          </p:nvPr>
+        </p:nvSpPr>
+        <p:spPr/>
+        <p:txBody>
+          <a:bodyPr/>
+          <a:lstStyle/>
+          <a:p>
+            <a:r>
+              <a:rPr lang="en-US" dirty="0"/>
+              <a:t>Conclusions</a:t>
+            </a:r>
+            <a:endParaRPr lang="en-GB" dirty="0"/>
+          </a:p>
+        </p:txBody>
+      </p:sp>
+      <p:sp>
+        <p:nvSpPr>
+          <p:cNvPr id="3" name="TextBox 2">
+            <a:extLst>
+              <a:ext uri="{FF2B5EF4-FFF2-40B4-BE49-F238E27FC236}">
+                <a16:creationId xmlns:a16="http://schemas.microsoft.com/office/drawing/2014/main" id="{F7E182FB-1F4F-6DCB-7107-E44F8C704AC1}"/>
+              </a:ext>
+            </a:extLst>
+          </p:cNvPr>
+          <p:cNvSpPr txBox="1"/>
+          <p:nvPr/>
+        </p:nvSpPr>
+        <p:spPr>
+          <a:xfrm>
+            <a:off x="1304365" y="1900518"/>
+            <a:ext cx="8068235" cy="646331"/>
+          </a:xfrm>
+          <a:prstGeom prst="rect">
+            <a:avLst/>
+          </a:prstGeom>
+          <a:noFill/>
+        </p:spPr>
+        <p:txBody>
+          <a:bodyPr wrap="square" rtlCol="0">
+            <a:spAutoFit/>
+          </a:bodyPr>
+          <a:lstStyle/>
+          <a:p>
+            <a:r>
+              <a:rPr lang="en-US" dirty="0" err="1"/>
+              <a:t>Falar</a:t>
+            </a:r>
+            <a:r>
+              <a:rPr lang="en-US" dirty="0"/>
+              <a:t> </a:t>
+            </a:r>
+            <a:r>
+              <a:rPr lang="en-US" dirty="0" err="1"/>
+              <a:t>sobre</a:t>
+            </a:r>
+            <a:r>
+              <a:rPr lang="en-US" dirty="0"/>
+              <a:t> a </a:t>
+            </a:r>
+            <a:r>
+              <a:rPr lang="en-US" dirty="0" err="1"/>
+              <a:t>melhor</a:t>
+            </a:r>
+            <a:r>
+              <a:rPr lang="en-US" dirty="0"/>
+              <a:t> </a:t>
+            </a:r>
+            <a:r>
+              <a:rPr lang="en-US" dirty="0" err="1"/>
+              <a:t>heuristica</a:t>
+            </a:r>
+            <a:r>
+              <a:rPr lang="en-US" dirty="0"/>
+              <a:t> + </a:t>
+            </a:r>
+            <a:r>
+              <a:rPr lang="en-US" dirty="0" err="1"/>
+              <a:t>melhor</a:t>
+            </a:r>
+            <a:r>
+              <a:rPr lang="en-US" dirty="0"/>
+              <a:t> </a:t>
+            </a:r>
+            <a:r>
+              <a:rPr lang="en-US" dirty="0" err="1"/>
+              <a:t>algoritmo</a:t>
+            </a:r>
+            <a:r>
+              <a:rPr lang="en-US" dirty="0"/>
+              <a:t>  e </a:t>
+            </a:r>
+            <a:r>
+              <a:rPr lang="en-US" dirty="0" err="1"/>
+              <a:t>comparar</a:t>
+            </a:r>
+            <a:r>
+              <a:rPr lang="en-US" dirty="0"/>
+              <a:t> </a:t>
+            </a:r>
+            <a:r>
+              <a:rPr lang="en-US" dirty="0" err="1"/>
+              <a:t>comportamentos</a:t>
+            </a:r>
+            <a:r>
+              <a:rPr lang="en-US" dirty="0"/>
+              <a:t> </a:t>
+            </a:r>
+            <a:r>
+              <a:rPr lang="en-US" dirty="0" err="1"/>
+              <a:t>nas</a:t>
+            </a:r>
+            <a:r>
+              <a:rPr lang="en-US" dirty="0"/>
+              <a:t> </a:t>
+            </a:r>
+            <a:r>
+              <a:rPr lang="en-US" dirty="0" err="1"/>
+              <a:t>dificuldades</a:t>
+            </a:r>
+            <a:endParaRPr lang="en-GB" dirty="0"/>
+          </a:p>
+        </p:txBody>
+      </p:sp>
+    </p:spTree>
+    <p:extLst>
+      <p:ext uri="{BB962C8B-B14F-4D97-AF65-F5344CB8AC3E}">
+        <p14:creationId xmlns:p14="http://schemas.microsoft.com/office/powerpoint/2010/main" val="1465826938"/>
       </p:ext>
     </p:extLst>
   </p:cSld>

--- a/Block Escape.pptx
+++ b/Block Escape.pptx
@@ -205,7 +205,7 @@
           <a:p>
             <a:fld id="{93E535DD-106C-4541-B5AF-9672E5885387}" type="datetimeFigureOut">
               <a:rPr lang="en-US" smtClean="0"/>
-              <a:t>3/27/2023</a:t>
+              <a:t>4/2/2023</a:t>
             </a:fld>
             <a:endParaRPr lang="en-US"/>
           </a:p>
@@ -705,7 +705,7 @@
           <a:p>
             <a:fld id="{1C56E1C8-51FB-41FF-A952-5015197EF72E}" type="datetimeFigureOut">
               <a:rPr lang="en-GB" smtClean="0"/>
-              <a:t>27/03/2023</a:t>
+              <a:t>02/04/2023</a:t>
             </a:fld>
             <a:endParaRPr lang="en-GB"/>
           </a:p>
@@ -905,7 +905,7 @@
           <a:p>
             <a:fld id="{1C56E1C8-51FB-41FF-A952-5015197EF72E}" type="datetimeFigureOut">
               <a:rPr lang="en-GB" smtClean="0"/>
-              <a:t>27/03/2023</a:t>
+              <a:t>02/04/2023</a:t>
             </a:fld>
             <a:endParaRPr lang="en-GB"/>
           </a:p>
@@ -1115,7 +1115,7 @@
           <a:p>
             <a:fld id="{1C56E1C8-51FB-41FF-A952-5015197EF72E}" type="datetimeFigureOut">
               <a:rPr lang="en-GB" smtClean="0"/>
-              <a:t>27/03/2023</a:t>
+              <a:t>02/04/2023</a:t>
             </a:fld>
             <a:endParaRPr lang="en-GB"/>
           </a:p>
@@ -1315,7 +1315,7 @@
           <a:p>
             <a:fld id="{1C56E1C8-51FB-41FF-A952-5015197EF72E}" type="datetimeFigureOut">
               <a:rPr lang="en-GB" smtClean="0"/>
-              <a:t>27/03/2023</a:t>
+              <a:t>02/04/2023</a:t>
             </a:fld>
             <a:endParaRPr lang="en-GB"/>
           </a:p>
@@ -1591,7 +1591,7 @@
           <a:p>
             <a:fld id="{1C56E1C8-51FB-41FF-A952-5015197EF72E}" type="datetimeFigureOut">
               <a:rPr lang="en-GB" smtClean="0"/>
-              <a:t>27/03/2023</a:t>
+              <a:t>02/04/2023</a:t>
             </a:fld>
             <a:endParaRPr lang="en-GB"/>
           </a:p>
@@ -1859,7 +1859,7 @@
           <a:p>
             <a:fld id="{1C56E1C8-51FB-41FF-A952-5015197EF72E}" type="datetimeFigureOut">
               <a:rPr lang="en-GB" smtClean="0"/>
-              <a:t>27/03/2023</a:t>
+              <a:t>02/04/2023</a:t>
             </a:fld>
             <a:endParaRPr lang="en-GB"/>
           </a:p>
@@ -2274,7 +2274,7 @@
           <a:p>
             <a:fld id="{1C56E1C8-51FB-41FF-A952-5015197EF72E}" type="datetimeFigureOut">
               <a:rPr lang="en-GB" smtClean="0"/>
-              <a:t>27/03/2023</a:t>
+              <a:t>02/04/2023</a:t>
             </a:fld>
             <a:endParaRPr lang="en-GB"/>
           </a:p>
@@ -2416,7 +2416,7 @@
           <a:p>
             <a:fld id="{1C56E1C8-51FB-41FF-A952-5015197EF72E}" type="datetimeFigureOut">
               <a:rPr lang="en-GB" smtClean="0"/>
-              <a:t>27/03/2023</a:t>
+              <a:t>02/04/2023</a:t>
             </a:fld>
             <a:endParaRPr lang="en-GB"/>
           </a:p>
@@ -2529,7 +2529,7 @@
           <a:p>
             <a:fld id="{1C56E1C8-51FB-41FF-A952-5015197EF72E}" type="datetimeFigureOut">
               <a:rPr lang="en-GB" smtClean="0"/>
-              <a:t>27/03/2023</a:t>
+              <a:t>02/04/2023</a:t>
             </a:fld>
             <a:endParaRPr lang="en-GB"/>
           </a:p>
@@ -2842,7 +2842,7 @@
           <a:p>
             <a:fld id="{1C56E1C8-51FB-41FF-A952-5015197EF72E}" type="datetimeFigureOut">
               <a:rPr lang="en-GB" smtClean="0"/>
-              <a:t>27/03/2023</a:t>
+              <a:t>02/04/2023</a:t>
             </a:fld>
             <a:endParaRPr lang="en-GB"/>
           </a:p>
@@ -3131,7 +3131,7 @@
           <a:p>
             <a:fld id="{1C56E1C8-51FB-41FF-A952-5015197EF72E}" type="datetimeFigureOut">
               <a:rPr lang="en-GB" smtClean="0"/>
-              <a:t>27/03/2023</a:t>
+              <a:t>02/04/2023</a:t>
             </a:fld>
             <a:endParaRPr lang="en-GB"/>
           </a:p>
@@ -3374,7 +3374,7 @@
           <a:p>
             <a:fld id="{1C56E1C8-51FB-41FF-A952-5015197EF72E}" type="datetimeFigureOut">
               <a:rPr lang="en-GB" smtClean="0"/>
-              <a:t>27/03/2023</a:t>
+              <a:t>02/04/2023</a:t>
             </a:fld>
             <a:endParaRPr lang="en-GB"/>
           </a:p>
@@ -7423,21 +7423,15 @@
               <a:buChar char="•"/>
             </a:pPr>
             <a:r>
-              <a:rPr lang="en-US" dirty="0">
-                <a:solidFill>
-                  <a:srgbClr val="FF0000"/>
-                </a:solidFill>
-              </a:rPr>
-              <a:t>FALTA</a:t>
-            </a:r>
-          </a:p>
-          <a:p>
-            <a:pPr indent="-228600">
+              <a:rPr lang="en-US" dirty="0"/>
+              <a:t>Prioritize moving the smallest blocks first</a:t>
+            </a:r>
+          </a:p>
+          <a:p>
+            <a:pPr marL="114300">
               <a:lnSpc>
                 <a:spcPct val="90000"/>
               </a:lnSpc>
-              <a:buFont typeface="Arial" panose="020B0604020202020204" pitchFamily="34" charset="0"/>
-              <a:buChar char="•"/>
             </a:pPr>
             <a:endParaRPr lang="en-US" dirty="0"/>
           </a:p>
@@ -8325,10 +8319,10 @@
       </p:sp>
       <p:sp>
         <p:nvSpPr>
-          <p:cNvPr id="3" name="TextBox 2">
-            <a:extLst>
-              <a:ext uri="{FF2B5EF4-FFF2-40B4-BE49-F238E27FC236}">
-                <a16:creationId xmlns:a16="http://schemas.microsoft.com/office/drawing/2014/main" id="{F7E182FB-1F4F-6DCB-7107-E44F8C704AC1}"/>
+          <p:cNvPr id="5" name="TextBox 4">
+            <a:extLst>
+              <a:ext uri="{FF2B5EF4-FFF2-40B4-BE49-F238E27FC236}">
+                <a16:creationId xmlns:a16="http://schemas.microsoft.com/office/drawing/2014/main" id="{37873CC5-5CDF-8DA5-4F00-6976A11C2424}"/>
               </a:ext>
             </a:extLst>
           </p:cNvPr>
@@ -8337,8 +8331,8 @@
         </p:nvSpPr>
         <p:spPr>
           <a:xfrm>
-            <a:off x="1304365" y="1900518"/>
-            <a:ext cx="8068235" cy="646331"/>
+            <a:off x="838200" y="1690688"/>
+            <a:ext cx="10515600" cy="3693319"/>
           </a:xfrm>
           <a:prstGeom prst="rect">
             <a:avLst/>
@@ -8352,80 +8346,20 @@
           <a:lstStyle/>
           <a:p>
             <a:r>
-              <a:rPr lang="en-US" dirty="0" err="1"/>
-              <a:t>Falar</a:t>
-            </a:r>
-            <a:r>
               <a:rPr lang="en-US" dirty="0"/>
-              <a:t> </a:t>
-            </a:r>
-            <a:r>
-              <a:rPr lang="en-US" dirty="0" err="1"/>
-              <a:t>sobre</a:t>
-            </a:r>
+              <a:t>	In conclusion, we implemented multiple search algorithms in our video game "Block Escape", including BFS, DFS, IDS, A, Weighted A and Greedy. </a:t>
+            </a:r>
+          </a:p>
+          <a:p>
             <a:r>
               <a:rPr lang="en-US" dirty="0"/>
-              <a:t> a </a:t>
-            </a:r>
-            <a:r>
-              <a:rPr lang="en-US" dirty="0" err="1"/>
-              <a:t>melhor</a:t>
-            </a:r>
+              <a:t>	While each algorithm has its strengths and weaknesses, we found that BFS was very slow compared to the other algorithms. Greedy search, on the other hand, performed differently due to its lack of a cost function. When it comes to the heuristics we implemented, we found that prioritizing moves that keep the red block close to the edges of the board was the best heuristic overall. This heuristic consistently outperformed the other heuristics in terms of finding optimal solutions, and we believe this is because it helps the algorithm focus on paths that are more likely to lead to the goal state. In our experiments, all the heuristics provided an optimal solution in the A* algorithm. This shows that the heuristics we chose were effective in guiding the search towards the goal state. Finally, we found that IDS was slower than DFS, but used fewer nodes compared to DFS. This suggests that IDS could be a good choice when memory is a concern, and we recommend considering it as an alternative to DFS in certain scenarios. </a:t>
+            </a:r>
+          </a:p>
+          <a:p>
             <a:r>
               <a:rPr lang="en-US" dirty="0"/>
-              <a:t> </a:t>
-            </a:r>
-            <a:r>
-              <a:rPr lang="en-US" dirty="0" err="1"/>
-              <a:t>heuristica</a:t>
-            </a:r>
-            <a:r>
-              <a:rPr lang="en-US" dirty="0"/>
-              <a:t> + </a:t>
-            </a:r>
-            <a:r>
-              <a:rPr lang="en-US" dirty="0" err="1"/>
-              <a:t>melhor</a:t>
-            </a:r>
-            <a:r>
-              <a:rPr lang="en-US" dirty="0"/>
-              <a:t> </a:t>
-            </a:r>
-            <a:r>
-              <a:rPr lang="en-US" dirty="0" err="1"/>
-              <a:t>algoritmo</a:t>
-            </a:r>
-            <a:r>
-              <a:rPr lang="en-US" dirty="0"/>
-              <a:t>  e </a:t>
-            </a:r>
-            <a:r>
-              <a:rPr lang="en-US" dirty="0" err="1"/>
-              <a:t>comparar</a:t>
-            </a:r>
-            <a:r>
-              <a:rPr lang="en-US" dirty="0"/>
-              <a:t> </a:t>
-            </a:r>
-            <a:r>
-              <a:rPr lang="en-US" dirty="0" err="1"/>
-              <a:t>comportamentos</a:t>
-            </a:r>
-            <a:r>
-              <a:rPr lang="en-US" dirty="0"/>
-              <a:t> </a:t>
-            </a:r>
-            <a:r>
-              <a:rPr lang="en-US" dirty="0" err="1"/>
-              <a:t>nas</a:t>
-            </a:r>
-            <a:r>
-              <a:rPr lang="en-US" dirty="0"/>
-              <a:t> </a:t>
-            </a:r>
-            <a:r>
-              <a:rPr lang="en-US" dirty="0" err="1"/>
-              <a:t>dificuldades</a:t>
+              <a:t>Overall, we are pleased with the performance of our search algorithms and heuristics in "Block Escape". </a:t>
             </a:r>
             <a:endParaRPr lang="en-GB" dirty="0"/>
           </a:p>

--- a/Block Escape.pptx
+++ b/Block Escape.pptx
@@ -205,7 +205,7 @@
           <a:p>
             <a:fld id="{93E535DD-106C-4541-B5AF-9672E5885387}" type="datetimeFigureOut">
               <a:rPr lang="en-US" smtClean="0"/>
-              <a:t>4/2/2023</a:t>
+              <a:t>4/3/2023</a:t>
             </a:fld>
             <a:endParaRPr lang="en-US"/>
           </a:p>
@@ -705,7 +705,7 @@
           <a:p>
             <a:fld id="{1C56E1C8-51FB-41FF-A952-5015197EF72E}" type="datetimeFigureOut">
               <a:rPr lang="en-GB" smtClean="0"/>
-              <a:t>02/04/2023</a:t>
+              <a:t>03/04/2023</a:t>
             </a:fld>
             <a:endParaRPr lang="en-GB"/>
           </a:p>
@@ -905,7 +905,7 @@
           <a:p>
             <a:fld id="{1C56E1C8-51FB-41FF-A952-5015197EF72E}" type="datetimeFigureOut">
               <a:rPr lang="en-GB" smtClean="0"/>
-              <a:t>02/04/2023</a:t>
+              <a:t>03/04/2023</a:t>
             </a:fld>
             <a:endParaRPr lang="en-GB"/>
           </a:p>
@@ -1115,7 +1115,7 @@
           <a:p>
             <a:fld id="{1C56E1C8-51FB-41FF-A952-5015197EF72E}" type="datetimeFigureOut">
               <a:rPr lang="en-GB" smtClean="0"/>
-              <a:t>02/04/2023</a:t>
+              <a:t>03/04/2023</a:t>
             </a:fld>
             <a:endParaRPr lang="en-GB"/>
           </a:p>
@@ -1315,7 +1315,7 @@
           <a:p>
             <a:fld id="{1C56E1C8-51FB-41FF-A952-5015197EF72E}" type="datetimeFigureOut">
               <a:rPr lang="en-GB" smtClean="0"/>
-              <a:t>02/04/2023</a:t>
+              <a:t>03/04/2023</a:t>
             </a:fld>
             <a:endParaRPr lang="en-GB"/>
           </a:p>
@@ -1591,7 +1591,7 @@
           <a:p>
             <a:fld id="{1C56E1C8-51FB-41FF-A952-5015197EF72E}" type="datetimeFigureOut">
               <a:rPr lang="en-GB" smtClean="0"/>
-              <a:t>02/04/2023</a:t>
+              <a:t>03/04/2023</a:t>
             </a:fld>
             <a:endParaRPr lang="en-GB"/>
           </a:p>
@@ -1859,7 +1859,7 @@
           <a:p>
             <a:fld id="{1C56E1C8-51FB-41FF-A952-5015197EF72E}" type="datetimeFigureOut">
               <a:rPr lang="en-GB" smtClean="0"/>
-              <a:t>02/04/2023</a:t>
+              <a:t>03/04/2023</a:t>
             </a:fld>
             <a:endParaRPr lang="en-GB"/>
           </a:p>
@@ -2274,7 +2274,7 @@
           <a:p>
             <a:fld id="{1C56E1C8-51FB-41FF-A952-5015197EF72E}" type="datetimeFigureOut">
               <a:rPr lang="en-GB" smtClean="0"/>
-              <a:t>02/04/2023</a:t>
+              <a:t>03/04/2023</a:t>
             </a:fld>
             <a:endParaRPr lang="en-GB"/>
           </a:p>
@@ -2416,7 +2416,7 @@
           <a:p>
             <a:fld id="{1C56E1C8-51FB-41FF-A952-5015197EF72E}" type="datetimeFigureOut">
               <a:rPr lang="en-GB" smtClean="0"/>
-              <a:t>02/04/2023</a:t>
+              <a:t>03/04/2023</a:t>
             </a:fld>
             <a:endParaRPr lang="en-GB"/>
           </a:p>
@@ -2529,7 +2529,7 @@
           <a:p>
             <a:fld id="{1C56E1C8-51FB-41FF-A952-5015197EF72E}" type="datetimeFigureOut">
               <a:rPr lang="en-GB" smtClean="0"/>
-              <a:t>02/04/2023</a:t>
+              <a:t>03/04/2023</a:t>
             </a:fld>
             <a:endParaRPr lang="en-GB"/>
           </a:p>
@@ -2842,7 +2842,7 @@
           <a:p>
             <a:fld id="{1C56E1C8-51FB-41FF-A952-5015197EF72E}" type="datetimeFigureOut">
               <a:rPr lang="en-GB" smtClean="0"/>
-              <a:t>02/04/2023</a:t>
+              <a:t>03/04/2023</a:t>
             </a:fld>
             <a:endParaRPr lang="en-GB"/>
           </a:p>
@@ -3131,7 +3131,7 @@
           <a:p>
             <a:fld id="{1C56E1C8-51FB-41FF-A952-5015197EF72E}" type="datetimeFigureOut">
               <a:rPr lang="en-GB" smtClean="0"/>
-              <a:t>02/04/2023</a:t>
+              <a:t>03/04/2023</a:t>
             </a:fld>
             <a:endParaRPr lang="en-GB"/>
           </a:p>
@@ -3374,7 +3374,7 @@
           <a:p>
             <a:fld id="{1C56E1C8-51FB-41FF-A952-5015197EF72E}" type="datetimeFigureOut">
               <a:rPr lang="en-GB" smtClean="0"/>
-              <a:t>02/04/2023</a:t>
+              <a:t>03/04/2023</a:t>
             </a:fld>
             <a:endParaRPr lang="en-GB"/>
           </a:p>
@@ -5911,7 +5911,7 @@
         </p:spPr>
         <p:txBody>
           <a:bodyPr vert="horz" lIns="91440" tIns="45720" rIns="91440" bIns="45720" rtlCol="0">
-            <a:normAutofit lnSpcReduction="10000"/>
+            <a:normAutofit fontScale="92500" lnSpcReduction="10000"/>
           </a:bodyPr>
           <a:lstStyle/>
           <a:p>
@@ -5925,7 +5925,7 @@
             </a:pPr>
             <a:r>
               <a:rPr lang="en-US" sz="1400" b="1" dirty="0"/>
-              <a:t>Goal: </a:t>
+              <a:t>Objective Test: </a:t>
             </a:r>
             <a:r>
               <a:rPr lang="en-US" sz="1400" dirty="0"/>
@@ -7332,6 +7332,10 @@
               <a:buChar char="•"/>
             </a:pPr>
             <a:r>
+              <a:rPr lang="en-US" b="1" dirty="0"/>
+              <a:t>H1: </a:t>
+            </a:r>
+            <a:r>
               <a:rPr lang="en-US" dirty="0"/>
               <a:t>Euclidean distance between the red block and the exit</a:t>
             </a:r>
@@ -7345,6 +7349,10 @@
               <a:buChar char="•"/>
             </a:pPr>
             <a:r>
+              <a:rPr lang="en-US" b="1" dirty="0"/>
+              <a:t>H2: </a:t>
+            </a:r>
+            <a:r>
               <a:rPr lang="en-US" dirty="0"/>
               <a:t>Weighted sum of the obstacles between the red block and the exit</a:t>
             </a:r>
@@ -7358,6 +7366,10 @@
               <a:buChar char="•"/>
             </a:pPr>
             <a:r>
+              <a:rPr lang="en-US" b="1" dirty="0"/>
+              <a:t>H3: </a:t>
+            </a:r>
+            <a:r>
               <a:rPr lang="en-US" dirty="0"/>
               <a:t>Maximize the amount of contiguous empty spaces near the red block</a:t>
             </a:r>
@@ -7371,6 +7383,10 @@
               <a:buChar char="•"/>
             </a:pPr>
             <a:r>
+              <a:rPr lang="en-US" b="1" dirty="0"/>
+              <a:t>H4: </a:t>
+            </a:r>
+            <a:r>
               <a:rPr lang="en-US" dirty="0"/>
               <a:t>Prioritize moves that keep the red block close to the edges</a:t>
             </a:r>
@@ -7384,6 +7400,10 @@
               <a:buChar char="•"/>
             </a:pPr>
             <a:r>
+              <a:rPr lang="en-US" b="1" dirty="0"/>
+              <a:t>H5: </a:t>
+            </a:r>
+            <a:r>
               <a:rPr lang="en-US" dirty="0"/>
               <a:t>Prioritize movements in which the red block has at least one possible movement</a:t>
             </a:r>
@@ -7397,6 +7417,10 @@
               <a:buChar char="•"/>
             </a:pPr>
             <a:r>
+              <a:rPr lang="en-US" b="1" dirty="0"/>
+              <a:t>H6: </a:t>
+            </a:r>
+            <a:r>
               <a:rPr lang="en-US" dirty="0"/>
               <a:t>Prioritize fitting blocks along the edges of the game board from largest to smallest</a:t>
             </a:r>
@@ -7410,6 +7434,10 @@
               <a:buChar char="•"/>
             </a:pPr>
             <a:r>
+              <a:rPr lang="en-US" b="1" dirty="0"/>
+              <a:t>H7: </a:t>
+            </a:r>
+            <a:r>
               <a:rPr lang="en-US" dirty="0"/>
               <a:t>Prioritize moving the largest blocks first</a:t>
             </a:r>
@@ -7422,6 +7450,10 @@
               <a:buFont typeface="Arial" panose="020B0604020202020204" pitchFamily="34" charset="0"/>
               <a:buChar char="•"/>
             </a:pPr>
+            <a:r>
+              <a:rPr lang="en-US" b="1" dirty="0"/>
+              <a:t>H8: </a:t>
+            </a:r>
             <a:r>
               <a:rPr lang="en-US" dirty="0"/>
               <a:t>Prioritize moving the smallest blocks first</a:t>
@@ -8119,6 +8151,14 @@
 <file path=ppt/slides/slide8.xml><?xml version="1.0" encoding="utf-8"?>
 <p:sld xmlns:a="http://schemas.openxmlformats.org/drawingml/2006/main" xmlns:r="http://schemas.openxmlformats.org/officeDocument/2006/relationships" xmlns:p="http://schemas.openxmlformats.org/presentationml/2006/main">
   <p:cSld>
+    <p:bg>
+      <p:bgPr>
+        <a:solidFill>
+          <a:schemeClr val="bg1"/>
+        </a:solidFill>
+        <a:effectLst/>
+      </p:bgPr>
+    </p:bg>
     <p:spTree>
       <p:nvGrpSpPr>
         <p:cNvPr id="1" name=""/>
@@ -8133,6 +8173,255 @@
           <a:chExt cx="0" cy="0"/>
         </a:xfrm>
       </p:grpSpPr>
+      <p:sp useBgFill="1">
+        <p:nvSpPr>
+          <p:cNvPr id="23" name="Rectangle 12">
+            <a:extLst>
+              <a:ext uri="{FF2B5EF4-FFF2-40B4-BE49-F238E27FC236}">
+                <a16:creationId xmlns:a16="http://schemas.microsoft.com/office/drawing/2014/main" id="{89A320C9-9735-4D13-8279-C1C674841392}"/>
+              </a:ext>
+              <a:ext uri="{C183D7F6-B498-43B3-948B-1728B52AA6E4}">
+                <adec:decorative xmlns:adec="http://schemas.microsoft.com/office/drawing/2017/decorative" val="1"/>
+              </a:ext>
+            </a:extLst>
+          </p:cNvPr>
+          <p:cNvSpPr>
+            <a:spLocks noGrp="1" noRot="1" noChangeAspect="1" noMove="1" noResize="1" noEditPoints="1" noAdjustHandles="1" noChangeArrowheads="1" noChangeShapeType="1" noTextEdit="1"/>
+          </p:cNvSpPr>
+          <p:nvPr>
+            <p:extLst>
+              <p:ext uri="{386F3935-93C4-4BCD-93E2-E3B085C9AB24}">
+                <p16:designElem xmlns:p16="http://schemas.microsoft.com/office/powerpoint/2015/main" val="1"/>
+              </p:ext>
+            </p:extLst>
+          </p:nvPr>
+        </p:nvSpPr>
+        <p:spPr>
+          <a:xfrm>
+            <a:off x="0" y="0"/>
+            <a:ext cx="12192000" cy="6858000"/>
+          </a:xfrm>
+          <a:prstGeom prst="rect">
+            <a:avLst/>
+          </a:prstGeom>
+          <a:ln>
+            <a:noFill/>
+          </a:ln>
+        </p:spPr>
+        <p:style>
+          <a:lnRef idx="2">
+            <a:schemeClr val="accent1">
+              <a:shade val="50000"/>
+            </a:schemeClr>
+          </a:lnRef>
+          <a:fillRef idx="1">
+            <a:schemeClr val="accent1"/>
+          </a:fillRef>
+          <a:effectRef idx="0">
+            <a:schemeClr val="accent1"/>
+          </a:effectRef>
+          <a:fontRef idx="minor">
+            <a:schemeClr val="lt1"/>
+          </a:fontRef>
+        </p:style>
+        <p:txBody>
+          <a:bodyPr rtlCol="0" anchor="ctr"/>
+          <a:lstStyle/>
+          <a:p>
+            <a:pPr algn="ctr"/>
+            <a:endParaRPr lang="en-US"/>
+          </a:p>
+        </p:txBody>
+      </p:sp>
+      <p:sp useBgFill="1">
+        <p:nvSpPr>
+          <p:cNvPr id="24" name="Rectangle 14">
+            <a:extLst>
+              <a:ext uri="{FF2B5EF4-FFF2-40B4-BE49-F238E27FC236}">
+                <a16:creationId xmlns:a16="http://schemas.microsoft.com/office/drawing/2014/main" id="{92544CF4-9B52-4A7B-A4B3-88C72729B77D}"/>
+              </a:ext>
+              <a:ext uri="{C183D7F6-B498-43B3-948B-1728B52AA6E4}">
+                <adec:decorative xmlns:adec="http://schemas.microsoft.com/office/drawing/2017/decorative" val="1"/>
+              </a:ext>
+            </a:extLst>
+          </p:cNvPr>
+          <p:cNvSpPr>
+            <a:spLocks noGrp="1" noRot="1" noChangeAspect="1" noMove="1" noResize="1" noEditPoints="1" noAdjustHandles="1" noChangeArrowheads="1" noChangeShapeType="1" noTextEdit="1"/>
+          </p:cNvSpPr>
+          <p:nvPr>
+            <p:extLst>
+              <p:ext uri="{386F3935-93C4-4BCD-93E2-E3B085C9AB24}">
+                <p16:designElem xmlns:p16="http://schemas.microsoft.com/office/powerpoint/2015/main" val="1"/>
+              </p:ext>
+            </p:extLst>
+          </p:nvPr>
+        </p:nvSpPr>
+        <p:spPr>
+          <a:xfrm>
+            <a:off x="558209" y="7126"/>
+            <a:ext cx="11167447" cy="2018806"/>
+          </a:xfrm>
+          <a:prstGeom prst="rect">
+            <a:avLst/>
+          </a:prstGeom>
+          <a:ln w="9525">
+            <a:solidFill>
+              <a:srgbClr val="DEDEDE"/>
+            </a:solidFill>
+          </a:ln>
+          <a:effectLst>
+            <a:outerShdw blurRad="50800" dist="38100" dir="2700000" algn="tl" rotWithShape="0">
+              <a:schemeClr val="bg1">
+                <a:lumMod val="85000"/>
+                <a:alpha val="50000"/>
+              </a:schemeClr>
+            </a:outerShdw>
+          </a:effectLst>
+        </p:spPr>
+        <p:style>
+          <a:lnRef idx="2">
+            <a:schemeClr val="accent1">
+              <a:shade val="50000"/>
+            </a:schemeClr>
+          </a:lnRef>
+          <a:fillRef idx="1">
+            <a:schemeClr val="accent1"/>
+          </a:fillRef>
+          <a:effectRef idx="0">
+            <a:schemeClr val="accent1"/>
+          </a:effectRef>
+          <a:fontRef idx="minor">
+            <a:schemeClr val="lt1"/>
+          </a:fontRef>
+        </p:style>
+        <p:txBody>
+          <a:bodyPr rtlCol="0" anchor="ctr"/>
+          <a:lstStyle/>
+          <a:p>
+            <a:pPr marL="0" marR="0" lvl="0" indent="0" algn="ctr" defTabSz="914400" rtl="0" eaLnBrk="1" fontAlgn="auto" latinLnBrk="0" hangingPunct="1">
+              <a:lnSpc>
+                <a:spcPct val="100000"/>
+              </a:lnSpc>
+              <a:spcBef>
+                <a:spcPts val="0"/>
+              </a:spcBef>
+              <a:spcAft>
+                <a:spcPts val="0"/>
+              </a:spcAft>
+              <a:buClrTx/>
+              <a:buSzTx/>
+              <a:buFontTx/>
+              <a:buNone/>
+              <a:tabLst/>
+              <a:defRPr/>
+            </a:pPr>
+            <a:endParaRPr kumimoji="0" lang="en-US" sz="1800" b="0" i="0" u="none" strike="noStrike" kern="1200" cap="none" spc="0" normalizeH="0" baseline="0" noProof="0">
+              <a:ln>
+                <a:noFill/>
+              </a:ln>
+              <a:solidFill>
+                <a:prstClr val="white"/>
+              </a:solidFill>
+              <a:effectLst/>
+              <a:uLnTx/>
+              <a:uFillTx/>
+              <a:latin typeface="Calibri" panose="020F0502020204030204"/>
+              <a:ea typeface="+mn-ea"/>
+              <a:cs typeface="+mn-cs"/>
+            </a:endParaRPr>
+          </a:p>
+        </p:txBody>
+      </p:sp>
+      <p:sp useBgFill="1">
+        <p:nvSpPr>
+          <p:cNvPr id="25" name="Rectangle 16">
+            <a:extLst>
+              <a:ext uri="{FF2B5EF4-FFF2-40B4-BE49-F238E27FC236}">
+                <a16:creationId xmlns:a16="http://schemas.microsoft.com/office/drawing/2014/main" id="{E75862C5-5C00-4421-BC7B-9B7B86DBC80D}"/>
+              </a:ext>
+              <a:ext uri="{C183D7F6-B498-43B3-948B-1728B52AA6E4}">
+                <adec:decorative xmlns:adec="http://schemas.microsoft.com/office/drawing/2017/decorative" val="1"/>
+              </a:ext>
+            </a:extLst>
+          </p:cNvPr>
+          <p:cNvSpPr>
+            <a:spLocks noGrp="1" noRot="1" noChangeAspect="1" noMove="1" noResize="1" noEditPoints="1" noAdjustHandles="1" noChangeArrowheads="1" noChangeShapeType="1" noTextEdit="1"/>
+          </p:cNvSpPr>
+          <p:nvPr>
+            <p:extLst>
+              <p:ext uri="{386F3935-93C4-4BCD-93E2-E3B085C9AB24}">
+                <p16:designElem xmlns:p16="http://schemas.microsoft.com/office/powerpoint/2015/main" val="1"/>
+              </p:ext>
+            </p:extLst>
+          </p:nvPr>
+        </p:nvSpPr>
+        <p:spPr>
+          <a:xfrm>
+            <a:off x="566928" y="0"/>
+            <a:ext cx="11155680" cy="2011680"/>
+          </a:xfrm>
+          <a:prstGeom prst="rect">
+            <a:avLst/>
+          </a:prstGeom>
+          <a:ln w="9525">
+            <a:noFill/>
+          </a:ln>
+          <a:effectLst/>
+        </p:spPr>
+        <p:style>
+          <a:lnRef idx="2">
+            <a:schemeClr val="accent1">
+              <a:shade val="50000"/>
+            </a:schemeClr>
+          </a:lnRef>
+          <a:fillRef idx="1">
+            <a:schemeClr val="accent1"/>
+          </a:fillRef>
+          <a:effectRef idx="0">
+            <a:schemeClr val="accent1"/>
+          </a:effectRef>
+          <a:fontRef idx="minor">
+            <a:schemeClr val="lt1"/>
+          </a:fontRef>
+        </p:style>
+        <p:txBody>
+          <a:bodyPr rtlCol="0" anchor="ctr"/>
+          <a:lstStyle/>
+          <a:p>
+            <a:pPr marL="0" marR="0" lvl="0" indent="0" algn="ctr" defTabSz="914400" rtl="0" eaLnBrk="1" fontAlgn="auto" latinLnBrk="0" hangingPunct="1">
+              <a:lnSpc>
+                <a:spcPct val="100000"/>
+              </a:lnSpc>
+              <a:spcBef>
+                <a:spcPts val="0"/>
+              </a:spcBef>
+              <a:spcAft>
+                <a:spcPts val="0"/>
+              </a:spcAft>
+              <a:buClrTx/>
+              <a:buSzTx/>
+              <a:buFontTx/>
+              <a:buNone/>
+              <a:tabLst/>
+              <a:defRPr/>
+            </a:pPr>
+            <a:endParaRPr kumimoji="0" lang="en-US" sz="1800" b="0" i="0" u="none" strike="noStrike" kern="1200" cap="none" spc="0" normalizeH="0" baseline="0" noProof="0">
+              <a:ln>
+                <a:noFill/>
+              </a:ln>
+              <a:solidFill>
+                <a:prstClr val="white"/>
+              </a:solidFill>
+              <a:effectLst/>
+              <a:uLnTx/>
+              <a:uFillTx/>
+              <a:latin typeface="Calibri" panose="020F0502020204030204"/>
+              <a:ea typeface="+mn-ea"/>
+              <a:cs typeface="+mn-cs"/>
+            </a:endParaRPr>
+          </a:p>
+        </p:txBody>
+      </p:sp>
       <p:sp>
         <p:nvSpPr>
           <p:cNvPr id="2" name="Title 1">
@@ -8149,25 +8438,178 @@
             <p:ph type="title"/>
           </p:nvPr>
         </p:nvSpPr>
-        <p:spPr/>
-        <p:txBody>
-          <a:bodyPr/>
+        <p:spPr>
+          <a:xfrm>
+            <a:off x="1115568" y="548640"/>
+            <a:ext cx="10168128" cy="1179576"/>
+          </a:xfrm>
+        </p:spPr>
+        <p:txBody>
+          <a:bodyPr vert="horz" lIns="91440" tIns="45720" rIns="91440" bIns="45720" rtlCol="0" anchor="ctr">
+            <a:normAutofit/>
+          </a:bodyPr>
           <a:lstStyle/>
           <a:p>
             <a:r>
-              <a:rPr lang="en-US" dirty="0"/>
+              <a:rPr lang="en-US" sz="4000" kern="1200" dirty="0">
+                <a:solidFill>
+                  <a:schemeClr val="tx1"/>
+                </a:solidFill>
+                <a:latin typeface="+mj-lt"/>
+                <a:ea typeface="+mj-ea"/>
+                <a:cs typeface="+mj-cs"/>
+              </a:rPr>
               <a:t>Experimental Results</a:t>
             </a:r>
-            <a:endParaRPr lang="en-GB" dirty="0"/>
           </a:p>
         </p:txBody>
       </p:sp>
       <p:sp>
         <p:nvSpPr>
-          <p:cNvPr id="3" name="TextBox 2">
-            <a:extLst>
-              <a:ext uri="{FF2B5EF4-FFF2-40B4-BE49-F238E27FC236}">
-                <a16:creationId xmlns:a16="http://schemas.microsoft.com/office/drawing/2014/main" id="{3657C692-D500-1670-527E-FB2D1A135A6C}"/>
+          <p:cNvPr id="26" name="Rectangle 18">
+            <a:extLst>
+              <a:ext uri="{FF2B5EF4-FFF2-40B4-BE49-F238E27FC236}">
+                <a16:creationId xmlns:a16="http://schemas.microsoft.com/office/drawing/2014/main" id="{089440EF-9BE9-4AE9-8C28-00B02296CDB6}"/>
+              </a:ext>
+              <a:ext uri="{C183D7F6-B498-43B3-948B-1728B52AA6E4}">
+                <adec:decorative xmlns:adec="http://schemas.microsoft.com/office/drawing/2017/decorative" val="1"/>
+              </a:ext>
+            </a:extLst>
+          </p:cNvPr>
+          <p:cNvSpPr>
+            <a:spLocks noGrp="1" noRot="1" noChangeAspect="1" noMove="1" noResize="1" noEditPoints="1" noAdjustHandles="1" noChangeArrowheads="1" noChangeShapeType="1" noTextEdit="1"/>
+          </p:cNvSpPr>
+          <p:nvPr>
+            <p:extLst>
+              <p:ext uri="{386F3935-93C4-4BCD-93E2-E3B085C9AB24}">
+                <p16:designElem xmlns:p16="http://schemas.microsoft.com/office/powerpoint/2015/main" val="1"/>
+              </p:ext>
+            </p:extLst>
+          </p:nvPr>
+        </p:nvSpPr>
+        <p:spPr>
+          <a:xfrm>
+            <a:off x="498834" y="758952"/>
+            <a:ext cx="128016" cy="704088"/>
+          </a:xfrm>
+          <a:prstGeom prst="rect">
+            <a:avLst/>
+          </a:prstGeom>
+          <a:solidFill>
+            <a:schemeClr val="accent2"/>
+          </a:solidFill>
+          <a:ln>
+            <a:noFill/>
+          </a:ln>
+        </p:spPr>
+        <p:style>
+          <a:lnRef idx="2">
+            <a:schemeClr val="accent1">
+              <a:shade val="50000"/>
+            </a:schemeClr>
+          </a:lnRef>
+          <a:fillRef idx="1">
+            <a:schemeClr val="accent1"/>
+          </a:fillRef>
+          <a:effectRef idx="0">
+            <a:schemeClr val="accent1"/>
+          </a:effectRef>
+          <a:fontRef idx="minor">
+            <a:schemeClr val="lt1"/>
+          </a:fontRef>
+        </p:style>
+        <p:txBody>
+          <a:bodyPr rtlCol="0" anchor="ctr"/>
+          <a:lstStyle/>
+          <a:p>
+            <a:pPr algn="ctr"/>
+            <a:endParaRPr lang="en-US">
+              <a:solidFill>
+                <a:prstClr val="white"/>
+              </a:solidFill>
+              <a:latin typeface="Calibri" panose="020F0502020204030204"/>
+            </a:endParaRPr>
+          </a:p>
+        </p:txBody>
+      </p:sp>
+      <p:pic>
+        <p:nvPicPr>
+          <p:cNvPr id="6" name="Picture 5" descr="Uniformed search on easy level (nodes)">
+            <a:extLst>
+              <a:ext uri="{FF2B5EF4-FFF2-40B4-BE49-F238E27FC236}">
+                <a16:creationId xmlns:a16="http://schemas.microsoft.com/office/drawing/2014/main" id="{34D95D2B-BAE1-4D8C-54DA-1B78FF19179B}"/>
+              </a:ext>
+            </a:extLst>
+          </p:cNvPr>
+          <p:cNvPicPr>
+            <a:picLocks noChangeAspect="1"/>
+          </p:cNvPicPr>
+          <p:nvPr/>
+        </p:nvPicPr>
+        <p:blipFill>
+          <a:blip r:embed="rId2">
+            <a:extLst>
+              <a:ext uri="{28A0092B-C50C-407E-A947-70E740481C1C}">
+                <a14:useLocalDpi xmlns:a14="http://schemas.microsoft.com/office/drawing/2010/main" val="0"/>
+              </a:ext>
+            </a:extLst>
+          </a:blip>
+          <a:stretch>
+            <a:fillRect/>
+          </a:stretch>
+        </p:blipFill>
+        <p:spPr>
+          <a:xfrm>
+            <a:off x="1057868" y="2001212"/>
+            <a:ext cx="10168128" cy="2424831"/>
+          </a:xfrm>
+          <a:prstGeom prst="rect">
+            <a:avLst/>
+          </a:prstGeom>
+        </p:spPr>
+      </p:pic>
+      <p:pic>
+        <p:nvPicPr>
+          <p:cNvPr id="10" name="Picture 9" descr="Chart, bar chart&#10;&#10;Description automatically generated">
+            <a:extLst>
+              <a:ext uri="{FF2B5EF4-FFF2-40B4-BE49-F238E27FC236}">
+                <a16:creationId xmlns:a16="http://schemas.microsoft.com/office/drawing/2014/main" id="{CF71D2E0-1628-663A-0C4E-253323709E45}"/>
+              </a:ext>
+            </a:extLst>
+          </p:cNvPr>
+          <p:cNvPicPr>
+            <a:picLocks noChangeAspect="1"/>
+          </p:cNvPicPr>
+          <p:nvPr/>
+        </p:nvPicPr>
+        <p:blipFill>
+          <a:blip r:embed="rId3">
+            <a:extLst>
+              <a:ext uri="{28A0092B-C50C-407E-A947-70E740481C1C}">
+                <a14:useLocalDpi xmlns:a14="http://schemas.microsoft.com/office/drawing/2010/main" val="0"/>
+              </a:ext>
+            </a:extLst>
+          </a:blip>
+          <a:stretch>
+            <a:fillRect/>
+          </a:stretch>
+        </p:blipFill>
+        <p:spPr>
+          <a:xfrm>
+            <a:off x="1011937" y="4426043"/>
+            <a:ext cx="10168125" cy="2424831"/>
+          </a:xfrm>
+          <a:prstGeom prst="rect">
+            <a:avLst/>
+          </a:prstGeom>
+        </p:spPr>
+      </p:pic>
+      <p:sp>
+        <p:nvSpPr>
+          <p:cNvPr id="11" name="TextBox 10">
+            <a:extLst>
+              <a:ext uri="{FF2B5EF4-FFF2-40B4-BE49-F238E27FC236}">
+                <a16:creationId xmlns:a16="http://schemas.microsoft.com/office/drawing/2014/main" id="{368B0B0F-B985-4537-FF92-0A79C933BA5A}"/>
               </a:ext>
             </a:extLst>
           </p:cNvPr>
@@ -8176,8 +8618,8 @@
         </p:nvSpPr>
         <p:spPr>
           <a:xfrm>
-            <a:off x="1900518" y="2613212"/>
-            <a:ext cx="7171764" cy="369332"/>
+            <a:off x="1234911" y="1728216"/>
+            <a:ext cx="1646989" cy="369332"/>
           </a:xfrm>
           <a:prstGeom prst="rect">
             <a:avLst/>
@@ -8185,76 +8627,22 @@
           <a:noFill/>
         </p:spPr>
         <p:txBody>
-          <a:bodyPr wrap="square" rtlCol="0">
+          <a:bodyPr wrap="none" rtlCol="0">
             <a:spAutoFit/>
           </a:bodyPr>
           <a:lstStyle/>
           <a:p>
             <a:r>
               <a:rPr lang="en-US" dirty="0"/>
-              <a:t>1 </a:t>
-            </a:r>
-            <a:r>
-              <a:rPr lang="en-US" dirty="0" err="1"/>
-              <a:t>grafico</a:t>
-            </a:r>
-            <a:r>
-              <a:rPr lang="en-US" dirty="0"/>
-              <a:t> </a:t>
-            </a:r>
-            <a:r>
-              <a:rPr lang="en-US" dirty="0" err="1"/>
-              <a:t>sobre</a:t>
-            </a:r>
-            <a:r>
-              <a:rPr lang="en-US" dirty="0"/>
-              <a:t> uninformed search e outro </a:t>
-            </a:r>
-            <a:r>
-              <a:rPr lang="en-US" dirty="0" err="1"/>
-              <a:t>sobre</a:t>
-            </a:r>
-            <a:r>
-              <a:rPr lang="en-US" dirty="0"/>
-              <a:t> informed search</a:t>
-            </a:r>
-            <a:endParaRPr lang="en-GB" dirty="0"/>
-          </a:p>
-        </p:txBody>
-      </p:sp>
-      <p:sp>
-        <p:nvSpPr>
-          <p:cNvPr id="4" name="TextBox 3">
-            <a:extLst>
-              <a:ext uri="{FF2B5EF4-FFF2-40B4-BE49-F238E27FC236}">
-                <a16:creationId xmlns:a16="http://schemas.microsoft.com/office/drawing/2014/main" id="{43E30558-AD42-A188-4378-9F93BBC390EA}"/>
-              </a:ext>
-            </a:extLst>
-          </p:cNvPr>
-          <p:cNvSpPr txBox="1"/>
-          <p:nvPr/>
-        </p:nvSpPr>
-        <p:spPr>
-          <a:xfrm>
-            <a:off x="1748118" y="5221941"/>
-            <a:ext cx="8574741" cy="369332"/>
-          </a:xfrm>
-          <a:prstGeom prst="rect">
-            <a:avLst/>
-          </a:prstGeom>
-          <a:noFill/>
-        </p:spPr>
-        <p:txBody>
-          <a:bodyPr wrap="square" rtlCol="0">
-            <a:spAutoFit/>
-          </a:bodyPr>
-          <a:lstStyle/>
-          <a:p>
-            <a:r>
-              <a:rPr lang="en-US" dirty="0"/>
-              <a:t>Link para o html</a:t>
-            </a:r>
-            <a:endParaRPr lang="en-GB" dirty="0"/>
+              <a:t>Full report </a:t>
+            </a:r>
+            <a:r>
+              <a:rPr lang="en-US" dirty="0">
+                <a:hlinkClick r:id="rId4" action="ppaction://hlinkfile"/>
+              </a:rPr>
+              <a:t>here</a:t>
+            </a:r>
+            <a:endParaRPr lang="en-US" dirty="0"/>
           </a:p>
         </p:txBody>
       </p:sp>
@@ -8274,6 +8662,14 @@
 <file path=ppt/slides/slide9.xml><?xml version="1.0" encoding="utf-8"?>
 <p:sld xmlns:a="http://schemas.openxmlformats.org/drawingml/2006/main" xmlns:r="http://schemas.openxmlformats.org/officeDocument/2006/relationships" xmlns:p="http://schemas.openxmlformats.org/presentationml/2006/main">
   <p:cSld>
+    <p:bg>
+      <p:bgPr>
+        <a:solidFill>
+          <a:schemeClr val="bg1"/>
+        </a:solidFill>
+        <a:effectLst/>
+      </p:bgPr>
+    </p:bg>
     <p:spTree>
       <p:nvGrpSpPr>
         <p:cNvPr id="1" name=""/>
@@ -8288,80 +8684,819 @@
           <a:chExt cx="0" cy="0"/>
         </a:xfrm>
       </p:grpSpPr>
-      <p:sp>
-        <p:nvSpPr>
-          <p:cNvPr id="2" name="Title 1">
-            <a:extLst>
-              <a:ext uri="{FF2B5EF4-FFF2-40B4-BE49-F238E27FC236}">
-                <a16:creationId xmlns:a16="http://schemas.microsoft.com/office/drawing/2014/main" id="{DDEA2501-2C54-6AFE-2C1C-F17A493DF165}"/>
-              </a:ext>
-            </a:extLst>
-          </p:cNvPr>
-          <p:cNvSpPr>
-            <a:spLocks noGrp="1"/>
-          </p:cNvSpPr>
-          <p:nvPr>
-            <p:ph type="title"/>
-          </p:nvPr>
-        </p:nvSpPr>
-        <p:spPr/>
-        <p:txBody>
-          <a:bodyPr/>
-          <a:lstStyle/>
-          <a:p>
-            <a:r>
-              <a:rPr lang="en-US" dirty="0"/>
-              <a:t>Conclusions</a:t>
-            </a:r>
-            <a:endParaRPr lang="en-GB" dirty="0"/>
-          </a:p>
-        </p:txBody>
-      </p:sp>
-      <p:sp>
-        <p:nvSpPr>
-          <p:cNvPr id="5" name="TextBox 4">
-            <a:extLst>
-              <a:ext uri="{FF2B5EF4-FFF2-40B4-BE49-F238E27FC236}">
-                <a16:creationId xmlns:a16="http://schemas.microsoft.com/office/drawing/2014/main" id="{37873CC5-5CDF-8DA5-4F00-6976A11C2424}"/>
-              </a:ext>
-            </a:extLst>
-          </p:cNvPr>
-          <p:cNvSpPr txBox="1"/>
-          <p:nvPr/>
+      <p:sp useBgFill="1">
+        <p:nvSpPr>
+          <p:cNvPr id="10" name="Rectangle 9">
+            <a:extLst>
+              <a:ext uri="{FF2B5EF4-FFF2-40B4-BE49-F238E27FC236}">
+                <a16:creationId xmlns:a16="http://schemas.microsoft.com/office/drawing/2014/main" id="{100EDD19-6802-4EC3-95CE-CFFAB042CFD6}"/>
+              </a:ext>
+              <a:ext uri="{C183D7F6-B498-43B3-948B-1728B52AA6E4}">
+                <adec:decorative xmlns:adec="http://schemas.microsoft.com/office/drawing/2017/decorative" val="1"/>
+              </a:ext>
+            </a:extLst>
+          </p:cNvPr>
+          <p:cNvSpPr>
+            <a:spLocks noGrp="1" noRot="1" noChangeAspect="1" noMove="1" noResize="1" noEditPoints="1" noAdjustHandles="1" noChangeArrowheads="1" noChangeShapeType="1" noTextEdit="1"/>
+          </p:cNvSpPr>
+          <p:nvPr>
+            <p:extLst>
+              <p:ext uri="{386F3935-93C4-4BCD-93E2-E3B085C9AB24}">
+                <p16:designElem xmlns:p16="http://schemas.microsoft.com/office/powerpoint/2015/main" val="1"/>
+              </p:ext>
+            </p:extLst>
+          </p:nvPr>
         </p:nvSpPr>
         <p:spPr>
           <a:xfrm>
-            <a:off x="838200" y="1690688"/>
-            <a:ext cx="10515600" cy="3693319"/>
+            <a:off x="0" y="0"/>
+            <a:ext cx="12188952" cy="6858000"/>
           </a:xfrm>
           <a:prstGeom prst="rect">
             <a:avLst/>
           </a:prstGeom>
-          <a:noFill/>
+          <a:ln>
+            <a:noFill/>
+          </a:ln>
         </p:spPr>
-        <p:txBody>
-          <a:bodyPr wrap="square" rtlCol="0">
-            <a:spAutoFit/>
+        <p:style>
+          <a:lnRef idx="2">
+            <a:schemeClr val="accent1">
+              <a:shade val="50000"/>
+            </a:schemeClr>
+          </a:lnRef>
+          <a:fillRef idx="1">
+            <a:schemeClr val="accent1"/>
+          </a:fillRef>
+          <a:effectRef idx="0">
+            <a:schemeClr val="accent1"/>
+          </a:effectRef>
+          <a:fontRef idx="minor">
+            <a:schemeClr val="lt1"/>
+          </a:fontRef>
+        </p:style>
+        <p:txBody>
+          <a:bodyPr rtlCol="0" anchor="ctr"/>
+          <a:lstStyle/>
+          <a:p>
+            <a:pPr algn="ctr"/>
+            <a:endParaRPr lang="en-US"/>
+          </a:p>
+        </p:txBody>
+      </p:sp>
+      <p:sp>
+        <p:nvSpPr>
+          <p:cNvPr id="2" name="Title 1">
+            <a:extLst>
+              <a:ext uri="{FF2B5EF4-FFF2-40B4-BE49-F238E27FC236}">
+                <a16:creationId xmlns:a16="http://schemas.microsoft.com/office/drawing/2014/main" id="{DDEA2501-2C54-6AFE-2C1C-F17A493DF165}"/>
+              </a:ext>
+            </a:extLst>
+          </p:cNvPr>
+          <p:cNvSpPr>
+            <a:spLocks noGrp="1"/>
+          </p:cNvSpPr>
+          <p:nvPr>
+            <p:ph type="title"/>
+          </p:nvPr>
+        </p:nvSpPr>
+        <p:spPr>
+          <a:xfrm>
+            <a:off x="838200" y="365125"/>
+            <a:ext cx="10515600" cy="1325563"/>
+          </a:xfrm>
+        </p:spPr>
+        <p:txBody>
+          <a:bodyPr vert="horz" lIns="91440" tIns="45720" rIns="91440" bIns="45720" rtlCol="0" anchor="ctr">
+            <a:normAutofit/>
           </a:bodyPr>
           <a:lstStyle/>
           <a:p>
             <a:r>
-              <a:rPr lang="en-US" dirty="0"/>
-              <a:t>	In conclusion, we implemented multiple search algorithms in our video game "Block Escape", including BFS, DFS, IDS, A, Weighted A and Greedy. </a:t>
-            </a:r>
-          </a:p>
-          <a:p>
-            <a:r>
-              <a:rPr lang="en-US" dirty="0"/>
+              <a:rPr lang="en-US" sz="5400" kern="1200">
+                <a:solidFill>
+                  <a:schemeClr val="tx1"/>
+                </a:solidFill>
+                <a:latin typeface="+mj-lt"/>
+                <a:ea typeface="+mj-ea"/>
+                <a:cs typeface="+mj-cs"/>
+              </a:rPr>
+              <a:t>Conclusions</a:t>
+            </a:r>
+          </a:p>
+        </p:txBody>
+      </p:sp>
+      <p:sp>
+        <p:nvSpPr>
+          <p:cNvPr id="12" name="sketch line">
+            <a:extLst>
+              <a:ext uri="{FF2B5EF4-FFF2-40B4-BE49-F238E27FC236}">
+                <a16:creationId xmlns:a16="http://schemas.microsoft.com/office/drawing/2014/main" id="{DB17E863-922E-4C26-BD64-E8FD41D28661}"/>
+              </a:ext>
+              <a:ext uri="{C183D7F6-B498-43B3-948B-1728B52AA6E4}">
+                <adec:decorative xmlns:adec="http://schemas.microsoft.com/office/drawing/2017/decorative" val="1"/>
+              </a:ext>
+            </a:extLst>
+          </p:cNvPr>
+          <p:cNvSpPr>
+            <a:spLocks noGrp="1" noRot="1" noChangeAspect="1" noMove="1" noResize="1" noEditPoints="1" noAdjustHandles="1" noChangeArrowheads="1" noChangeShapeType="1" noTextEdit="1"/>
+          </p:cNvSpPr>
+          <p:nvPr>
+            <p:extLst>
+              <p:ext uri="{386F3935-93C4-4BCD-93E2-E3B085C9AB24}">
+                <p16:designElem xmlns:p16="http://schemas.microsoft.com/office/powerpoint/2015/main" val="1"/>
+              </p:ext>
+            </p:extLst>
+          </p:nvPr>
+        </p:nvSpPr>
+        <p:spPr>
+          <a:xfrm>
+            <a:off x="669036" y="1677373"/>
+            <a:ext cx="10853928" cy="18288"/>
+          </a:xfrm>
+          <a:custGeom>
+            <a:avLst/>
+            <a:gdLst>
+              <a:gd name="connsiteX0" fmla="*/ 0 w 10853928"/>
+              <a:gd name="connsiteY0" fmla="*/ 0 h 18288"/>
+              <a:gd name="connsiteX1" fmla="*/ 461292 w 10853928"/>
+              <a:gd name="connsiteY1" fmla="*/ 0 h 18288"/>
+              <a:gd name="connsiteX2" fmla="*/ 1139662 w 10853928"/>
+              <a:gd name="connsiteY2" fmla="*/ 0 h 18288"/>
+              <a:gd name="connsiteX3" fmla="*/ 1926572 w 10853928"/>
+              <a:gd name="connsiteY3" fmla="*/ 0 h 18288"/>
+              <a:gd name="connsiteX4" fmla="*/ 2279325 w 10853928"/>
+              <a:gd name="connsiteY4" fmla="*/ 0 h 18288"/>
+              <a:gd name="connsiteX5" fmla="*/ 2632078 w 10853928"/>
+              <a:gd name="connsiteY5" fmla="*/ 0 h 18288"/>
+              <a:gd name="connsiteX6" fmla="*/ 3527527 w 10853928"/>
+              <a:gd name="connsiteY6" fmla="*/ 0 h 18288"/>
+              <a:gd name="connsiteX7" fmla="*/ 4205897 w 10853928"/>
+              <a:gd name="connsiteY7" fmla="*/ 0 h 18288"/>
+              <a:gd name="connsiteX8" fmla="*/ 4558650 w 10853928"/>
+              <a:gd name="connsiteY8" fmla="*/ 0 h 18288"/>
+              <a:gd name="connsiteX9" fmla="*/ 5237020 w 10853928"/>
+              <a:gd name="connsiteY9" fmla="*/ 0 h 18288"/>
+              <a:gd name="connsiteX10" fmla="*/ 6132469 w 10853928"/>
+              <a:gd name="connsiteY10" fmla="*/ 0 h 18288"/>
+              <a:gd name="connsiteX11" fmla="*/ 6702301 w 10853928"/>
+              <a:gd name="connsiteY11" fmla="*/ 0 h 18288"/>
+              <a:gd name="connsiteX12" fmla="*/ 7272132 w 10853928"/>
+              <a:gd name="connsiteY12" fmla="*/ 0 h 18288"/>
+              <a:gd name="connsiteX13" fmla="*/ 7950502 w 10853928"/>
+              <a:gd name="connsiteY13" fmla="*/ 0 h 18288"/>
+              <a:gd name="connsiteX14" fmla="*/ 8737412 w 10853928"/>
+              <a:gd name="connsiteY14" fmla="*/ 0 h 18288"/>
+              <a:gd name="connsiteX15" fmla="*/ 9524322 w 10853928"/>
+              <a:gd name="connsiteY15" fmla="*/ 0 h 18288"/>
+              <a:gd name="connsiteX16" fmla="*/ 10853928 w 10853928"/>
+              <a:gd name="connsiteY16" fmla="*/ 0 h 18288"/>
+              <a:gd name="connsiteX17" fmla="*/ 10853928 w 10853928"/>
+              <a:gd name="connsiteY17" fmla="*/ 18288 h 18288"/>
+              <a:gd name="connsiteX18" fmla="*/ 10392636 w 10853928"/>
+              <a:gd name="connsiteY18" fmla="*/ 18288 h 18288"/>
+              <a:gd name="connsiteX19" fmla="*/ 9497187 w 10853928"/>
+              <a:gd name="connsiteY19" fmla="*/ 18288 h 18288"/>
+              <a:gd name="connsiteX20" fmla="*/ 8818817 w 10853928"/>
+              <a:gd name="connsiteY20" fmla="*/ 18288 h 18288"/>
+              <a:gd name="connsiteX21" fmla="*/ 8466064 w 10853928"/>
+              <a:gd name="connsiteY21" fmla="*/ 18288 h 18288"/>
+              <a:gd name="connsiteX22" fmla="*/ 7787693 w 10853928"/>
+              <a:gd name="connsiteY22" fmla="*/ 18288 h 18288"/>
+              <a:gd name="connsiteX23" fmla="*/ 7217862 w 10853928"/>
+              <a:gd name="connsiteY23" fmla="*/ 18288 h 18288"/>
+              <a:gd name="connsiteX24" fmla="*/ 6648031 w 10853928"/>
+              <a:gd name="connsiteY24" fmla="*/ 18288 h 18288"/>
+              <a:gd name="connsiteX25" fmla="*/ 6078200 w 10853928"/>
+              <a:gd name="connsiteY25" fmla="*/ 18288 h 18288"/>
+              <a:gd name="connsiteX26" fmla="*/ 5508368 w 10853928"/>
+              <a:gd name="connsiteY26" fmla="*/ 18288 h 18288"/>
+              <a:gd name="connsiteX27" fmla="*/ 4721459 w 10853928"/>
+              <a:gd name="connsiteY27" fmla="*/ 18288 h 18288"/>
+              <a:gd name="connsiteX28" fmla="*/ 4043088 w 10853928"/>
+              <a:gd name="connsiteY28" fmla="*/ 18288 h 18288"/>
+              <a:gd name="connsiteX29" fmla="*/ 3690336 w 10853928"/>
+              <a:gd name="connsiteY29" fmla="*/ 18288 h 18288"/>
+              <a:gd name="connsiteX30" fmla="*/ 3120504 w 10853928"/>
+              <a:gd name="connsiteY30" fmla="*/ 18288 h 18288"/>
+              <a:gd name="connsiteX31" fmla="*/ 2333595 w 10853928"/>
+              <a:gd name="connsiteY31" fmla="*/ 18288 h 18288"/>
+              <a:gd name="connsiteX32" fmla="*/ 1872303 w 10853928"/>
+              <a:gd name="connsiteY32" fmla="*/ 18288 h 18288"/>
+              <a:gd name="connsiteX33" fmla="*/ 976854 w 10853928"/>
+              <a:gd name="connsiteY33" fmla="*/ 18288 h 18288"/>
+              <a:gd name="connsiteX34" fmla="*/ 0 w 10853928"/>
+              <a:gd name="connsiteY34" fmla="*/ 18288 h 18288"/>
+              <a:gd name="connsiteX35" fmla="*/ 0 w 10853928"/>
+              <a:gd name="connsiteY35" fmla="*/ 0 h 18288"/>
+            </a:gdLst>
+            <a:ahLst/>
+            <a:cxnLst>
+              <a:cxn ang="0">
+                <a:pos x="connsiteX0" y="connsiteY0"/>
+              </a:cxn>
+              <a:cxn ang="0">
+                <a:pos x="connsiteX1" y="connsiteY1"/>
+              </a:cxn>
+              <a:cxn ang="0">
+                <a:pos x="connsiteX2" y="connsiteY2"/>
+              </a:cxn>
+              <a:cxn ang="0">
+                <a:pos x="connsiteX3" y="connsiteY3"/>
+              </a:cxn>
+              <a:cxn ang="0">
+                <a:pos x="connsiteX4" y="connsiteY4"/>
+              </a:cxn>
+              <a:cxn ang="0">
+                <a:pos x="connsiteX5" y="connsiteY5"/>
+              </a:cxn>
+              <a:cxn ang="0">
+                <a:pos x="connsiteX6" y="connsiteY6"/>
+              </a:cxn>
+              <a:cxn ang="0">
+                <a:pos x="connsiteX7" y="connsiteY7"/>
+              </a:cxn>
+              <a:cxn ang="0">
+                <a:pos x="connsiteX8" y="connsiteY8"/>
+              </a:cxn>
+              <a:cxn ang="0">
+                <a:pos x="connsiteX9" y="connsiteY9"/>
+              </a:cxn>
+              <a:cxn ang="0">
+                <a:pos x="connsiteX10" y="connsiteY10"/>
+              </a:cxn>
+              <a:cxn ang="0">
+                <a:pos x="connsiteX11" y="connsiteY11"/>
+              </a:cxn>
+              <a:cxn ang="0">
+                <a:pos x="connsiteX12" y="connsiteY12"/>
+              </a:cxn>
+              <a:cxn ang="0">
+                <a:pos x="connsiteX13" y="connsiteY13"/>
+              </a:cxn>
+              <a:cxn ang="0">
+                <a:pos x="connsiteX14" y="connsiteY14"/>
+              </a:cxn>
+              <a:cxn ang="0">
+                <a:pos x="connsiteX15" y="connsiteY15"/>
+              </a:cxn>
+              <a:cxn ang="0">
+                <a:pos x="connsiteX16" y="connsiteY16"/>
+              </a:cxn>
+              <a:cxn ang="0">
+                <a:pos x="connsiteX17" y="connsiteY17"/>
+              </a:cxn>
+              <a:cxn ang="0">
+                <a:pos x="connsiteX18" y="connsiteY18"/>
+              </a:cxn>
+              <a:cxn ang="0">
+                <a:pos x="connsiteX19" y="connsiteY19"/>
+              </a:cxn>
+              <a:cxn ang="0">
+                <a:pos x="connsiteX20" y="connsiteY20"/>
+              </a:cxn>
+              <a:cxn ang="0">
+                <a:pos x="connsiteX21" y="connsiteY21"/>
+              </a:cxn>
+              <a:cxn ang="0">
+                <a:pos x="connsiteX22" y="connsiteY22"/>
+              </a:cxn>
+              <a:cxn ang="0">
+                <a:pos x="connsiteX23" y="connsiteY23"/>
+              </a:cxn>
+              <a:cxn ang="0">
+                <a:pos x="connsiteX24" y="connsiteY24"/>
+              </a:cxn>
+              <a:cxn ang="0">
+                <a:pos x="connsiteX25" y="connsiteY25"/>
+              </a:cxn>
+              <a:cxn ang="0">
+                <a:pos x="connsiteX26" y="connsiteY26"/>
+              </a:cxn>
+              <a:cxn ang="0">
+                <a:pos x="connsiteX27" y="connsiteY27"/>
+              </a:cxn>
+              <a:cxn ang="0">
+                <a:pos x="connsiteX28" y="connsiteY28"/>
+              </a:cxn>
+              <a:cxn ang="0">
+                <a:pos x="connsiteX29" y="connsiteY29"/>
+              </a:cxn>
+              <a:cxn ang="0">
+                <a:pos x="connsiteX30" y="connsiteY30"/>
+              </a:cxn>
+              <a:cxn ang="0">
+                <a:pos x="connsiteX31" y="connsiteY31"/>
+              </a:cxn>
+              <a:cxn ang="0">
+                <a:pos x="connsiteX32" y="connsiteY32"/>
+              </a:cxn>
+              <a:cxn ang="0">
+                <a:pos x="connsiteX33" y="connsiteY33"/>
+              </a:cxn>
+              <a:cxn ang="0">
+                <a:pos x="connsiteX34" y="connsiteY34"/>
+              </a:cxn>
+              <a:cxn ang="0">
+                <a:pos x="connsiteX35" y="connsiteY35"/>
+              </a:cxn>
+            </a:cxnLst>
+            <a:rect l="l" t="t" r="r" b="b"/>
+            <a:pathLst>
+              <a:path w="10853928" h="18288" fill="none" extrusionOk="0">
+                <a:moveTo>
+                  <a:pt x="0" y="0"/>
+                </a:moveTo>
+                <a:cubicBezTo>
+                  <a:pt x="146993" y="-19076"/>
+                  <a:pt x="347684" y="-4790"/>
+                  <a:pt x="461292" y="0"/>
+                </a:cubicBezTo>
+                <a:cubicBezTo>
+                  <a:pt x="574900" y="4790"/>
+                  <a:pt x="808367" y="19821"/>
+                  <a:pt x="1139662" y="0"/>
+                </a:cubicBezTo>
+                <a:cubicBezTo>
+                  <a:pt x="1470957" y="-19821"/>
+                  <a:pt x="1627405" y="5721"/>
+                  <a:pt x="1926572" y="0"/>
+                </a:cubicBezTo>
+                <a:cubicBezTo>
+                  <a:pt x="2225739" y="-5721"/>
+                  <a:pt x="2137730" y="-3235"/>
+                  <a:pt x="2279325" y="0"/>
+                </a:cubicBezTo>
+                <a:cubicBezTo>
+                  <a:pt x="2420920" y="3235"/>
+                  <a:pt x="2456518" y="9685"/>
+                  <a:pt x="2632078" y="0"/>
+                </a:cubicBezTo>
+                <a:cubicBezTo>
+                  <a:pt x="2807638" y="-9685"/>
+                  <a:pt x="3211516" y="-43007"/>
+                  <a:pt x="3527527" y="0"/>
+                </a:cubicBezTo>
+                <a:cubicBezTo>
+                  <a:pt x="3843538" y="43007"/>
+                  <a:pt x="4058833" y="22042"/>
+                  <a:pt x="4205897" y="0"/>
+                </a:cubicBezTo>
+                <a:cubicBezTo>
+                  <a:pt x="4352961" y="-22042"/>
+                  <a:pt x="4474805" y="-11846"/>
+                  <a:pt x="4558650" y="0"/>
+                </a:cubicBezTo>
+                <a:cubicBezTo>
+                  <a:pt x="4642495" y="11846"/>
+                  <a:pt x="5041928" y="-6069"/>
+                  <a:pt x="5237020" y="0"/>
+                </a:cubicBezTo>
+                <a:cubicBezTo>
+                  <a:pt x="5432112" y="6069"/>
+                  <a:pt x="5943266" y="-17479"/>
+                  <a:pt x="6132469" y="0"/>
+                </a:cubicBezTo>
+                <a:cubicBezTo>
+                  <a:pt x="6321672" y="17479"/>
+                  <a:pt x="6483872" y="26234"/>
+                  <a:pt x="6702301" y="0"/>
+                </a:cubicBezTo>
+                <a:cubicBezTo>
+                  <a:pt x="6920730" y="-26234"/>
+                  <a:pt x="6991194" y="-15156"/>
+                  <a:pt x="7272132" y="0"/>
+                </a:cubicBezTo>
+                <a:cubicBezTo>
+                  <a:pt x="7553070" y="15156"/>
+                  <a:pt x="7684444" y="-32961"/>
+                  <a:pt x="7950502" y="0"/>
+                </a:cubicBezTo>
+                <a:cubicBezTo>
+                  <a:pt x="8216560" y="32961"/>
+                  <a:pt x="8493290" y="-10491"/>
+                  <a:pt x="8737412" y="0"/>
+                </a:cubicBezTo>
+                <a:cubicBezTo>
+                  <a:pt x="8981534" y="10491"/>
+                  <a:pt x="9191586" y="-13899"/>
+                  <a:pt x="9524322" y="0"/>
+                </a:cubicBezTo>
+                <a:cubicBezTo>
+                  <a:pt x="9857058" y="13899"/>
+                  <a:pt x="10297509" y="7485"/>
+                  <a:pt x="10853928" y="0"/>
+                </a:cubicBezTo>
+                <a:cubicBezTo>
+                  <a:pt x="10854574" y="4451"/>
+                  <a:pt x="10854418" y="9226"/>
+                  <a:pt x="10853928" y="18288"/>
+                </a:cubicBezTo>
+                <a:cubicBezTo>
+                  <a:pt x="10691638" y="28522"/>
+                  <a:pt x="10574319" y="29578"/>
+                  <a:pt x="10392636" y="18288"/>
+                </a:cubicBezTo>
+                <a:cubicBezTo>
+                  <a:pt x="10210953" y="6998"/>
+                  <a:pt x="9836277" y="-16742"/>
+                  <a:pt x="9497187" y="18288"/>
+                </a:cubicBezTo>
+                <a:cubicBezTo>
+                  <a:pt x="9158097" y="53318"/>
+                  <a:pt x="9119479" y="30714"/>
+                  <a:pt x="8818817" y="18288"/>
+                </a:cubicBezTo>
+                <a:cubicBezTo>
+                  <a:pt x="8518155" y="5863"/>
+                  <a:pt x="8640037" y="6483"/>
+                  <a:pt x="8466064" y="18288"/>
+                </a:cubicBezTo>
+                <a:cubicBezTo>
+                  <a:pt x="8292091" y="30093"/>
+                  <a:pt x="7997656" y="18914"/>
+                  <a:pt x="7787693" y="18288"/>
+                </a:cubicBezTo>
+                <a:cubicBezTo>
+                  <a:pt x="7577730" y="17662"/>
+                  <a:pt x="7412468" y="21416"/>
+                  <a:pt x="7217862" y="18288"/>
+                </a:cubicBezTo>
+                <a:cubicBezTo>
+                  <a:pt x="7023256" y="15160"/>
+                  <a:pt x="6898018" y="14824"/>
+                  <a:pt x="6648031" y="18288"/>
+                </a:cubicBezTo>
+                <a:cubicBezTo>
+                  <a:pt x="6398044" y="21752"/>
+                  <a:pt x="6254402" y="38625"/>
+                  <a:pt x="6078200" y="18288"/>
+                </a:cubicBezTo>
+                <a:cubicBezTo>
+                  <a:pt x="5901998" y="-2049"/>
+                  <a:pt x="5622886" y="3213"/>
+                  <a:pt x="5508368" y="18288"/>
+                </a:cubicBezTo>
+                <a:cubicBezTo>
+                  <a:pt x="5393850" y="33363"/>
+                  <a:pt x="5036260" y="26830"/>
+                  <a:pt x="4721459" y="18288"/>
+                </a:cubicBezTo>
+                <a:cubicBezTo>
+                  <a:pt x="4406658" y="9746"/>
+                  <a:pt x="4239221" y="41551"/>
+                  <a:pt x="4043088" y="18288"/>
+                </a:cubicBezTo>
+                <a:cubicBezTo>
+                  <a:pt x="3846955" y="-4975"/>
+                  <a:pt x="3818802" y="34658"/>
+                  <a:pt x="3690336" y="18288"/>
+                </a:cubicBezTo>
+                <a:cubicBezTo>
+                  <a:pt x="3561870" y="1918"/>
+                  <a:pt x="3265491" y="42194"/>
+                  <a:pt x="3120504" y="18288"/>
+                </a:cubicBezTo>
+                <a:cubicBezTo>
+                  <a:pt x="2975517" y="-5618"/>
+                  <a:pt x="2720254" y="36673"/>
+                  <a:pt x="2333595" y="18288"/>
+                </a:cubicBezTo>
+                <a:cubicBezTo>
+                  <a:pt x="1946936" y="-97"/>
+                  <a:pt x="2097241" y="5776"/>
+                  <a:pt x="1872303" y="18288"/>
+                </a:cubicBezTo>
+                <a:cubicBezTo>
+                  <a:pt x="1647365" y="30800"/>
+                  <a:pt x="1282708" y="45380"/>
+                  <a:pt x="976854" y="18288"/>
+                </a:cubicBezTo>
+                <a:cubicBezTo>
+                  <a:pt x="671000" y="-8804"/>
+                  <a:pt x="408401" y="-12775"/>
+                  <a:pt x="0" y="18288"/>
+                </a:cubicBezTo>
+                <a:cubicBezTo>
+                  <a:pt x="-213" y="9468"/>
+                  <a:pt x="187" y="4459"/>
+                  <a:pt x="0" y="0"/>
+                </a:cubicBezTo>
+                <a:close/>
+              </a:path>
+              <a:path w="10853928" h="18288" stroke="0" extrusionOk="0">
+                <a:moveTo>
+                  <a:pt x="0" y="0"/>
+                </a:moveTo>
+                <a:cubicBezTo>
+                  <a:pt x="267322" y="15284"/>
+                  <a:pt x="415388" y="-21048"/>
+                  <a:pt x="569831" y="0"/>
+                </a:cubicBezTo>
+                <a:cubicBezTo>
+                  <a:pt x="724274" y="21048"/>
+                  <a:pt x="769333" y="-2353"/>
+                  <a:pt x="922584" y="0"/>
+                </a:cubicBezTo>
+                <a:cubicBezTo>
+                  <a:pt x="1075835" y="2353"/>
+                  <a:pt x="1399490" y="-145"/>
+                  <a:pt x="1818033" y="0"/>
+                </a:cubicBezTo>
+                <a:cubicBezTo>
+                  <a:pt x="2236576" y="145"/>
+                  <a:pt x="2145330" y="5482"/>
+                  <a:pt x="2387864" y="0"/>
+                </a:cubicBezTo>
+                <a:cubicBezTo>
+                  <a:pt x="2630398" y="-5482"/>
+                  <a:pt x="2793207" y="18487"/>
+                  <a:pt x="2957695" y="0"/>
+                </a:cubicBezTo>
+                <a:cubicBezTo>
+                  <a:pt x="3122183" y="-18487"/>
+                  <a:pt x="3579141" y="19003"/>
+                  <a:pt x="3853144" y="0"/>
+                </a:cubicBezTo>
+                <a:cubicBezTo>
+                  <a:pt x="4127147" y="-19003"/>
+                  <a:pt x="4209857" y="12211"/>
+                  <a:pt x="4314436" y="0"/>
+                </a:cubicBezTo>
+                <a:cubicBezTo>
+                  <a:pt x="4419015" y="-12211"/>
+                  <a:pt x="4762459" y="-17220"/>
+                  <a:pt x="5209885" y="0"/>
+                </a:cubicBezTo>
+                <a:cubicBezTo>
+                  <a:pt x="5657311" y="17220"/>
+                  <a:pt x="5692663" y="-3290"/>
+                  <a:pt x="6105335" y="0"/>
+                </a:cubicBezTo>
+                <a:cubicBezTo>
+                  <a:pt x="6518007" y="3290"/>
+                  <a:pt x="6455516" y="-5124"/>
+                  <a:pt x="6783705" y="0"/>
+                </a:cubicBezTo>
+                <a:cubicBezTo>
+                  <a:pt x="7111894" y="5124"/>
+                  <a:pt x="7441941" y="-17829"/>
+                  <a:pt x="7679154" y="0"/>
+                </a:cubicBezTo>
+                <a:cubicBezTo>
+                  <a:pt x="7916367" y="17829"/>
+                  <a:pt x="8102967" y="-24363"/>
+                  <a:pt x="8248985" y="0"/>
+                </a:cubicBezTo>
+                <a:cubicBezTo>
+                  <a:pt x="8395003" y="24363"/>
+                  <a:pt x="8552393" y="25505"/>
+                  <a:pt x="8818817" y="0"/>
+                </a:cubicBezTo>
+                <a:cubicBezTo>
+                  <a:pt x="9085241" y="-25505"/>
+                  <a:pt x="9411308" y="38000"/>
+                  <a:pt x="9605726" y="0"/>
+                </a:cubicBezTo>
+                <a:cubicBezTo>
+                  <a:pt x="9800144" y="-38000"/>
+                  <a:pt x="10006468" y="-25741"/>
+                  <a:pt x="10175558" y="0"/>
+                </a:cubicBezTo>
+                <a:cubicBezTo>
+                  <a:pt x="10344648" y="25741"/>
+                  <a:pt x="10696282" y="695"/>
+                  <a:pt x="10853928" y="0"/>
+                </a:cubicBezTo>
+                <a:cubicBezTo>
+                  <a:pt x="10853521" y="8690"/>
+                  <a:pt x="10853774" y="14141"/>
+                  <a:pt x="10853928" y="18288"/>
+                </a:cubicBezTo>
+                <a:cubicBezTo>
+                  <a:pt x="10608124" y="24255"/>
+                  <a:pt x="10343415" y="22307"/>
+                  <a:pt x="10067018" y="18288"/>
+                </a:cubicBezTo>
+                <a:cubicBezTo>
+                  <a:pt x="9790621" y="14270"/>
+                  <a:pt x="9843266" y="3564"/>
+                  <a:pt x="9714266" y="18288"/>
+                </a:cubicBezTo>
+                <a:cubicBezTo>
+                  <a:pt x="9585266" y="33012"/>
+                  <a:pt x="9379484" y="1875"/>
+                  <a:pt x="9252974" y="18288"/>
+                </a:cubicBezTo>
+                <a:cubicBezTo>
+                  <a:pt x="9126464" y="34701"/>
+                  <a:pt x="8580678" y="-4904"/>
+                  <a:pt x="8357525" y="18288"/>
+                </a:cubicBezTo>
+                <a:cubicBezTo>
+                  <a:pt x="8134372" y="41480"/>
+                  <a:pt x="7903199" y="26458"/>
+                  <a:pt x="7679154" y="18288"/>
+                </a:cubicBezTo>
+                <a:cubicBezTo>
+                  <a:pt x="7455109" y="10118"/>
+                  <a:pt x="7435944" y="27109"/>
+                  <a:pt x="7217862" y="18288"/>
+                </a:cubicBezTo>
+                <a:cubicBezTo>
+                  <a:pt x="6999780" y="9467"/>
+                  <a:pt x="6680409" y="18985"/>
+                  <a:pt x="6539492" y="18288"/>
+                </a:cubicBezTo>
+                <a:cubicBezTo>
+                  <a:pt x="6398575" y="17592"/>
+                  <a:pt x="6312077" y="33018"/>
+                  <a:pt x="6186739" y="18288"/>
+                </a:cubicBezTo>
+                <a:cubicBezTo>
+                  <a:pt x="6061401" y="3558"/>
+                  <a:pt x="5947033" y="12075"/>
+                  <a:pt x="5833986" y="18288"/>
+                </a:cubicBezTo>
+                <a:cubicBezTo>
+                  <a:pt x="5720939" y="24501"/>
+                  <a:pt x="5482226" y="8586"/>
+                  <a:pt x="5155616" y="18288"/>
+                </a:cubicBezTo>
+                <a:cubicBezTo>
+                  <a:pt x="4829006" y="27991"/>
+                  <a:pt x="4841274" y="29316"/>
+                  <a:pt x="4694324" y="18288"/>
+                </a:cubicBezTo>
+                <a:cubicBezTo>
+                  <a:pt x="4547374" y="7260"/>
+                  <a:pt x="4077675" y="7013"/>
+                  <a:pt x="3907414" y="18288"/>
+                </a:cubicBezTo>
+                <a:cubicBezTo>
+                  <a:pt x="3737153" y="29564"/>
+                  <a:pt x="3538393" y="21630"/>
+                  <a:pt x="3446122" y="18288"/>
+                </a:cubicBezTo>
+                <a:cubicBezTo>
+                  <a:pt x="3353851" y="14946"/>
+                  <a:pt x="2990320" y="-8091"/>
+                  <a:pt x="2659212" y="18288"/>
+                </a:cubicBezTo>
+                <a:cubicBezTo>
+                  <a:pt x="2328104" y="44667"/>
+                  <a:pt x="2427653" y="9607"/>
+                  <a:pt x="2306460" y="18288"/>
+                </a:cubicBezTo>
+                <a:cubicBezTo>
+                  <a:pt x="2185267" y="26969"/>
+                  <a:pt x="1719763" y="3717"/>
+                  <a:pt x="1519550" y="18288"/>
+                </a:cubicBezTo>
+                <a:cubicBezTo>
+                  <a:pt x="1319337" y="32860"/>
+                  <a:pt x="1167371" y="17040"/>
+                  <a:pt x="1058258" y="18288"/>
+                </a:cubicBezTo>
+                <a:cubicBezTo>
+                  <a:pt x="949145" y="19536"/>
+                  <a:pt x="780234" y="31447"/>
+                  <a:pt x="705505" y="18288"/>
+                </a:cubicBezTo>
+                <a:cubicBezTo>
+                  <a:pt x="630776" y="5129"/>
+                  <a:pt x="215796" y="30056"/>
+                  <a:pt x="0" y="18288"/>
+                </a:cubicBezTo>
+                <a:cubicBezTo>
+                  <a:pt x="-53" y="11301"/>
+                  <a:pt x="-649" y="7756"/>
+                  <a:pt x="0" y="0"/>
+                </a:cubicBezTo>
+                <a:close/>
+              </a:path>
+            </a:pathLst>
+          </a:custGeom>
+          <a:solidFill>
+            <a:schemeClr val="accent2"/>
+          </a:solidFill>
+          <a:ln w="41275" cap="rnd">
+            <a:solidFill>
+              <a:schemeClr val="accent2"/>
+            </a:solidFill>
+            <a:round/>
+            <a:extLst>
+              <a:ext uri="{C807C97D-BFC1-408E-A445-0C87EB9F89A2}">
+                <ask:lineSketchStyleProps xmlns:ask="http://schemas.microsoft.com/office/drawing/2018/sketchyshapes" sd="1219033472">
+                  <a:prstGeom prst="rect">
+                    <a:avLst/>
+                  </a:prstGeom>
+                  <ask:type>
+                    <ask:lineSketchFreehand/>
+                  </ask:type>
+                </ask:lineSketchStyleProps>
+              </a:ext>
+            </a:extLst>
+          </a:ln>
+        </p:spPr>
+        <p:style>
+          <a:lnRef idx="2">
+            <a:schemeClr val="accent1">
+              <a:shade val="50000"/>
+            </a:schemeClr>
+          </a:lnRef>
+          <a:fillRef idx="1">
+            <a:schemeClr val="accent1"/>
+          </a:fillRef>
+          <a:effectRef idx="0">
+            <a:schemeClr val="accent1"/>
+          </a:effectRef>
+          <a:fontRef idx="minor">
+            <a:schemeClr val="lt1"/>
+          </a:fontRef>
+        </p:style>
+        <p:txBody>
+          <a:bodyPr rtlCol="0" anchor="ctr"/>
+          <a:lstStyle/>
+          <a:p>
+            <a:pPr algn="ctr"/>
+            <a:endParaRPr lang="en-US"/>
+          </a:p>
+        </p:txBody>
+      </p:sp>
+      <p:sp>
+        <p:nvSpPr>
+          <p:cNvPr id="5" name="TextBox 4">
+            <a:extLst>
+              <a:ext uri="{FF2B5EF4-FFF2-40B4-BE49-F238E27FC236}">
+                <a16:creationId xmlns:a16="http://schemas.microsoft.com/office/drawing/2014/main" id="{37873CC5-5CDF-8DA5-4F00-6976A11C2424}"/>
+              </a:ext>
+            </a:extLst>
+          </p:cNvPr>
+          <p:cNvSpPr txBox="1"/>
+          <p:nvPr/>
+        </p:nvSpPr>
+        <p:spPr>
+          <a:xfrm>
+            <a:off x="838200" y="1929384"/>
+            <a:ext cx="10515600" cy="4251960"/>
+          </a:xfrm>
+          <a:prstGeom prst="rect">
+            <a:avLst/>
+          </a:prstGeom>
+        </p:spPr>
+        <p:txBody>
+          <a:bodyPr vert="horz" lIns="91440" tIns="45720" rIns="91440" bIns="45720" rtlCol="0">
+            <a:normAutofit/>
+          </a:bodyPr>
+          <a:lstStyle/>
+          <a:p>
+            <a:pPr indent="-228600">
+              <a:lnSpc>
+                <a:spcPct val="90000"/>
+              </a:lnSpc>
+              <a:spcAft>
+                <a:spcPts val="600"/>
+              </a:spcAft>
+              <a:buFont typeface="Arial" panose="020B0604020202020204" pitchFamily="34" charset="0"/>
+              <a:buChar char="•"/>
+            </a:pPr>
+            <a:r>
+              <a:rPr lang="en-US" sz="1900" dirty="0"/>
+              <a:t>	In conclusion, we implemented multiple search algorithms in our game "Block Escape", including BFS, DFS, IDS, A*, Weighted A* and Greedy. </a:t>
+            </a:r>
+          </a:p>
+          <a:p>
+            <a:pPr indent="-228600">
+              <a:lnSpc>
+                <a:spcPct val="90000"/>
+              </a:lnSpc>
+              <a:spcAft>
+                <a:spcPts val="600"/>
+              </a:spcAft>
+              <a:buFont typeface="Arial" panose="020B0604020202020204" pitchFamily="34" charset="0"/>
+              <a:buChar char="•"/>
+            </a:pPr>
+            <a:r>
+              <a:rPr lang="en-US" sz="1900" dirty="0"/>
               <a:t>	While each algorithm has its strengths and weaknesses, we found that BFS was very slow compared to the other algorithms. Greedy search, on the other hand, performed differently due to its lack of a cost function. When it comes to the heuristics we implemented, we found that prioritizing moves that keep the red block close to the edges of the board was the best heuristic overall. This heuristic consistently outperformed the other heuristics in terms of finding optimal solutions, and we believe this is because it helps the algorithm focus on paths that are more likely to lead to the goal state. In our experiments, all the heuristics provided an optimal solution in the A* algorithm. This shows that the heuristics we chose were effective in guiding the search towards the goal state. Finally, we found that IDS was slower than DFS, but used fewer nodes compared to DFS. This suggests that IDS could be a good choice when memory is a concern, and we recommend considering it as an alternative to DFS in certain scenarios. </a:t>
             </a:r>
           </a:p>
           <a:p>
-            <a:r>
-              <a:rPr lang="en-US" dirty="0"/>
-              <a:t>Overall, we are pleased with the performance of our search algorithms and heuristics in "Block Escape". </a:t>
-            </a:r>
-            <a:endParaRPr lang="en-GB" dirty="0"/>
+            <a:pPr indent="-228600">
+              <a:lnSpc>
+                <a:spcPct val="90000"/>
+              </a:lnSpc>
+              <a:spcAft>
+                <a:spcPts val="600"/>
+              </a:spcAft>
+              <a:buFont typeface="Arial" panose="020B0604020202020204" pitchFamily="34" charset="0"/>
+              <a:buChar char="•"/>
+            </a:pPr>
+            <a:r>
+              <a:rPr lang="en-US" sz="1900" dirty="0"/>
+              <a:t>Overall, the search algorithms and heuristics in "Block Escape“ performed accordingly to our expectations. </a:t>
+            </a:r>
           </a:p>
         </p:txBody>
       </p:sp>

--- a/Block Escape.pptx
+++ b/Block Escape.pptx
@@ -205,7 +205,7 @@
           <a:p>
             <a:fld id="{93E535DD-106C-4541-B5AF-9672E5885387}" type="datetimeFigureOut">
               <a:rPr lang="en-US" smtClean="0"/>
-              <a:t>4/3/2023</a:t>
+              <a:t>4/4/2023</a:t>
             </a:fld>
             <a:endParaRPr lang="en-US"/>
           </a:p>
@@ -705,7 +705,7 @@
           <a:p>
             <a:fld id="{1C56E1C8-51FB-41FF-A952-5015197EF72E}" type="datetimeFigureOut">
               <a:rPr lang="en-GB" smtClean="0"/>
-              <a:t>03/04/2023</a:t>
+              <a:t>04/04/2023</a:t>
             </a:fld>
             <a:endParaRPr lang="en-GB"/>
           </a:p>
@@ -905,7 +905,7 @@
           <a:p>
             <a:fld id="{1C56E1C8-51FB-41FF-A952-5015197EF72E}" type="datetimeFigureOut">
               <a:rPr lang="en-GB" smtClean="0"/>
-              <a:t>03/04/2023</a:t>
+              <a:t>04/04/2023</a:t>
             </a:fld>
             <a:endParaRPr lang="en-GB"/>
           </a:p>
@@ -1115,7 +1115,7 @@
           <a:p>
             <a:fld id="{1C56E1C8-51FB-41FF-A952-5015197EF72E}" type="datetimeFigureOut">
               <a:rPr lang="en-GB" smtClean="0"/>
-              <a:t>03/04/2023</a:t>
+              <a:t>04/04/2023</a:t>
             </a:fld>
             <a:endParaRPr lang="en-GB"/>
           </a:p>
@@ -1315,7 +1315,7 @@
           <a:p>
             <a:fld id="{1C56E1C8-51FB-41FF-A952-5015197EF72E}" type="datetimeFigureOut">
               <a:rPr lang="en-GB" smtClean="0"/>
-              <a:t>03/04/2023</a:t>
+              <a:t>04/04/2023</a:t>
             </a:fld>
             <a:endParaRPr lang="en-GB"/>
           </a:p>
@@ -1591,7 +1591,7 @@
           <a:p>
             <a:fld id="{1C56E1C8-51FB-41FF-A952-5015197EF72E}" type="datetimeFigureOut">
               <a:rPr lang="en-GB" smtClean="0"/>
-              <a:t>03/04/2023</a:t>
+              <a:t>04/04/2023</a:t>
             </a:fld>
             <a:endParaRPr lang="en-GB"/>
           </a:p>
@@ -1859,7 +1859,7 @@
           <a:p>
             <a:fld id="{1C56E1C8-51FB-41FF-A952-5015197EF72E}" type="datetimeFigureOut">
               <a:rPr lang="en-GB" smtClean="0"/>
-              <a:t>03/04/2023</a:t>
+              <a:t>04/04/2023</a:t>
             </a:fld>
             <a:endParaRPr lang="en-GB"/>
           </a:p>
@@ -2274,7 +2274,7 @@
           <a:p>
             <a:fld id="{1C56E1C8-51FB-41FF-A952-5015197EF72E}" type="datetimeFigureOut">
               <a:rPr lang="en-GB" smtClean="0"/>
-              <a:t>03/04/2023</a:t>
+              <a:t>04/04/2023</a:t>
             </a:fld>
             <a:endParaRPr lang="en-GB"/>
           </a:p>
@@ -2416,7 +2416,7 @@
           <a:p>
             <a:fld id="{1C56E1C8-51FB-41FF-A952-5015197EF72E}" type="datetimeFigureOut">
               <a:rPr lang="en-GB" smtClean="0"/>
-              <a:t>03/04/2023</a:t>
+              <a:t>04/04/2023</a:t>
             </a:fld>
             <a:endParaRPr lang="en-GB"/>
           </a:p>
@@ -2529,7 +2529,7 @@
           <a:p>
             <a:fld id="{1C56E1C8-51FB-41FF-A952-5015197EF72E}" type="datetimeFigureOut">
               <a:rPr lang="en-GB" smtClean="0"/>
-              <a:t>03/04/2023</a:t>
+              <a:t>04/04/2023</a:t>
             </a:fld>
             <a:endParaRPr lang="en-GB"/>
           </a:p>
@@ -2842,7 +2842,7 @@
           <a:p>
             <a:fld id="{1C56E1C8-51FB-41FF-A952-5015197EF72E}" type="datetimeFigureOut">
               <a:rPr lang="en-GB" smtClean="0"/>
-              <a:t>03/04/2023</a:t>
+              <a:t>04/04/2023</a:t>
             </a:fld>
             <a:endParaRPr lang="en-GB"/>
           </a:p>
@@ -3131,7 +3131,7 @@
           <a:p>
             <a:fld id="{1C56E1C8-51FB-41FF-A952-5015197EF72E}" type="datetimeFigureOut">
               <a:rPr lang="en-GB" smtClean="0"/>
-              <a:t>03/04/2023</a:t>
+              <a:t>04/04/2023</a:t>
             </a:fld>
             <a:endParaRPr lang="en-GB"/>
           </a:p>
@@ -3374,7 +3374,7 @@
           <a:p>
             <a:fld id="{1C56E1C8-51FB-41FF-A952-5015197EF72E}" type="datetimeFigureOut">
               <a:rPr lang="en-GB" smtClean="0"/>
-              <a:t>03/04/2023</a:t>
+              <a:t>04/04/2023</a:t>
             </a:fld>
             <a:endParaRPr lang="en-GB"/>
           </a:p>
@@ -5702,7 +5702,7 @@
               <a:rPr lang="en-US" dirty="0">
                 <a:latin typeface="Lexend"/>
               </a:rPr>
-              <a:t> take the red piece to the exit, while navigating around obstacles on a limited grid.</a:t>
+              <a:t> take the red block to the exit, while navigating around obstacles on a limited grid.</a:t>
             </a:r>
           </a:p>
           <a:p>
@@ -5810,7 +5810,7 @@
               <a:rPr lang="en-US" dirty="0">
                 <a:latin typeface="Lexend"/>
               </a:rPr>
-              <a:t>breadth-first search, depth-first search, iterative deepening, uniform cost, greedy search, A* algorithm and weighted A*</a:t>
+              <a:t>breadth-first search, depth-first search, iterative deepening, greedy search, A* algorithm and weighted A*</a:t>
             </a:r>
           </a:p>
         </p:txBody>
@@ -5929,7 +5929,7 @@
             </a:r>
             <a:r>
               <a:rPr lang="en-US" sz="1400" dirty="0"/>
-              <a:t>Move the red piece out of the board through a series of movements without getting blocked.</a:t>
+              <a:t>The red block is in the exit position.</a:t>
             </a:r>
           </a:p>
           <a:p>
@@ -5960,7 +5960,7 @@
             </a:r>
             <a:r>
               <a:rPr lang="en-US" sz="1400" dirty="0"/>
-              <a:t>An object Puzzle with defined dimensions and a list of pieces. </a:t>
+              <a:t>An object Puzzle with defined dimensions and a list of blocks. </a:t>
             </a:r>
           </a:p>
           <a:p>
@@ -5978,7 +5978,7 @@
             </a:r>
             <a:r>
               <a:rPr lang="en-US" sz="1400" dirty="0"/>
-              <a:t> A board filled with pieces and the red piece blocked. </a:t>
+              <a:t> A board filled with blocks and the red block is blocked. </a:t>
             </a:r>
           </a:p>
           <a:p>
@@ -6009,7 +6009,7 @@
             </a:r>
             <a:r>
               <a:rPr lang="en-US" sz="1400" dirty="0"/>
-              <a:t> move: Move a piece to an empty space in the game board. </a:t>
+              <a:t> move: Move a block to an empty space in the game board. </a:t>
             </a:r>
           </a:p>
           <a:p>
@@ -6057,19 +6057,8 @@
             </a:pPr>
             <a:r>
               <a:rPr lang="en-US" sz="1400" dirty="0"/>
-              <a:t>Effect: Update the position of the piece and end the game if the red piece reaches the exit. </a:t>
-            </a:r>
-          </a:p>
-          <a:p>
-            <a:pPr marL="57150">
-              <a:lnSpc>
-                <a:spcPct val="90000"/>
-              </a:lnSpc>
-              <a:spcAft>
-                <a:spcPts val="600"/>
-              </a:spcAft>
-            </a:pPr>
-            <a:endParaRPr lang="en-US" sz="1400" dirty="0"/>
+              <a:t>Effect: Update the position of the block with the new position.</a:t>
+            </a:r>
           </a:p>
           <a:p>
             <a:pPr>
@@ -6199,6 +6188,22 @@
             <a:r>
               <a:rPr lang="en-US" sz="1400" dirty="0"/>
               <a:t>H7: Prioritize moving the largest pieces on the game board first. </a:t>
+            </a:r>
+          </a:p>
+          <a:p>
+            <a:pPr marL="285750" indent="-228600">
+              <a:lnSpc>
+                <a:spcPct val="90000"/>
+              </a:lnSpc>
+              <a:spcAft>
+                <a:spcPts val="600"/>
+              </a:spcAft>
+              <a:buFont typeface="Arial" panose="020B0604020202020204" pitchFamily="34" charset="0"/>
+              <a:buChar char="•"/>
+            </a:pPr>
+            <a:r>
+              <a:rPr lang="en-US" sz="1400" dirty="0"/>
+              <a:t>H8: Prioritize moving the smallest pieces on the game board first. </a:t>
             </a:r>
           </a:p>
         </p:txBody>
@@ -7311,12 +7316,10 @@
           </a:bodyPr>
           <a:lstStyle/>
           <a:p>
-            <a:pPr indent="-228600">
+            <a:pPr>
               <a:lnSpc>
                 <a:spcPct val="90000"/>
               </a:lnSpc>
-              <a:buFont typeface="Arial" panose="020B0604020202020204" pitchFamily="34" charset="0"/>
-              <a:buChar char="•"/>
             </a:pPr>
             <a:r>
               <a:rPr lang="en-US" dirty="0"/>
@@ -7468,12 +7471,10 @@
             <a:endParaRPr lang="en-US" dirty="0"/>
           </a:p>
           <a:p>
-            <a:pPr indent="-228600">
+            <a:pPr>
               <a:lnSpc>
                 <a:spcPct val="90000"/>
               </a:lnSpc>
-              <a:buFont typeface="Arial" panose="020B0604020202020204" pitchFamily="34" charset="0"/>
-              <a:buChar char="•"/>
             </a:pPr>
             <a:r>
               <a:rPr lang="en-US" dirty="0"/>
@@ -8532,78 +8533,6 @@
           </a:p>
         </p:txBody>
       </p:sp>
-      <p:pic>
-        <p:nvPicPr>
-          <p:cNvPr id="6" name="Picture 5" descr="Uniformed search on easy level (nodes)">
-            <a:extLst>
-              <a:ext uri="{FF2B5EF4-FFF2-40B4-BE49-F238E27FC236}">
-                <a16:creationId xmlns:a16="http://schemas.microsoft.com/office/drawing/2014/main" id="{34D95D2B-BAE1-4D8C-54DA-1B78FF19179B}"/>
-              </a:ext>
-            </a:extLst>
-          </p:cNvPr>
-          <p:cNvPicPr>
-            <a:picLocks noChangeAspect="1"/>
-          </p:cNvPicPr>
-          <p:nvPr/>
-        </p:nvPicPr>
-        <p:blipFill>
-          <a:blip r:embed="rId2">
-            <a:extLst>
-              <a:ext uri="{28A0092B-C50C-407E-A947-70E740481C1C}">
-                <a14:useLocalDpi xmlns:a14="http://schemas.microsoft.com/office/drawing/2010/main" val="0"/>
-              </a:ext>
-            </a:extLst>
-          </a:blip>
-          <a:stretch>
-            <a:fillRect/>
-          </a:stretch>
-        </p:blipFill>
-        <p:spPr>
-          <a:xfrm>
-            <a:off x="1057868" y="2001212"/>
-            <a:ext cx="10168128" cy="2424831"/>
-          </a:xfrm>
-          <a:prstGeom prst="rect">
-            <a:avLst/>
-          </a:prstGeom>
-        </p:spPr>
-      </p:pic>
-      <p:pic>
-        <p:nvPicPr>
-          <p:cNvPr id="10" name="Picture 9" descr="Chart, bar chart&#10;&#10;Description automatically generated">
-            <a:extLst>
-              <a:ext uri="{FF2B5EF4-FFF2-40B4-BE49-F238E27FC236}">
-                <a16:creationId xmlns:a16="http://schemas.microsoft.com/office/drawing/2014/main" id="{CF71D2E0-1628-663A-0C4E-253323709E45}"/>
-              </a:ext>
-            </a:extLst>
-          </p:cNvPr>
-          <p:cNvPicPr>
-            <a:picLocks noChangeAspect="1"/>
-          </p:cNvPicPr>
-          <p:nvPr/>
-        </p:nvPicPr>
-        <p:blipFill>
-          <a:blip r:embed="rId3">
-            <a:extLst>
-              <a:ext uri="{28A0092B-C50C-407E-A947-70E740481C1C}">
-                <a14:useLocalDpi xmlns:a14="http://schemas.microsoft.com/office/drawing/2010/main" val="0"/>
-              </a:ext>
-            </a:extLst>
-          </a:blip>
-          <a:stretch>
-            <a:fillRect/>
-          </a:stretch>
-        </p:blipFill>
-        <p:spPr>
-          <a:xfrm>
-            <a:off x="1011937" y="4426043"/>
-            <a:ext cx="10168125" cy="2424831"/>
-          </a:xfrm>
-          <a:prstGeom prst="rect">
-            <a:avLst/>
-          </a:prstGeom>
-        </p:spPr>
-      </p:pic>
       <p:sp>
         <p:nvSpPr>
           <p:cNvPr id="11" name="TextBox 10">
@@ -8638,7 +8567,7 @@
             </a:r>
             <a:r>
               <a:rPr lang="en-US" dirty="0">
-                <a:hlinkClick r:id="rId4" action="ppaction://hlinkfile"/>
+                <a:hlinkClick r:id="rId2" action="ppaction://hlinkfile"/>
               </a:rPr>
               <a:t>here</a:t>
             </a:r>
@@ -8646,6 +8575,66 @@
           </a:p>
         </p:txBody>
       </p:sp>
+      <p:pic>
+        <p:nvPicPr>
+          <p:cNvPr id="7" name="Picture 6">
+            <a:extLst>
+              <a:ext uri="{FF2B5EF4-FFF2-40B4-BE49-F238E27FC236}">
+                <a16:creationId xmlns:a16="http://schemas.microsoft.com/office/drawing/2014/main" id="{18C074E8-B8D0-0DBB-8ABA-8588D41919D3}"/>
+              </a:ext>
+            </a:extLst>
+          </p:cNvPr>
+          <p:cNvPicPr>
+            <a:picLocks noChangeAspect="1"/>
+          </p:cNvPicPr>
+          <p:nvPr/>
+        </p:nvPicPr>
+        <p:blipFill>
+          <a:blip r:embed="rId3"/>
+          <a:stretch>
+            <a:fillRect/>
+          </a:stretch>
+        </p:blipFill>
+        <p:spPr>
+          <a:xfrm>
+            <a:off x="1663116" y="2142361"/>
+            <a:ext cx="8865767" cy="2067437"/>
+          </a:xfrm>
+          <a:prstGeom prst="rect">
+            <a:avLst/>
+          </a:prstGeom>
+        </p:spPr>
+      </p:pic>
+      <p:pic>
+        <p:nvPicPr>
+          <p:cNvPr id="9" name="Picture 8">
+            <a:extLst>
+              <a:ext uri="{FF2B5EF4-FFF2-40B4-BE49-F238E27FC236}">
+                <a16:creationId xmlns:a16="http://schemas.microsoft.com/office/drawing/2014/main" id="{577AF9BE-15AE-DA6F-06B8-4A988170E9E6}"/>
+              </a:ext>
+            </a:extLst>
+          </p:cNvPr>
+          <p:cNvPicPr>
+            <a:picLocks noChangeAspect="1"/>
+          </p:cNvPicPr>
+          <p:nvPr/>
+        </p:nvPicPr>
+        <p:blipFill>
+          <a:blip r:embed="rId4"/>
+          <a:stretch>
+            <a:fillRect/>
+          </a:stretch>
+        </p:blipFill>
+        <p:spPr>
+          <a:xfrm>
+            <a:off x="2400860" y="4209798"/>
+            <a:ext cx="7482143" cy="2608863"/>
+          </a:xfrm>
+          <a:prstGeom prst="rect">
+            <a:avLst/>
+          </a:prstGeom>
+        </p:spPr>
+      </p:pic>
     </p:spTree>
     <p:extLst>
       <p:ext uri="{BB962C8B-B14F-4D97-AF65-F5344CB8AC3E}">
@@ -9426,10 +9415,10 @@
       </p:sp>
       <p:sp>
         <p:nvSpPr>
-          <p:cNvPr id="5" name="TextBox 4">
-            <a:extLst>
-              <a:ext uri="{FF2B5EF4-FFF2-40B4-BE49-F238E27FC236}">
-                <a16:creationId xmlns:a16="http://schemas.microsoft.com/office/drawing/2014/main" id="{37873CC5-5CDF-8DA5-4F00-6976A11C2424}"/>
+          <p:cNvPr id="3" name="TextBox 2">
+            <a:extLst>
+              <a:ext uri="{FF2B5EF4-FFF2-40B4-BE49-F238E27FC236}">
+                <a16:creationId xmlns:a16="http://schemas.microsoft.com/office/drawing/2014/main" id="{DD8E90BB-15C9-7665-6143-442BAF666FF9}"/>
               </a:ext>
             </a:extLst>
           </p:cNvPr>
@@ -9438,65 +9427,147 @@
         </p:nvSpPr>
         <p:spPr>
           <a:xfrm>
-            <a:off x="838200" y="1929384"/>
-            <a:ext cx="10515600" cy="4251960"/>
+            <a:off x="1143000" y="1922930"/>
+            <a:ext cx="9977718" cy="4801314"/>
           </a:xfrm>
           <a:prstGeom prst="rect">
             <a:avLst/>
           </a:prstGeom>
+          <a:noFill/>
         </p:spPr>
         <p:txBody>
-          <a:bodyPr vert="horz" lIns="91440" tIns="45720" rIns="91440" bIns="45720" rtlCol="0">
-            <a:normAutofit/>
+          <a:bodyPr wrap="square" rtlCol="0">
+            <a:spAutoFit/>
           </a:bodyPr>
           <a:lstStyle/>
           <a:p>
-            <a:pPr indent="-228600">
-              <a:lnSpc>
-                <a:spcPct val="90000"/>
-              </a:lnSpc>
-              <a:spcAft>
-                <a:spcPts val="600"/>
-              </a:spcAft>
+            <a:pPr marL="285750" indent="-285750">
               <a:buFont typeface="Arial" panose="020B0604020202020204" pitchFamily="34" charset="0"/>
               <a:buChar char="•"/>
             </a:pPr>
             <a:r>
-              <a:rPr lang="en-US" sz="1900" dirty="0"/>
-              <a:t>	In conclusion, we implemented multiple search algorithms in our game "Block Escape", including BFS, DFS, IDS, A*, Weighted A* and Greedy. </a:t>
-            </a:r>
-          </a:p>
-          <a:p>
-            <a:pPr indent="-228600">
-              <a:lnSpc>
-                <a:spcPct val="90000"/>
-              </a:lnSpc>
-              <a:spcAft>
-                <a:spcPts val="600"/>
-              </a:spcAft>
+              <a:rPr lang="en-US" dirty="0"/>
+              <a:t>In terms of speed, BFS was found to be slower compared to the other algorithms.</a:t>
+            </a:r>
+          </a:p>
+          <a:p>
+            <a:pPr marL="285750" indent="-285750">
               <a:buFont typeface="Arial" panose="020B0604020202020204" pitchFamily="34" charset="0"/>
               <a:buChar char="•"/>
             </a:pPr>
             <a:r>
-              <a:rPr lang="en-US" sz="1900" dirty="0"/>
-              <a:t>	While each algorithm has its strengths and weaknesses, we found that BFS was very slow compared to the other algorithms. Greedy search, on the other hand, performed differently due to its lack of a cost function. When it comes to the heuristics we implemented, we found that prioritizing moves that keep the red block close to the edges of the board was the best heuristic overall. This heuristic consistently outperformed the other heuristics in terms of finding optimal solutions, and we believe this is because it helps the algorithm focus on paths that are more likely to lead to the goal state. In our experiments, all the heuristics provided an optimal solution in the A* algorithm. This shows that the heuristics we chose were effective in guiding the search towards the goal state. Finally, we found that IDS was slower than DFS, but used fewer nodes compared to DFS. This suggests that IDS could be a good choice when memory is a concern, and we recommend considering it as an alternative to DFS in certain scenarios. </a:t>
-            </a:r>
-          </a:p>
-          <a:p>
-            <a:pPr indent="-228600">
-              <a:lnSpc>
-                <a:spcPct val="90000"/>
-              </a:lnSpc>
-              <a:spcAft>
-                <a:spcPts val="600"/>
-              </a:spcAft>
+              <a:rPr lang="en-US" dirty="0"/>
+              <a:t>Greedy search, on the other hand, performed differently due to its lack of a cost function.</a:t>
+            </a:r>
+          </a:p>
+          <a:p>
+            <a:pPr marL="285750" indent="-285750">
               <a:buFont typeface="Arial" panose="020B0604020202020204" pitchFamily="34" charset="0"/>
               <a:buChar char="•"/>
             </a:pPr>
             <a:r>
-              <a:rPr lang="en-US" sz="1900" dirty="0"/>
-              <a:t>Overall, the search algorithms and heuristics in "Block Escape“ performed accordingly to our expectations. </a:t>
-            </a:r>
+              <a:rPr lang="en-US" dirty="0"/>
+              <a:t>Prioritizing moves that keep the red block close to the edges of the board was found to be the best heuristic overall.</a:t>
+            </a:r>
+          </a:p>
+          <a:p>
+            <a:pPr marL="285750" indent="-285750">
+              <a:buFont typeface="Arial" panose="020B0604020202020204" pitchFamily="34" charset="0"/>
+              <a:buChar char="•"/>
+            </a:pPr>
+            <a:r>
+              <a:rPr lang="en-US" dirty="0"/>
+              <a:t>All the heuristics provided an optimal solution in the A* algorithm.</a:t>
+            </a:r>
+          </a:p>
+          <a:p>
+            <a:pPr marL="285750" indent="-285750">
+              <a:buFont typeface="Arial" panose="020B0604020202020204" pitchFamily="34" charset="0"/>
+              <a:buChar char="•"/>
+            </a:pPr>
+            <a:r>
+              <a:rPr lang="en-US" dirty="0"/>
+              <a:t>IDS was slower than DFS but used fewer nodes, making it a good choice when memory is a concern.</a:t>
+            </a:r>
+          </a:p>
+          <a:p>
+            <a:pPr marL="285750" indent="-285750">
+              <a:buFont typeface="Arial" panose="020B0604020202020204" pitchFamily="34" charset="0"/>
+              <a:buChar char="•"/>
+            </a:pPr>
+            <a:r>
+              <a:rPr lang="en-US" dirty="0"/>
+              <a:t>The performance of search-based games is heavily influenced by the choice of algorithm and heuristic used.</a:t>
+            </a:r>
+          </a:p>
+          <a:p>
+            <a:pPr marL="285750" indent="-285750">
+              <a:buFont typeface="Arial" panose="020B0604020202020204" pitchFamily="34" charset="0"/>
+              <a:buChar char="•"/>
+            </a:pPr>
+            <a:r>
+              <a:rPr lang="en-US" dirty="0"/>
+              <a:t>Our results suggest that BFS is not a good choice for </a:t>
+            </a:r>
+            <a:r>
+              <a:rPr lang="en-US"/>
+              <a:t>this game</a:t>
+            </a:r>
+            <a:r>
+              <a:rPr lang="en-US" dirty="0"/>
+              <a:t>.</a:t>
+            </a:r>
+          </a:p>
+          <a:p>
+            <a:pPr marL="285750" indent="-285750">
+              <a:buFont typeface="Arial" panose="020B0604020202020204" pitchFamily="34" charset="0"/>
+              <a:buChar char="•"/>
+            </a:pPr>
+            <a:r>
+              <a:rPr lang="en-US" dirty="0"/>
+              <a:t>Greedy search was interesting but did not perform as well as expected.</a:t>
+            </a:r>
+          </a:p>
+          <a:p>
+            <a:pPr marL="285750" indent="-285750">
+              <a:buFont typeface="Arial" panose="020B0604020202020204" pitchFamily="34" charset="0"/>
+              <a:buChar char="•"/>
+            </a:pPr>
+            <a:r>
+              <a:rPr lang="en-US" dirty="0"/>
+              <a:t>Prioritizing moves that keep the red block close to the edges of the board provided the best results overall.</a:t>
+            </a:r>
+          </a:p>
+          <a:p>
+            <a:pPr marL="285750" indent="-285750">
+              <a:buFont typeface="Arial" panose="020B0604020202020204" pitchFamily="34" charset="0"/>
+              <a:buChar char="•"/>
+            </a:pPr>
+            <a:r>
+              <a:rPr lang="en-US" dirty="0"/>
+              <a:t>All heuristics provided optimal solutions in the A* algorithm.</a:t>
+            </a:r>
+          </a:p>
+          <a:p>
+            <a:pPr marL="285750" indent="-285750">
+              <a:buFont typeface="Arial" panose="020B0604020202020204" pitchFamily="34" charset="0"/>
+              <a:buChar char="•"/>
+            </a:pPr>
+            <a:r>
+              <a:rPr lang="en-US" dirty="0"/>
+              <a:t>IDS was found to be slower than DFS but used fewer nodes, making it a good alternative to DFS in scenarios where memory is a concern.</a:t>
+            </a:r>
+          </a:p>
+          <a:p>
+            <a:pPr marL="285750" indent="-285750">
+              <a:buFont typeface="Arial" panose="020B0604020202020204" pitchFamily="34" charset="0"/>
+              <a:buChar char="•"/>
+            </a:pPr>
+            <a:r>
+              <a:rPr lang="en-US" dirty="0"/>
+              <a:t>Overall, our findings highlight the importance of carefully selecting the appropriate search algorithm and heuristic for a given search-based game.</a:t>
+            </a:r>
+            <a:endParaRPr lang="en-GB" dirty="0"/>
           </a:p>
         </p:txBody>
       </p:sp>

--- a/Block Escape.pptx
+++ b/Block Escape.pptx
@@ -9428,7 +9428,7 @@
         <p:spPr>
           <a:xfrm>
             <a:off x="1143000" y="1922930"/>
-            <a:ext cx="9977718" cy="4801314"/>
+            <a:ext cx="9977718" cy="4247317"/>
           </a:xfrm>
           <a:prstGeom prst="rect">
             <a:avLst/>
@@ -9507,15 +9507,7 @@
             </a:pPr>
             <a:r>
               <a:rPr lang="en-US" dirty="0"/>
-              <a:t>Our results suggest that BFS is not a good choice for </a:t>
-            </a:r>
-            <a:r>
-              <a:rPr lang="en-US"/>
-              <a:t>this game</a:t>
-            </a:r>
-            <a:r>
-              <a:rPr lang="en-US" dirty="0"/>
-              <a:t>.</a:t>
+              <a:t>Our results suggest that BFS is not a good choice for this game.</a:t>
             </a:r>
           </a:p>
           <a:p>
@@ -9554,18 +9546,12 @@
               <a:buChar char="•"/>
             </a:pPr>
             <a:r>
+              <a:rPr lang="en-US"/>
+              <a:t>Overall</a:t>
+            </a:r>
+            <a:r>
               <a:rPr lang="en-US" dirty="0"/>
-              <a:t>IDS was found to be slower than DFS but used fewer nodes, making it a good alternative to DFS in scenarios where memory is a concern.</a:t>
-            </a:r>
-          </a:p>
-          <a:p>
-            <a:pPr marL="285750" indent="-285750">
-              <a:buFont typeface="Arial" panose="020B0604020202020204" pitchFamily="34" charset="0"/>
-              <a:buChar char="•"/>
-            </a:pPr>
-            <a:r>
-              <a:rPr lang="en-US" dirty="0"/>
-              <a:t>Overall, our findings highlight the importance of carefully selecting the appropriate search algorithm and heuristic for a given search-based game.</a:t>
+              <a:t>, our findings highlight the importance of carefully selecting the appropriate search algorithm and heuristic for a given search-based game.</a:t>
             </a:r>
             <a:endParaRPr lang="en-GB" dirty="0"/>
           </a:p>
